--- a/evolutdoc/presentation/presentation.pptx
+++ b/evolutdoc/presentation/presentation.pptx
@@ -9,23 +9,23 @@
   </p:notesMasterIdLst>
   <p:sldIdLst>
     <p:sldId id="256" r:id="rId2"/>
-    <p:sldId id="266" r:id="rId3"/>
-    <p:sldId id="273" r:id="rId4"/>
-    <p:sldId id="274" r:id="rId5"/>
-    <p:sldId id="257" r:id="rId6"/>
-    <p:sldId id="272" r:id="rId7"/>
-    <p:sldId id="276" r:id="rId8"/>
+    <p:sldId id="278" r:id="rId3"/>
+    <p:sldId id="266" r:id="rId4"/>
+    <p:sldId id="273" r:id="rId5"/>
+    <p:sldId id="280" r:id="rId6"/>
+    <p:sldId id="257" r:id="rId7"/>
+    <p:sldId id="272" r:id="rId8"/>
     <p:sldId id="275" r:id="rId9"/>
-    <p:sldId id="267" r:id="rId10"/>
-    <p:sldId id="268" r:id="rId11"/>
-    <p:sldId id="269" r:id="rId12"/>
-    <p:sldId id="264" r:id="rId13"/>
-    <p:sldId id="265" r:id="rId14"/>
-    <p:sldId id="258" r:id="rId15"/>
-    <p:sldId id="262" r:id="rId16"/>
-    <p:sldId id="277" r:id="rId17"/>
-    <p:sldId id="261" r:id="rId18"/>
-    <p:sldId id="260" r:id="rId19"/>
+    <p:sldId id="281" r:id="rId10"/>
+    <p:sldId id="283" r:id="rId11"/>
+    <p:sldId id="284" r:id="rId12"/>
+    <p:sldId id="265" r:id="rId13"/>
+    <p:sldId id="258" r:id="rId14"/>
+    <p:sldId id="262" r:id="rId15"/>
+    <p:sldId id="277" r:id="rId16"/>
+    <p:sldId id="261" r:id="rId17"/>
+    <p:sldId id="260" r:id="rId18"/>
+    <p:sldId id="279" r:id="rId19"/>
   </p:sldIdLst>
   <p:sldSz cx="12192000" cy="6858000"/>
   <p:notesSz cx="6858000" cy="9144000"/>
@@ -130,21 +130,20 @@
         <p14:section name="Intro" id="{11C6BCB6-5069-46B8-A71C-E0F73C38DABF}">
           <p14:sldIdLst>
             <p14:sldId id="256"/>
+            <p14:sldId id="278"/>
             <p14:sldId id="266"/>
             <p14:sldId id="273"/>
-            <p14:sldId id="274"/>
+            <p14:sldId id="280"/>
           </p14:sldIdLst>
         </p14:section>
         <p14:section name="Grundlagen" id="{4AF01A38-B574-436E-BCC3-DFC349078C18}">
           <p14:sldIdLst>
             <p14:sldId id="257"/>
             <p14:sldId id="272"/>
-            <p14:sldId id="276"/>
             <p14:sldId id="275"/>
-            <p14:sldId id="267"/>
-            <p14:sldId id="268"/>
-            <p14:sldId id="269"/>
-            <p14:sldId id="264"/>
+            <p14:sldId id="281"/>
+            <p14:sldId id="283"/>
+            <p14:sldId id="284"/>
             <p14:sldId id="265"/>
           </p14:sldIdLst>
         </p14:section>
@@ -163,6 +162,7 @@
           <p14:sldIdLst>
             <p14:sldId id="261"/>
             <p14:sldId id="260"/>
+            <p14:sldId id="279"/>
           </p14:sldIdLst>
         </p14:section>
       </p14:sectionLst>
@@ -180,6 +180,9 @@
           </p15:clr>
         </p15:guide>
       </p15:sldGuideLst>
+    </p:ext>
+    <p:ext uri="{2D200454-40CA-4A62-9FC3-DE9A4176ACB9}">
+      <p15:notesGuideLst xmlns:p15="http://schemas.microsoft.com/office/powerpoint/2012/main"/>
     </p:ext>
   </p:extLst>
 </p:presentation>
@@ -1057,6 +1060,43 @@
         </a:p>
       </dgm:t>
     </dgm:pt>
+    <dgm:pt modelId="{DFEA25F7-813C-43EE-824E-85DF9959114C}">
+      <dgm:prSet phldrT="[Text]"/>
+      <dgm:spPr/>
+      <dgm:t>
+        <a:bodyPr/>
+        <a:lstStyle/>
+        <a:p>
+          <a:r>
+            <a:rPr lang="de-CH" dirty="0" smtClean="0"/>
+            <a:t>Rekombination</a:t>
+          </a:r>
+          <a:endParaRPr lang="de-CH" dirty="0"/>
+        </a:p>
+      </dgm:t>
+    </dgm:pt>
+    <dgm:pt modelId="{171B8DDF-70BB-4521-955A-023A428E4A89}" type="parTrans" cxnId="{376ABF47-AF04-4D45-9ECD-348B85520123}">
+      <dgm:prSet/>
+      <dgm:spPr/>
+      <dgm:t>
+        <a:bodyPr/>
+        <a:lstStyle/>
+        <a:p>
+          <a:endParaRPr lang="de-CH"/>
+        </a:p>
+      </dgm:t>
+    </dgm:pt>
+    <dgm:pt modelId="{DD0366FB-10C8-447B-B8B2-F06D5FC33D50}" type="sibTrans" cxnId="{376ABF47-AF04-4D45-9ECD-348B85520123}">
+      <dgm:prSet/>
+      <dgm:spPr/>
+      <dgm:t>
+        <a:bodyPr/>
+        <a:lstStyle/>
+        <a:p>
+          <a:endParaRPr lang="de-CH"/>
+        </a:p>
+      </dgm:t>
+    </dgm:pt>
     <dgm:pt modelId="{DDE4228C-212E-47D3-9593-E8BF706BAC43}" type="pres">
       <dgm:prSet presAssocID="{39415A6C-FB1D-42A6-B72B-F49779890AB4}" presName="cycle" presStyleCnt="0">
         <dgm:presLayoutVars>
@@ -1065,9 +1105,16 @@
         </dgm:presLayoutVars>
       </dgm:prSet>
       <dgm:spPr/>
+      <dgm:t>
+        <a:bodyPr/>
+        <a:lstStyle/>
+        <a:p>
+          <a:endParaRPr lang="de-CH"/>
+        </a:p>
+      </dgm:t>
     </dgm:pt>
     <dgm:pt modelId="{E21AA19A-8323-4A7C-AD5E-365CC2823B57}" type="pres">
-      <dgm:prSet presAssocID="{C2E3A135-561F-4ED4-BCDD-2715B42A9A89}" presName="node" presStyleLbl="node1" presStyleIdx="0" presStyleCnt="3">
+      <dgm:prSet presAssocID="{C2E3A135-561F-4ED4-BCDD-2715B42A9A89}" presName="node" presStyleLbl="node1" presStyleIdx="0" presStyleCnt="4">
         <dgm:presLayoutVars>
           <dgm:bulletEnabled val="1"/>
         </dgm:presLayoutVars>
@@ -1086,11 +1133,18 @@
       <dgm:spPr/>
     </dgm:pt>
     <dgm:pt modelId="{38542628-2897-41A3-9E52-16B0E752FB74}" type="pres">
-      <dgm:prSet presAssocID="{BD9F4815-EB2E-47CC-A129-136F5D869AE2}" presName="sibTrans" presStyleLbl="sibTrans1D1" presStyleIdx="0" presStyleCnt="3"/>
+      <dgm:prSet presAssocID="{BD9F4815-EB2E-47CC-A129-136F5D869AE2}" presName="sibTrans" presStyleLbl="sibTrans1D1" presStyleIdx="0" presStyleCnt="4"/>
       <dgm:spPr/>
+      <dgm:t>
+        <a:bodyPr/>
+        <a:lstStyle/>
+        <a:p>
+          <a:endParaRPr lang="de-CH"/>
+        </a:p>
+      </dgm:t>
     </dgm:pt>
     <dgm:pt modelId="{45BB1E18-A9AC-4B45-8DFB-DE5E4A1A7810}" type="pres">
-      <dgm:prSet presAssocID="{21D28FB7-361A-493F-BDF5-23B81B730492}" presName="node" presStyleLbl="node1" presStyleIdx="1" presStyleCnt="3">
+      <dgm:prSet presAssocID="{21D28FB7-361A-493F-BDF5-23B81B730492}" presName="node" presStyleLbl="node1" presStyleIdx="1" presStyleCnt="4">
         <dgm:presLayoutVars>
           <dgm:bulletEnabled val="1"/>
         </dgm:presLayoutVars>
@@ -1109,37 +1163,91 @@
       <dgm:spPr/>
     </dgm:pt>
     <dgm:pt modelId="{F2530A63-EA35-4564-B4A3-DC4B264F6EDF}" type="pres">
-      <dgm:prSet presAssocID="{3D68669C-5E85-4604-9DBE-F3A313EBD67D}" presName="sibTrans" presStyleLbl="sibTrans1D1" presStyleIdx="1" presStyleCnt="3"/>
+      <dgm:prSet presAssocID="{3D68669C-5E85-4604-9DBE-F3A313EBD67D}" presName="sibTrans" presStyleLbl="sibTrans1D1" presStyleIdx="1" presStyleCnt="4"/>
       <dgm:spPr/>
+      <dgm:t>
+        <a:bodyPr/>
+        <a:lstStyle/>
+        <a:p>
+          <a:endParaRPr lang="de-CH"/>
+        </a:p>
+      </dgm:t>
     </dgm:pt>
     <dgm:pt modelId="{708CF848-C8CA-4C9B-838A-CAACEBCAEECA}" type="pres">
-      <dgm:prSet presAssocID="{8440C4B7-7E5F-4E61-9C27-05D072FC36AA}" presName="node" presStyleLbl="node1" presStyleIdx="2" presStyleCnt="3">
+      <dgm:prSet presAssocID="{8440C4B7-7E5F-4E61-9C27-05D072FC36AA}" presName="node" presStyleLbl="node1" presStyleIdx="2" presStyleCnt="4">
         <dgm:presLayoutVars>
           <dgm:bulletEnabled val="1"/>
         </dgm:presLayoutVars>
       </dgm:prSet>
       <dgm:spPr/>
+      <dgm:t>
+        <a:bodyPr/>
+        <a:lstStyle/>
+        <a:p>
+          <a:endParaRPr lang="de-CH"/>
+        </a:p>
+      </dgm:t>
     </dgm:pt>
     <dgm:pt modelId="{F31BB438-9E81-4BB8-9B7D-F5FCDCF9FA9A}" type="pres">
       <dgm:prSet presAssocID="{8440C4B7-7E5F-4E61-9C27-05D072FC36AA}" presName="spNode" presStyleCnt="0"/>
       <dgm:spPr/>
     </dgm:pt>
     <dgm:pt modelId="{54713809-7240-4C9E-AE40-71AADAC96588}" type="pres">
-      <dgm:prSet presAssocID="{66A69301-190B-4129-8649-5CBA0C2416BF}" presName="sibTrans" presStyleLbl="sibTrans1D1" presStyleIdx="2" presStyleCnt="3"/>
+      <dgm:prSet presAssocID="{66A69301-190B-4129-8649-5CBA0C2416BF}" presName="sibTrans" presStyleLbl="sibTrans1D1" presStyleIdx="2" presStyleCnt="4"/>
       <dgm:spPr/>
+      <dgm:t>
+        <a:bodyPr/>
+        <a:lstStyle/>
+        <a:p>
+          <a:endParaRPr lang="de-CH"/>
+        </a:p>
+      </dgm:t>
+    </dgm:pt>
+    <dgm:pt modelId="{0D81DC1B-52FC-4F4B-AA8A-6BF53FA12D3C}" type="pres">
+      <dgm:prSet presAssocID="{DFEA25F7-813C-43EE-824E-85DF9959114C}" presName="node" presStyleLbl="node1" presStyleIdx="3" presStyleCnt="4">
+        <dgm:presLayoutVars>
+          <dgm:bulletEnabled val="1"/>
+        </dgm:presLayoutVars>
+      </dgm:prSet>
+      <dgm:spPr/>
+      <dgm:t>
+        <a:bodyPr/>
+        <a:lstStyle/>
+        <a:p>
+          <a:endParaRPr lang="de-CH"/>
+        </a:p>
+      </dgm:t>
+    </dgm:pt>
+    <dgm:pt modelId="{1D75B631-B79F-417C-9400-07C03EB59CC9}" type="pres">
+      <dgm:prSet presAssocID="{DFEA25F7-813C-43EE-824E-85DF9959114C}" presName="spNode" presStyleCnt="0"/>
+      <dgm:spPr/>
+    </dgm:pt>
+    <dgm:pt modelId="{179A76FD-898C-40CB-AAA1-1D6563B1B969}" type="pres">
+      <dgm:prSet presAssocID="{DD0366FB-10C8-447B-B8B2-F06D5FC33D50}" presName="sibTrans" presStyleLbl="sibTrans1D1" presStyleIdx="3" presStyleCnt="4"/>
+      <dgm:spPr/>
+      <dgm:t>
+        <a:bodyPr/>
+        <a:lstStyle/>
+        <a:p>
+          <a:endParaRPr lang="de-CH"/>
+        </a:p>
+      </dgm:t>
     </dgm:pt>
   </dgm:ptLst>
   <dgm:cxnLst>
+    <dgm:cxn modelId="{C96344E7-2359-4FCE-ABBA-603B313FE3EB}" srcId="{39415A6C-FB1D-42A6-B72B-F49779890AB4}" destId="{21D28FB7-361A-493F-BDF5-23B81B730492}" srcOrd="1" destOrd="0" parTransId="{E1F5F666-7930-42B4-9041-D483F58CEDBB}" sibTransId="{3D68669C-5E85-4604-9DBE-F3A313EBD67D}"/>
+    <dgm:cxn modelId="{A800DF1C-8E56-458A-93AF-154D2C6E1921}" type="presOf" srcId="{8440C4B7-7E5F-4E61-9C27-05D072FC36AA}" destId="{708CF848-C8CA-4C9B-838A-CAACEBCAEECA}" srcOrd="0" destOrd="0" presId="urn:microsoft.com/office/officeart/2005/8/layout/cycle5"/>
+    <dgm:cxn modelId="{D385E7CB-215F-4F73-8082-F835AD11E0B3}" type="presOf" srcId="{21D28FB7-361A-493F-BDF5-23B81B730492}" destId="{45BB1E18-A9AC-4B45-8DFB-DE5E4A1A7810}" srcOrd="0" destOrd="0" presId="urn:microsoft.com/office/officeart/2005/8/layout/cycle5"/>
+    <dgm:cxn modelId="{DA557493-FB94-44BE-8360-38A250BDFE62}" type="presOf" srcId="{C2E3A135-561F-4ED4-BCDD-2715B42A9A89}" destId="{E21AA19A-8323-4A7C-AD5E-365CC2823B57}" srcOrd="0" destOrd="0" presId="urn:microsoft.com/office/officeart/2005/8/layout/cycle5"/>
+    <dgm:cxn modelId="{376ABF47-AF04-4D45-9ECD-348B85520123}" srcId="{39415A6C-FB1D-42A6-B72B-F49779890AB4}" destId="{DFEA25F7-813C-43EE-824E-85DF9959114C}" srcOrd="3" destOrd="0" parTransId="{171B8DDF-70BB-4521-955A-023A428E4A89}" sibTransId="{DD0366FB-10C8-447B-B8B2-F06D5FC33D50}"/>
+    <dgm:cxn modelId="{10C53394-A71F-4121-B063-CC6B992CDE0D}" srcId="{39415A6C-FB1D-42A6-B72B-F49779890AB4}" destId="{8440C4B7-7E5F-4E61-9C27-05D072FC36AA}" srcOrd="2" destOrd="0" parTransId="{46F6F2D9-5021-4984-BAD0-AB76E1E3CCE1}" sibTransId="{66A69301-190B-4129-8649-5CBA0C2416BF}"/>
+    <dgm:cxn modelId="{0679AB37-F3F9-45C5-863E-705CC324AEF4}" type="presOf" srcId="{DD0366FB-10C8-447B-B8B2-F06D5FC33D50}" destId="{179A76FD-898C-40CB-AAA1-1D6563B1B969}" srcOrd="0" destOrd="0" presId="urn:microsoft.com/office/officeart/2005/8/layout/cycle5"/>
+    <dgm:cxn modelId="{6FAC2861-7755-4EC6-A50F-E119B76424F4}" type="presOf" srcId="{3D68669C-5E85-4604-9DBE-F3A313EBD67D}" destId="{F2530A63-EA35-4564-B4A3-DC4B264F6EDF}" srcOrd="0" destOrd="0" presId="urn:microsoft.com/office/officeart/2005/8/layout/cycle5"/>
+    <dgm:cxn modelId="{2271BE6D-5B53-4684-B518-F2ECE8C75492}" type="presOf" srcId="{66A69301-190B-4129-8649-5CBA0C2416BF}" destId="{54713809-7240-4C9E-AE40-71AADAC96588}" srcOrd="0" destOrd="0" presId="urn:microsoft.com/office/officeart/2005/8/layout/cycle5"/>
+    <dgm:cxn modelId="{991B4CBD-DBF7-49BA-A61E-628B3556B49A}" type="presOf" srcId="{39415A6C-FB1D-42A6-B72B-F49779890AB4}" destId="{DDE4228C-212E-47D3-9593-E8BF706BAC43}" srcOrd="0" destOrd="0" presId="urn:microsoft.com/office/officeart/2005/8/layout/cycle5"/>
     <dgm:cxn modelId="{57A95132-4C29-4C39-A77D-94416F433583}" type="presOf" srcId="{BD9F4815-EB2E-47CC-A129-136F5D869AE2}" destId="{38542628-2897-41A3-9E52-16B0E752FB74}" srcOrd="0" destOrd="0" presId="urn:microsoft.com/office/officeart/2005/8/layout/cycle5"/>
-    <dgm:cxn modelId="{6FAC2861-7755-4EC6-A50F-E119B76424F4}" type="presOf" srcId="{3D68669C-5E85-4604-9DBE-F3A313EBD67D}" destId="{F2530A63-EA35-4564-B4A3-DC4B264F6EDF}" srcOrd="0" destOrd="0" presId="urn:microsoft.com/office/officeart/2005/8/layout/cycle5"/>
-    <dgm:cxn modelId="{991B4CBD-DBF7-49BA-A61E-628B3556B49A}" type="presOf" srcId="{39415A6C-FB1D-42A6-B72B-F49779890AB4}" destId="{DDE4228C-212E-47D3-9593-E8BF706BAC43}" srcOrd="0" destOrd="0" presId="urn:microsoft.com/office/officeart/2005/8/layout/cycle5"/>
-    <dgm:cxn modelId="{A800DF1C-8E56-458A-93AF-154D2C6E1921}" type="presOf" srcId="{8440C4B7-7E5F-4E61-9C27-05D072FC36AA}" destId="{708CF848-C8CA-4C9B-838A-CAACEBCAEECA}" srcOrd="0" destOrd="0" presId="urn:microsoft.com/office/officeart/2005/8/layout/cycle5"/>
-    <dgm:cxn modelId="{C96344E7-2359-4FCE-ABBA-603B313FE3EB}" srcId="{39415A6C-FB1D-42A6-B72B-F49779890AB4}" destId="{21D28FB7-361A-493F-BDF5-23B81B730492}" srcOrd="1" destOrd="0" parTransId="{E1F5F666-7930-42B4-9041-D483F58CEDBB}" sibTransId="{3D68669C-5E85-4604-9DBE-F3A313EBD67D}"/>
-    <dgm:cxn modelId="{2271BE6D-5B53-4684-B518-F2ECE8C75492}" type="presOf" srcId="{66A69301-190B-4129-8649-5CBA0C2416BF}" destId="{54713809-7240-4C9E-AE40-71AADAC96588}" srcOrd="0" destOrd="0" presId="urn:microsoft.com/office/officeart/2005/8/layout/cycle5"/>
-    <dgm:cxn modelId="{DA557493-FB94-44BE-8360-38A250BDFE62}" type="presOf" srcId="{C2E3A135-561F-4ED4-BCDD-2715B42A9A89}" destId="{E21AA19A-8323-4A7C-AD5E-365CC2823B57}" srcOrd="0" destOrd="0" presId="urn:microsoft.com/office/officeart/2005/8/layout/cycle5"/>
-    <dgm:cxn modelId="{D385E7CB-215F-4F73-8082-F835AD11E0B3}" type="presOf" srcId="{21D28FB7-361A-493F-BDF5-23B81B730492}" destId="{45BB1E18-A9AC-4B45-8DFB-DE5E4A1A7810}" srcOrd="0" destOrd="0" presId="urn:microsoft.com/office/officeart/2005/8/layout/cycle5"/>
     <dgm:cxn modelId="{900F31F2-63B2-4D21-8AA9-97C18006C5E6}" srcId="{39415A6C-FB1D-42A6-B72B-F49779890AB4}" destId="{C2E3A135-561F-4ED4-BCDD-2715B42A9A89}" srcOrd="0" destOrd="0" parTransId="{FF8C0667-FCBC-4F30-9A96-56CCEE680862}" sibTransId="{BD9F4815-EB2E-47CC-A129-136F5D869AE2}"/>
-    <dgm:cxn modelId="{10C53394-A71F-4121-B063-CC6B992CDE0D}" srcId="{39415A6C-FB1D-42A6-B72B-F49779890AB4}" destId="{8440C4B7-7E5F-4E61-9C27-05D072FC36AA}" srcOrd="2" destOrd="0" parTransId="{46F6F2D9-5021-4984-BAD0-AB76E1E3CCE1}" sibTransId="{66A69301-190B-4129-8649-5CBA0C2416BF}"/>
+    <dgm:cxn modelId="{D4637B7E-F369-473B-860F-A52A67500CE4}" type="presOf" srcId="{DFEA25F7-813C-43EE-824E-85DF9959114C}" destId="{0D81DC1B-52FC-4F4B-AA8A-6BF53FA12D3C}" srcOrd="0" destOrd="0" presId="urn:microsoft.com/office/officeart/2005/8/layout/cycle5"/>
     <dgm:cxn modelId="{1B72F248-FE43-42EA-B3B5-FB2E8D407D6E}" type="presParOf" srcId="{DDE4228C-212E-47D3-9593-E8BF706BAC43}" destId="{E21AA19A-8323-4A7C-AD5E-365CC2823B57}" srcOrd="0" destOrd="0" presId="urn:microsoft.com/office/officeart/2005/8/layout/cycle5"/>
     <dgm:cxn modelId="{A4CE82AB-9328-4454-99A2-D1A3E7009137}" type="presParOf" srcId="{DDE4228C-212E-47D3-9593-E8BF706BAC43}" destId="{4D682A56-D869-4410-BF01-14A5147668D7}" srcOrd="1" destOrd="0" presId="urn:microsoft.com/office/officeart/2005/8/layout/cycle5"/>
     <dgm:cxn modelId="{A97326C8-3EE9-43CD-96EF-37C256BD04B7}" type="presParOf" srcId="{DDE4228C-212E-47D3-9593-E8BF706BAC43}" destId="{38542628-2897-41A3-9E52-16B0E752FB74}" srcOrd="2" destOrd="0" presId="urn:microsoft.com/office/officeart/2005/8/layout/cycle5"/>
@@ -1149,12 +1257,15 @@
     <dgm:cxn modelId="{8E8261AA-B03F-4B31-BA16-2E8C156CBF48}" type="presParOf" srcId="{DDE4228C-212E-47D3-9593-E8BF706BAC43}" destId="{708CF848-C8CA-4C9B-838A-CAACEBCAEECA}" srcOrd="6" destOrd="0" presId="urn:microsoft.com/office/officeart/2005/8/layout/cycle5"/>
     <dgm:cxn modelId="{E21F8BC9-9615-48BE-8645-A82C81F536F4}" type="presParOf" srcId="{DDE4228C-212E-47D3-9593-E8BF706BAC43}" destId="{F31BB438-9E81-4BB8-9B7D-F5FCDCF9FA9A}" srcOrd="7" destOrd="0" presId="urn:microsoft.com/office/officeart/2005/8/layout/cycle5"/>
     <dgm:cxn modelId="{041BC78B-07D1-4158-9FB3-434CC8AB6B83}" type="presParOf" srcId="{DDE4228C-212E-47D3-9593-E8BF706BAC43}" destId="{54713809-7240-4C9E-AE40-71AADAC96588}" srcOrd="8" destOrd="0" presId="urn:microsoft.com/office/officeart/2005/8/layout/cycle5"/>
+    <dgm:cxn modelId="{03849237-9413-4561-ADB0-0B1FBB39D4B0}" type="presParOf" srcId="{DDE4228C-212E-47D3-9593-E8BF706BAC43}" destId="{0D81DC1B-52FC-4F4B-AA8A-6BF53FA12D3C}" srcOrd="9" destOrd="0" presId="urn:microsoft.com/office/officeart/2005/8/layout/cycle5"/>
+    <dgm:cxn modelId="{9C09F36A-60B4-4ED1-83B0-3FC3B229A5F8}" type="presParOf" srcId="{DDE4228C-212E-47D3-9593-E8BF706BAC43}" destId="{1D75B631-B79F-417C-9400-07C03EB59CC9}" srcOrd="10" destOrd="0" presId="urn:microsoft.com/office/officeart/2005/8/layout/cycle5"/>
+    <dgm:cxn modelId="{B78731A5-F30D-4351-9EC8-D12C4C818E32}" type="presParOf" srcId="{DDE4228C-212E-47D3-9593-E8BF706BAC43}" destId="{179A76FD-898C-40CB-AAA1-1D6563B1B969}" srcOrd="11" destOrd="0" presId="urn:microsoft.com/office/officeart/2005/8/layout/cycle5"/>
   </dgm:cxnLst>
   <dgm:bg/>
   <dgm:whole/>
   <dgm:extLst>
     <a:ext uri="http://schemas.microsoft.com/office/drawing/2008/diagram">
-      <dsp:dataModelExt xmlns:dsp="http://schemas.microsoft.com/office/drawing/2008/diagram" relId="rId6" minVer="http://schemas.openxmlformats.org/drawingml/2006/diagram"/>
+      <dsp:dataModelExt xmlns:dsp="http://schemas.microsoft.com/office/drawing/2008/diagram" relId="rId7" minVer="http://schemas.openxmlformats.org/drawingml/2006/diagram"/>
     </a:ext>
   </dgm:extLst>
 </dgm:dataModel>
@@ -1175,8 +1286,8 @@
       </dsp:nvSpPr>
       <dsp:spPr>
         <a:xfrm>
-          <a:off x="3936990" y="923"/>
-          <a:ext cx="1846280" cy="1200082"/>
+          <a:off x="4141078" y="1098"/>
+          <a:ext cx="1438105" cy="934768"/>
         </a:xfrm>
         <a:prstGeom prst="roundRect">
           <a:avLst/>
@@ -1217,12 +1328,12 @@
         </a:fontRef>
       </dsp:style>
       <dsp:txBody>
-        <a:bodyPr spcFirstLastPara="0" vert="horz" wrap="square" lIns="110490" tIns="110490" rIns="110490" bIns="110490" numCol="1" spcCol="1270" anchor="ctr" anchorCtr="0">
+        <a:bodyPr spcFirstLastPara="0" vert="horz" wrap="square" lIns="60960" tIns="60960" rIns="60960" bIns="60960" numCol="1" spcCol="1270" anchor="ctr" anchorCtr="0">
           <a:noAutofit/>
         </a:bodyPr>
         <a:lstStyle/>
         <a:p>
-          <a:pPr lvl="0" algn="ctr" defTabSz="1289050">
+          <a:pPr lvl="0" algn="ctr" defTabSz="711200">
             <a:lnSpc>
               <a:spcPct val="90000"/>
             </a:lnSpc>
@@ -1234,15 +1345,15 @@
             </a:spcAft>
           </a:pPr>
           <a:r>
-            <a:rPr lang="de-CH" sz="2900" kern="1200" dirty="0" smtClean="0"/>
+            <a:rPr lang="de-CH" sz="1600" kern="1200" dirty="0" smtClean="0"/>
             <a:t>Evaluation</a:t>
           </a:r>
-          <a:endParaRPr lang="de-CH" sz="2900" kern="1200" dirty="0"/>
+          <a:endParaRPr lang="de-CH" sz="1600" kern="1200" dirty="0"/>
         </a:p>
       </dsp:txBody>
       <dsp:txXfrm>
-        <a:off x="3995573" y="59506"/>
-        <a:ext cx="1729114" cy="1082916"/>
+        <a:off x="4186710" y="46730"/>
+        <a:ext cx="1346841" cy="843504"/>
       </dsp:txXfrm>
     </dsp:sp>
     <dsp:sp modelId="{38542628-2897-41A3-9E52-16B0E752FB74}">
@@ -1252,8 +1363,8 @@
       </dsp:nvSpPr>
       <dsp:spPr>
         <a:xfrm>
-          <a:off x="3260489" y="600964"/>
-          <a:ext cx="3199283" cy="3199283"/>
+          <a:off x="3317251" y="468482"/>
+          <a:ext cx="3085759" cy="3085759"/>
         </a:xfrm>
         <a:custGeom>
           <a:avLst/>
@@ -1264,9 +1375,9 @@
           <a:pathLst>
             <a:path>
               <a:moveTo>
-                <a:pt x="2770264" y="509459"/>
+                <a:pt x="2460019" y="302181"/>
               </a:moveTo>
-              <a:arcTo wR="1599641" hR="1599641" stAng="19022264" swAng="2300712"/>
+              <a:arcTo wR="1542879" hR="1542879" stAng="18388337" swAng="1631983"/>
             </a:path>
           </a:pathLst>
         </a:custGeom>
@@ -1305,8 +1416,8 @@
       </dsp:nvSpPr>
       <dsp:spPr>
         <a:xfrm>
-          <a:off x="5322321" y="2400386"/>
-          <a:ext cx="1846280" cy="1200082"/>
+          <a:off x="5683958" y="1543978"/>
+          <a:ext cx="1438105" cy="934768"/>
         </a:xfrm>
         <a:prstGeom prst="roundRect">
           <a:avLst/>
@@ -1347,12 +1458,12 @@
         </a:fontRef>
       </dsp:style>
       <dsp:txBody>
-        <a:bodyPr spcFirstLastPara="0" vert="horz" wrap="square" lIns="110490" tIns="110490" rIns="110490" bIns="110490" numCol="1" spcCol="1270" anchor="ctr" anchorCtr="0">
+        <a:bodyPr spcFirstLastPara="0" vert="horz" wrap="square" lIns="60960" tIns="60960" rIns="60960" bIns="60960" numCol="1" spcCol="1270" anchor="ctr" anchorCtr="0">
           <a:noAutofit/>
         </a:bodyPr>
         <a:lstStyle/>
         <a:p>
-          <a:pPr lvl="0" algn="ctr" defTabSz="1289050">
+          <a:pPr lvl="0" algn="ctr" defTabSz="711200">
             <a:lnSpc>
               <a:spcPct val="90000"/>
             </a:lnSpc>
@@ -1364,15 +1475,15 @@
             </a:spcAft>
           </a:pPr>
           <a:r>
-            <a:rPr lang="de-CH" sz="2900" kern="1200" dirty="0" smtClean="0"/>
+            <a:rPr lang="de-CH" sz="1600" kern="1200" dirty="0" smtClean="0"/>
             <a:t>Selektion</a:t>
           </a:r>
-          <a:endParaRPr lang="de-CH" sz="2900" kern="1200" dirty="0"/>
+          <a:endParaRPr lang="de-CH" sz="1600" kern="1200" dirty="0"/>
         </a:p>
       </dsp:txBody>
       <dsp:txXfrm>
-        <a:off x="5380904" y="2458969"/>
-        <a:ext cx="1729114" cy="1082916"/>
+        <a:off x="5729590" y="1589610"/>
+        <a:ext cx="1346841" cy="843504"/>
       </dsp:txXfrm>
     </dsp:sp>
     <dsp:sp modelId="{F2530A63-EA35-4564-B4A3-DC4B264F6EDF}">
@@ -1382,8 +1493,8 @@
       </dsp:nvSpPr>
       <dsp:spPr>
         <a:xfrm>
-          <a:off x="3260489" y="600964"/>
-          <a:ext cx="3199283" cy="3199283"/>
+          <a:off x="3317251" y="468482"/>
+          <a:ext cx="3085759" cy="3085759"/>
         </a:xfrm>
         <a:custGeom>
           <a:avLst/>
@@ -1394,9 +1505,9 @@
           <a:pathLst>
             <a:path>
               <a:moveTo>
-                <a:pt x="2090008" y="3122269"/>
+                <a:pt x="2925716" y="2227161"/>
               </a:moveTo>
-              <a:arcTo wR="1599641" hR="1599641" stAng="4328921" swAng="2142157"/>
+              <a:arcTo wR="1542879" hR="1542879" stAng="1579680" swAng="1631983"/>
             </a:path>
           </a:pathLst>
         </a:custGeom>
@@ -1435,8 +1546,8 @@
       </dsp:nvSpPr>
       <dsp:spPr>
         <a:xfrm>
-          <a:off x="2551660" y="2400386"/>
-          <a:ext cx="1846280" cy="1200082"/>
+          <a:off x="4141078" y="3086858"/>
+          <a:ext cx="1438105" cy="934768"/>
         </a:xfrm>
         <a:prstGeom prst="roundRect">
           <a:avLst/>
@@ -1477,12 +1588,12 @@
         </a:fontRef>
       </dsp:style>
       <dsp:txBody>
-        <a:bodyPr spcFirstLastPara="0" vert="horz" wrap="square" lIns="110490" tIns="110490" rIns="110490" bIns="110490" numCol="1" spcCol="1270" anchor="ctr" anchorCtr="0">
+        <a:bodyPr spcFirstLastPara="0" vert="horz" wrap="square" lIns="60960" tIns="60960" rIns="60960" bIns="60960" numCol="1" spcCol="1270" anchor="ctr" anchorCtr="0">
           <a:noAutofit/>
         </a:bodyPr>
         <a:lstStyle/>
         <a:p>
-          <a:pPr lvl="0" algn="ctr" defTabSz="1289050">
+          <a:pPr lvl="0" algn="ctr" defTabSz="711200">
             <a:lnSpc>
               <a:spcPct val="90000"/>
             </a:lnSpc>
@@ -1494,15 +1605,15 @@
             </a:spcAft>
           </a:pPr>
           <a:r>
-            <a:rPr lang="de-CH" sz="2900" kern="1200" dirty="0" smtClean="0"/>
+            <a:rPr lang="de-CH" sz="1600" kern="1200" dirty="0" smtClean="0"/>
             <a:t>Mutation</a:t>
           </a:r>
-          <a:endParaRPr lang="de-CH" sz="2900" kern="1200" dirty="0"/>
+          <a:endParaRPr lang="de-CH" sz="1600" kern="1200" dirty="0"/>
         </a:p>
       </dsp:txBody>
       <dsp:txXfrm>
-        <a:off x="2610243" y="2458969"/>
-        <a:ext cx="1729114" cy="1082916"/>
+        <a:off x="4186710" y="3132490"/>
+        <a:ext cx="1346841" cy="843504"/>
       </dsp:txXfrm>
     </dsp:sp>
     <dsp:sp modelId="{54713809-7240-4C9E-AE40-71AADAC96588}">
@@ -1512,8 +1623,8 @@
       </dsp:nvSpPr>
       <dsp:spPr>
         <a:xfrm>
-          <a:off x="3260489" y="600964"/>
-          <a:ext cx="3199283" cy="3199283"/>
+          <a:off x="3317251" y="468482"/>
+          <a:ext cx="3085759" cy="3085759"/>
         </a:xfrm>
         <a:custGeom>
           <a:avLst/>
@@ -1524,9 +1635,139 @@
           <a:pathLst>
             <a:path>
               <a:moveTo>
-                <a:pt x="5190" y="1470877"/>
+                <a:pt x="625739" y="2783578"/>
               </a:moveTo>
-              <a:arcTo wR="1599641" hR="1599641" stAng="11077024" swAng="2300712"/>
+              <a:arcTo wR="1542879" hR="1542879" stAng="7588337" swAng="1631983"/>
+            </a:path>
+          </a:pathLst>
+        </a:custGeom>
+        <a:noFill/>
+        <a:ln w="9525" cap="flat" cmpd="sng" algn="ctr">
+          <a:solidFill>
+            <a:schemeClr val="accent1">
+              <a:hueOff val="0"/>
+              <a:satOff val="0"/>
+              <a:lumOff val="0"/>
+              <a:alphaOff val="0"/>
+            </a:schemeClr>
+          </a:solidFill>
+          <a:prstDash val="solid"/>
+          <a:tailEnd type="arrow"/>
+        </a:ln>
+        <a:effectLst/>
+      </dsp:spPr>
+      <dsp:style>
+        <a:lnRef idx="1">
+          <a:scrgbClr r="0" g="0" b="0"/>
+        </a:lnRef>
+        <a:fillRef idx="0">
+          <a:scrgbClr r="0" g="0" b="0"/>
+        </a:fillRef>
+        <a:effectRef idx="0">
+          <a:scrgbClr r="0" g="0" b="0"/>
+        </a:effectRef>
+        <a:fontRef idx="minor"/>
+      </dsp:style>
+    </dsp:sp>
+    <dsp:sp modelId="{0D81DC1B-52FC-4F4B-AA8A-6BF53FA12D3C}">
+      <dsp:nvSpPr>
+        <dsp:cNvPr id="0" name=""/>
+        <dsp:cNvSpPr/>
+      </dsp:nvSpPr>
+      <dsp:spPr>
+        <a:xfrm>
+          <a:off x="2598198" y="1543978"/>
+          <a:ext cx="1438105" cy="934768"/>
+        </a:xfrm>
+        <a:prstGeom prst="roundRect">
+          <a:avLst/>
+        </a:prstGeom>
+        <a:solidFill>
+          <a:schemeClr val="accent1">
+            <a:hueOff val="0"/>
+            <a:satOff val="0"/>
+            <a:lumOff val="0"/>
+            <a:alphaOff val="0"/>
+          </a:schemeClr>
+        </a:solidFill>
+        <a:ln w="15875" cap="flat" cmpd="sng" algn="ctr">
+          <a:solidFill>
+            <a:schemeClr val="lt1">
+              <a:hueOff val="0"/>
+              <a:satOff val="0"/>
+              <a:lumOff val="0"/>
+              <a:alphaOff val="0"/>
+            </a:schemeClr>
+          </a:solidFill>
+          <a:prstDash val="solid"/>
+        </a:ln>
+        <a:effectLst/>
+      </dsp:spPr>
+      <dsp:style>
+        <a:lnRef idx="2">
+          <a:scrgbClr r="0" g="0" b="0"/>
+        </a:lnRef>
+        <a:fillRef idx="1">
+          <a:scrgbClr r="0" g="0" b="0"/>
+        </a:fillRef>
+        <a:effectRef idx="0">
+          <a:scrgbClr r="0" g="0" b="0"/>
+        </a:effectRef>
+        <a:fontRef idx="minor">
+          <a:schemeClr val="lt1"/>
+        </a:fontRef>
+      </dsp:style>
+      <dsp:txBody>
+        <a:bodyPr spcFirstLastPara="0" vert="horz" wrap="square" lIns="60960" tIns="60960" rIns="60960" bIns="60960" numCol="1" spcCol="1270" anchor="ctr" anchorCtr="0">
+          <a:noAutofit/>
+        </a:bodyPr>
+        <a:lstStyle/>
+        <a:p>
+          <a:pPr lvl="0" algn="ctr" defTabSz="711200">
+            <a:lnSpc>
+              <a:spcPct val="90000"/>
+            </a:lnSpc>
+            <a:spcBef>
+              <a:spcPct val="0"/>
+            </a:spcBef>
+            <a:spcAft>
+              <a:spcPct val="35000"/>
+            </a:spcAft>
+          </a:pPr>
+          <a:r>
+            <a:rPr lang="de-CH" sz="1600" kern="1200" dirty="0" smtClean="0"/>
+            <a:t>Rekombination</a:t>
+          </a:r>
+          <a:endParaRPr lang="de-CH" sz="1600" kern="1200" dirty="0"/>
+        </a:p>
+      </dsp:txBody>
+      <dsp:txXfrm>
+        <a:off x="2643830" y="1589610"/>
+        <a:ext cx="1346841" cy="843504"/>
+      </dsp:txXfrm>
+    </dsp:sp>
+    <dsp:sp modelId="{179A76FD-898C-40CB-AAA1-1D6563B1B969}">
+      <dsp:nvSpPr>
+        <dsp:cNvPr id="0" name=""/>
+        <dsp:cNvSpPr/>
+      </dsp:nvSpPr>
+      <dsp:spPr>
+        <a:xfrm>
+          <a:off x="3317251" y="468482"/>
+          <a:ext cx="3085759" cy="3085759"/>
+        </a:xfrm>
+        <a:custGeom>
+          <a:avLst/>
+          <a:gdLst/>
+          <a:ahLst/>
+          <a:cxnLst/>
+          <a:rect l="0" t="0" r="0" b="0"/>
+          <a:pathLst>
+            <a:path>
+              <a:moveTo>
+                <a:pt x="160043" y="858598"/>
+              </a:moveTo>
+              <a:arcTo wR="1542879" hR="1542879" stAng="12379680" swAng="1631983"/>
             </a:path>
           </a:pathLst>
         </a:custGeom>
@@ -2886,7 +3127,7 @@
           <a:p>
             <a:fld id="{0710ED0C-1CD7-4160-987B-0E1A03088A5F}" type="datetimeFigureOut">
               <a:rPr lang="de-CH" smtClean="0"/>
-              <a:t>27.06.2016</a:t>
+              <a:t>28.06.2016</a:t>
             </a:fld>
             <a:endParaRPr lang="de-CH"/>
           </a:p>
@@ -3282,7 +3523,327 @@
           <a:bodyPr/>
           <a:lstStyle/>
           <a:p>
-            <a:endParaRPr lang="de-CH"/>
+            <a:r>
+              <a:rPr lang="de-CH" sz="1200" i="1" kern="1200" dirty="0" err="1" smtClean="0">
+                <a:solidFill>
+                  <a:schemeClr val="tx1"/>
+                </a:solidFill>
+                <a:effectLst/>
+                <a:latin typeface="+mn-lt"/>
+                <a:ea typeface="+mn-ea"/>
+                <a:cs typeface="+mn-cs"/>
+              </a:rPr>
+              <a:t>Evolutinäre</a:t>
+            </a:r>
+            <a:r>
+              <a:rPr lang="de-CH" sz="1200" i="1" kern="1200" dirty="0" smtClean="0">
+                <a:solidFill>
+                  <a:schemeClr val="tx1"/>
+                </a:solidFill>
+                <a:effectLst/>
+                <a:latin typeface="+mn-lt"/>
+                <a:ea typeface="+mn-ea"/>
+                <a:cs typeface="+mn-cs"/>
+              </a:rPr>
+              <a:t> Algorithmen haben</a:t>
+            </a:r>
+            <a:r>
+              <a:rPr lang="de-CH" sz="1200" i="1" kern="1200" baseline="0" dirty="0" smtClean="0">
+                <a:solidFill>
+                  <a:schemeClr val="tx1"/>
+                </a:solidFill>
+                <a:effectLst/>
+                <a:latin typeface="+mn-lt"/>
+                <a:ea typeface="+mn-ea"/>
+                <a:cs typeface="+mn-cs"/>
+              </a:rPr>
+              <a:t> natürliches Vorbild. Es pflanzen sich nicht alle Individuen der Generation fort. Mit Trial </a:t>
+            </a:r>
+            <a:r>
+              <a:rPr lang="de-CH" sz="1200" i="1" kern="1200" baseline="0" dirty="0" err="1" smtClean="0">
+                <a:solidFill>
+                  <a:schemeClr val="tx1"/>
+                </a:solidFill>
+                <a:effectLst/>
+                <a:latin typeface="+mn-lt"/>
+                <a:ea typeface="+mn-ea"/>
+                <a:cs typeface="+mn-cs"/>
+              </a:rPr>
+              <a:t>and</a:t>
+            </a:r>
+            <a:r>
+              <a:rPr lang="de-CH" sz="1200" i="1" kern="1200" baseline="0" dirty="0" smtClean="0">
+                <a:solidFill>
+                  <a:schemeClr val="tx1"/>
+                </a:solidFill>
+                <a:effectLst/>
+                <a:latin typeface="+mn-lt"/>
+                <a:ea typeface="+mn-ea"/>
+                <a:cs typeface="+mn-cs"/>
+              </a:rPr>
+              <a:t> Error versucht man Annäherungen an die optimale Lösung zu finden.</a:t>
+            </a:r>
+          </a:p>
+          <a:p>
+            <a:r>
+              <a:rPr lang="de-CH" sz="1200" i="1" kern="1200" baseline="0" dirty="0" smtClean="0">
+                <a:solidFill>
+                  <a:schemeClr val="tx1"/>
+                </a:solidFill>
+                <a:effectLst/>
+                <a:latin typeface="+mn-lt"/>
+                <a:ea typeface="+mn-ea"/>
+                <a:cs typeface="+mn-cs"/>
+              </a:rPr>
+              <a:t>Überleitung zu universellem Darwinismus: </a:t>
+            </a:r>
+            <a:r>
+              <a:rPr lang="de-CH" sz="1200" i="0" kern="1200" dirty="0" smtClean="0">
+                <a:solidFill>
+                  <a:schemeClr val="tx1"/>
+                </a:solidFill>
+                <a:effectLst/>
+                <a:latin typeface="+mn-lt"/>
+                <a:ea typeface="+mn-ea"/>
+                <a:cs typeface="+mn-cs"/>
+              </a:rPr>
+              <a:t>Die Kombination aus Reproduktion, Vererbung, Variation und Selektion übernimmt</a:t>
+            </a:r>
+            <a:br>
+              <a:rPr lang="de-CH" sz="1200" i="0" kern="1200" dirty="0" smtClean="0">
+                <a:solidFill>
+                  <a:schemeClr val="tx1"/>
+                </a:solidFill>
+                <a:effectLst/>
+                <a:latin typeface="+mn-lt"/>
+                <a:ea typeface="+mn-ea"/>
+                <a:cs typeface="+mn-cs"/>
+              </a:rPr>
+            </a:br>
+            <a:r>
+              <a:rPr lang="de-CH" sz="1200" i="0" kern="1200" dirty="0" smtClean="0">
+                <a:solidFill>
+                  <a:schemeClr val="tx1"/>
+                </a:solidFill>
+                <a:effectLst/>
+                <a:latin typeface="+mn-lt"/>
+                <a:ea typeface="+mn-ea"/>
+                <a:cs typeface="+mn-cs"/>
+              </a:rPr>
+              <a:t>dabei die Rolle des Lösens und Optimierens einer Problemstellung</a:t>
+            </a:r>
+            <a:endParaRPr lang="de-CH" sz="1200" i="1" kern="1200" dirty="0" smtClean="0">
+              <a:solidFill>
+                <a:schemeClr val="tx1"/>
+              </a:solidFill>
+              <a:effectLst/>
+              <a:latin typeface="+mn-lt"/>
+              <a:ea typeface="+mn-ea"/>
+              <a:cs typeface="+mn-cs"/>
+            </a:endParaRPr>
+          </a:p>
+          <a:p>
+            <a:r>
+              <a:rPr lang="de-CH" sz="1200" i="1" kern="1200" dirty="0" smtClean="0">
+                <a:solidFill>
+                  <a:schemeClr val="tx1"/>
+                </a:solidFill>
+                <a:effectLst/>
+                <a:latin typeface="+mn-lt"/>
+                <a:ea typeface="+mn-ea"/>
+                <a:cs typeface="+mn-cs"/>
+              </a:rPr>
+              <a:t>Universeller Darwinismus:</a:t>
+            </a:r>
+          </a:p>
+          <a:p>
+            <a:r>
+              <a:rPr lang="de-CH" sz="1200" i="1" kern="1200" dirty="0" smtClean="0">
+                <a:solidFill>
+                  <a:schemeClr val="tx1"/>
+                </a:solidFill>
+                <a:effectLst/>
+                <a:latin typeface="+mn-lt"/>
+                <a:ea typeface="+mn-ea"/>
+                <a:cs typeface="+mn-cs"/>
+              </a:rPr>
+              <a:t>• </a:t>
+            </a:r>
+            <a:r>
+              <a:rPr lang="de-CH" sz="1200" i="0" kern="1200" dirty="0" smtClean="0">
+                <a:solidFill>
+                  <a:schemeClr val="tx1"/>
+                </a:solidFill>
+                <a:effectLst/>
+                <a:latin typeface="+mn-lt"/>
+                <a:ea typeface="+mn-ea"/>
+                <a:cs typeface="+mn-cs"/>
+              </a:rPr>
+              <a:t>Reproduktion: Die Individuen müssen fähig sein, sich fortzupflanzen.</a:t>
+            </a:r>
+            <a:br>
+              <a:rPr lang="de-CH" sz="1200" i="0" kern="1200" dirty="0" smtClean="0">
+                <a:solidFill>
+                  <a:schemeClr val="tx1"/>
+                </a:solidFill>
+                <a:effectLst/>
+                <a:latin typeface="+mn-lt"/>
+                <a:ea typeface="+mn-ea"/>
+                <a:cs typeface="+mn-cs"/>
+              </a:rPr>
+            </a:br>
+            <a:r>
+              <a:rPr lang="de-CH" sz="1200" i="1" kern="1200" dirty="0" smtClean="0">
+                <a:solidFill>
+                  <a:schemeClr val="tx1"/>
+                </a:solidFill>
+                <a:effectLst/>
+                <a:latin typeface="+mn-lt"/>
+                <a:ea typeface="+mn-ea"/>
+                <a:cs typeface="+mn-cs"/>
+              </a:rPr>
+              <a:t>• </a:t>
+            </a:r>
+            <a:r>
+              <a:rPr lang="de-CH" sz="1200" i="0" kern="1200" dirty="0" smtClean="0">
+                <a:solidFill>
+                  <a:schemeClr val="tx1"/>
+                </a:solidFill>
+                <a:effectLst/>
+                <a:latin typeface="+mn-lt"/>
+                <a:ea typeface="+mn-ea"/>
+                <a:cs typeface="+mn-cs"/>
+              </a:rPr>
+              <a:t>Vererbung: Der Nachwuchs muss fortpflanzungsfähig sein und erbt Eigenschaften der Eltern.</a:t>
+            </a:r>
+            <a:br>
+              <a:rPr lang="de-CH" sz="1200" i="0" kern="1200" dirty="0" smtClean="0">
+                <a:solidFill>
+                  <a:schemeClr val="tx1"/>
+                </a:solidFill>
+                <a:effectLst/>
+                <a:latin typeface="+mn-lt"/>
+                <a:ea typeface="+mn-ea"/>
+                <a:cs typeface="+mn-cs"/>
+              </a:rPr>
+            </a:br>
+            <a:r>
+              <a:rPr lang="de-CH" sz="1200" i="1" kern="1200" dirty="0" smtClean="0">
+                <a:solidFill>
+                  <a:schemeClr val="tx1"/>
+                </a:solidFill>
+                <a:effectLst/>
+                <a:latin typeface="+mn-lt"/>
+                <a:ea typeface="+mn-ea"/>
+                <a:cs typeface="+mn-cs"/>
+              </a:rPr>
+              <a:t>• </a:t>
+            </a:r>
+            <a:r>
+              <a:rPr lang="de-CH" sz="1200" i="0" kern="1200" dirty="0" smtClean="0">
+                <a:solidFill>
+                  <a:schemeClr val="tx1"/>
+                </a:solidFill>
+                <a:effectLst/>
+                <a:latin typeface="+mn-lt"/>
+                <a:ea typeface="+mn-ea"/>
+                <a:cs typeface="+mn-cs"/>
+              </a:rPr>
+              <a:t>Variation: Es muss ein Mechanismus existieren welcher neue Variationen in die Nachkommen einführen kann.</a:t>
+            </a:r>
+            <a:br>
+              <a:rPr lang="de-CH" sz="1200" i="0" kern="1200" dirty="0" smtClean="0">
+                <a:solidFill>
+                  <a:schemeClr val="tx1"/>
+                </a:solidFill>
+                <a:effectLst/>
+                <a:latin typeface="+mn-lt"/>
+                <a:ea typeface="+mn-ea"/>
+                <a:cs typeface="+mn-cs"/>
+              </a:rPr>
+            </a:br>
+            <a:r>
+              <a:rPr lang="de-CH" sz="1200" i="1" kern="1200" dirty="0" smtClean="0">
+                <a:solidFill>
+                  <a:schemeClr val="tx1"/>
+                </a:solidFill>
+                <a:effectLst/>
+                <a:latin typeface="+mn-lt"/>
+                <a:ea typeface="+mn-ea"/>
+                <a:cs typeface="+mn-cs"/>
+              </a:rPr>
+              <a:t>• </a:t>
+            </a:r>
+            <a:r>
+              <a:rPr lang="de-CH" sz="1200" i="0" kern="1200" dirty="0" smtClean="0">
+                <a:solidFill>
+                  <a:schemeClr val="tx1"/>
+                </a:solidFill>
+                <a:effectLst/>
+                <a:latin typeface="+mn-lt"/>
+                <a:ea typeface="+mn-ea"/>
+                <a:cs typeface="+mn-cs"/>
+              </a:rPr>
+              <a:t>Selektion: Die vererbten und variierten Merkmale müssen die Reproduktionsfähigkeit beeinflussen. Die Selektion bestimmt die Individuen, welche sich</a:t>
+            </a:r>
+            <a:br>
+              <a:rPr lang="de-CH" sz="1200" i="0" kern="1200" dirty="0" smtClean="0">
+                <a:solidFill>
+                  <a:schemeClr val="tx1"/>
+                </a:solidFill>
+                <a:effectLst/>
+                <a:latin typeface="+mn-lt"/>
+                <a:ea typeface="+mn-ea"/>
+                <a:cs typeface="+mn-cs"/>
+              </a:rPr>
+            </a:br>
+            <a:r>
+              <a:rPr lang="de-CH" sz="1200" i="0" kern="1200" dirty="0" smtClean="0">
+                <a:solidFill>
+                  <a:schemeClr val="tx1"/>
+                </a:solidFill>
+                <a:effectLst/>
+                <a:latin typeface="+mn-lt"/>
+                <a:ea typeface="+mn-ea"/>
+                <a:cs typeface="+mn-cs"/>
+              </a:rPr>
+              <a:t>reproduzieren können.</a:t>
+            </a:r>
+            <a:br>
+              <a:rPr lang="de-CH" sz="1200" i="0" kern="1200" dirty="0" smtClean="0">
+                <a:solidFill>
+                  <a:schemeClr val="tx1"/>
+                </a:solidFill>
+                <a:effectLst/>
+                <a:latin typeface="+mn-lt"/>
+                <a:ea typeface="+mn-ea"/>
+                <a:cs typeface="+mn-cs"/>
+              </a:rPr>
+            </a:br>
+            <a:r>
+              <a:rPr lang="de-CH" sz="1200" i="0" kern="1200" dirty="0" smtClean="0">
+                <a:solidFill>
+                  <a:schemeClr val="tx1"/>
+                </a:solidFill>
+                <a:effectLst/>
+                <a:latin typeface="+mn-lt"/>
+                <a:ea typeface="+mn-ea"/>
+                <a:cs typeface="+mn-cs"/>
+              </a:rPr>
+              <a:t/>
+            </a:r>
+            <a:br>
+              <a:rPr lang="de-CH" sz="1200" i="0" kern="1200" dirty="0" smtClean="0">
+                <a:solidFill>
+                  <a:schemeClr val="tx1"/>
+                </a:solidFill>
+                <a:effectLst/>
+                <a:latin typeface="+mn-lt"/>
+                <a:ea typeface="+mn-ea"/>
+                <a:cs typeface="+mn-cs"/>
+              </a:rPr>
+            </a:br>
+            <a:endParaRPr lang="de-CH" dirty="0"/>
           </a:p>
         </p:txBody>
       </p:sp>
@@ -3303,7 +3864,7 @@
           <a:p>
             <a:fld id="{EA11A74D-32B6-452B-A0CB-8CC2507C7E44}" type="slidenum">
               <a:rPr lang="de-CH" smtClean="0"/>
-              <a:t>5</a:t>
+              <a:t>4</a:t>
             </a:fld>
             <a:endParaRPr lang="de-CH"/>
           </a:p>
@@ -3312,7 +3873,7 @@
     </p:spTree>
     <p:extLst>
       <p:ext uri="{BB962C8B-B14F-4D97-AF65-F5344CB8AC3E}">
-        <p14:creationId xmlns:p14="http://schemas.microsoft.com/office/powerpoint/2010/main" val="3987024309"/>
+        <p14:creationId xmlns:p14="http://schemas.microsoft.com/office/powerpoint/2010/main" val="2139751338"/>
       </p:ext>
     </p:extLst>
   </p:cSld>
@@ -3366,11 +3927,7 @@
           <a:bodyPr/>
           <a:lstStyle/>
           <a:p>
-            <a:r>
-              <a:rPr lang="de-CH" dirty="0" err="1" smtClean="0"/>
-              <a:t>dasdasdasdasdsadasdsadsadsadasdasdasdasdasdasdsad</a:t>
-            </a:r>
-            <a:endParaRPr lang="de-CH" dirty="0"/>
+            <a:endParaRPr lang="de-CH"/>
           </a:p>
         </p:txBody>
       </p:sp>
@@ -3391,7 +3948,7 @@
           <a:p>
             <a:fld id="{EA11A74D-32B6-452B-A0CB-8CC2507C7E44}" type="slidenum">
               <a:rPr lang="de-CH" smtClean="0"/>
-              <a:t>12</a:t>
+              <a:t>6</a:t>
             </a:fld>
             <a:endParaRPr lang="de-CH"/>
           </a:p>
@@ -3400,7 +3957,123 @@
     </p:spTree>
     <p:extLst>
       <p:ext uri="{BB962C8B-B14F-4D97-AF65-F5344CB8AC3E}">
-        <p14:creationId xmlns:p14="http://schemas.microsoft.com/office/powerpoint/2010/main" val="293676539"/>
+        <p14:creationId xmlns:p14="http://schemas.microsoft.com/office/powerpoint/2010/main" val="3987024309"/>
+      </p:ext>
+    </p:extLst>
+  </p:cSld>
+  <p:clrMapOvr>
+    <a:masterClrMapping/>
+  </p:clrMapOvr>
+</p:notes>
+</file>
+
+<file path=ppt/notesSlides/notesSlide4.xml><?xml version="1.0" encoding="utf-8"?>
+<p:notes xmlns:a="http://schemas.openxmlformats.org/drawingml/2006/main" xmlns:r="http://schemas.openxmlformats.org/officeDocument/2006/relationships" xmlns:p="http://schemas.openxmlformats.org/presentationml/2006/main">
+  <p:cSld>
+    <p:spTree>
+      <p:nvGrpSpPr>
+        <p:cNvPr id="1" name=""/>
+        <p:cNvGrpSpPr/>
+        <p:nvPr/>
+      </p:nvGrpSpPr>
+      <p:grpSpPr>
+        <a:xfrm>
+          <a:off x="0" y="0"/>
+          <a:ext cx="0" cy="0"/>
+          <a:chOff x="0" y="0"/>
+          <a:chExt cx="0" cy="0"/>
+        </a:xfrm>
+      </p:grpSpPr>
+      <p:sp>
+        <p:nvSpPr>
+          <p:cNvPr id="2" name="Slide Image Placeholder 1"/>
+          <p:cNvSpPr>
+            <a:spLocks noGrp="1" noRot="1" noChangeAspect="1"/>
+          </p:cNvSpPr>
+          <p:nvPr>
+            <p:ph type="sldImg"/>
+          </p:nvPr>
+        </p:nvSpPr>
+        <p:spPr/>
+      </p:sp>
+      <p:sp>
+        <p:nvSpPr>
+          <p:cNvPr id="3" name="Notes Placeholder 2"/>
+          <p:cNvSpPr>
+            <a:spLocks noGrp="1"/>
+          </p:cNvSpPr>
+          <p:nvPr>
+            <p:ph type="body" idx="1"/>
+          </p:nvPr>
+        </p:nvSpPr>
+        <p:spPr/>
+        <p:txBody>
+          <a:bodyPr/>
+          <a:lstStyle/>
+          <a:p>
+            <a:r>
+              <a:rPr lang="de-CH" dirty="0" smtClean="0"/>
+              <a:t>Initiale Population:</a:t>
+            </a:r>
+          </a:p>
+          <a:p>
+            <a:r>
+              <a:rPr lang="de-CH" dirty="0" smtClean="0"/>
+              <a:t>Erzeuge Population von </a:t>
+            </a:r>
+            <a:r>
+              <a:rPr lang="de-CH" i="1" dirty="0" smtClean="0"/>
+              <a:t>n</a:t>
+            </a:r>
+            <a:r>
+              <a:rPr lang="de-CH" dirty="0" smtClean="0"/>
+              <a:t> Individuen</a:t>
+            </a:r>
+          </a:p>
+          <a:p>
+            <a:r>
+              <a:rPr lang="de-CH" dirty="0" smtClean="0"/>
+              <a:t>Mehr Individuen bedeutet höheren Rechenaufwand</a:t>
+            </a:r>
+          </a:p>
+          <a:p>
+            <a:r>
+              <a:rPr lang="de-CH" dirty="0" smtClean="0"/>
+              <a:t>Möglichst divers zueinander</a:t>
+            </a:r>
+          </a:p>
+          <a:p>
+            <a:endParaRPr lang="de-CH" dirty="0"/>
+          </a:p>
+        </p:txBody>
+      </p:sp>
+      <p:sp>
+        <p:nvSpPr>
+          <p:cNvPr id="4" name="Slide Number Placeholder 3"/>
+          <p:cNvSpPr>
+            <a:spLocks noGrp="1"/>
+          </p:cNvSpPr>
+          <p:nvPr>
+            <p:ph type="sldNum" sz="quarter" idx="10"/>
+          </p:nvPr>
+        </p:nvSpPr>
+        <p:spPr/>
+        <p:txBody>
+          <a:bodyPr/>
+          <a:lstStyle/>
+          <a:p>
+            <a:fld id="{EA11A74D-32B6-452B-A0CB-8CC2507C7E44}" type="slidenum">
+              <a:rPr lang="de-CH" smtClean="0"/>
+              <a:t>7</a:t>
+            </a:fld>
+            <a:endParaRPr lang="de-CH"/>
+          </a:p>
+        </p:txBody>
+      </p:sp>
+    </p:spTree>
+    <p:extLst>
+      <p:ext uri="{BB962C8B-B14F-4D97-AF65-F5344CB8AC3E}">
+        <p14:creationId xmlns:p14="http://schemas.microsoft.com/office/powerpoint/2010/main" val="2950811208"/>
       </p:ext>
     </p:extLst>
   </p:cSld>
@@ -12203,7 +12876,7 @@
           <a:p>
             <a:fld id="{7CFF761D-BC72-43BE-8309-F63A121A266E}" type="datetime1">
               <a:rPr lang="de-CH" smtClean="0"/>
-              <a:t>27.06.2016</a:t>
+              <a:t>28.06.2016</a:t>
             </a:fld>
             <a:endParaRPr lang="de-CH"/>
           </a:p>
@@ -12435,7 +13108,7 @@
           <a:p>
             <a:fld id="{29D68632-BA30-447D-A91F-61E29F856F33}" type="datetime1">
               <a:rPr lang="de-CH" smtClean="0"/>
-              <a:t>27.06.2016</a:t>
+              <a:t>28.06.2016</a:t>
             </a:fld>
             <a:endParaRPr lang="de-CH"/>
           </a:p>
@@ -12651,7 +13324,7 @@
           <a:p>
             <a:fld id="{E6DD9CFA-7FDE-4C28-9438-98659B0FC9DB}" type="datetime1">
               <a:rPr lang="de-CH" smtClean="0"/>
-              <a:t>27.06.2016</a:t>
+              <a:t>28.06.2016</a:t>
             </a:fld>
             <a:endParaRPr lang="de-CH" dirty="0"/>
           </a:p>
@@ -21560,7 +22233,7 @@
           <a:p>
             <a:fld id="{FF6D3077-8546-40F7-9CAE-8BE1C86CD7AB}" type="datetime1">
               <a:rPr lang="de-CH" smtClean="0"/>
-              <a:t>27.06.2016</a:t>
+              <a:t>28.06.2016</a:t>
             </a:fld>
             <a:endParaRPr lang="de-CH"/>
           </a:p>
@@ -21851,7 +22524,7 @@
           <a:p>
             <a:fld id="{156E10E2-A690-4A71-881B-E0EDEB50C521}" type="datetime1">
               <a:rPr lang="de-CH" smtClean="0"/>
-              <a:t>27.06.2016</a:t>
+              <a:t>28.06.2016</a:t>
             </a:fld>
             <a:endParaRPr lang="de-CH"/>
           </a:p>
@@ -22059,39 +22732,46 @@
         </p:spPr>
         <p:txBody>
           <a:bodyPr/>
-          <a:lstStyle/>
+          <a:lstStyle>
+            <a:lvl1pPr>
+              <a:defRPr sz="1800"/>
+            </a:lvl1pPr>
+            <a:lvl2pPr>
+              <a:defRPr sz="1600"/>
+            </a:lvl2pPr>
+          </a:lstStyle>
           <a:p>
             <a:pPr lvl="0"/>
             <a:r>
-              <a:rPr lang="en-US" smtClean="0"/>
+              <a:rPr lang="en-US" dirty="0" smtClean="0"/>
               <a:t>Click to edit Master text styles</a:t>
             </a:r>
           </a:p>
           <a:p>
             <a:pPr lvl="1"/>
             <a:r>
-              <a:rPr lang="en-US" smtClean="0"/>
+              <a:rPr lang="en-US" dirty="0" smtClean="0"/>
               <a:t>Second level</a:t>
             </a:r>
           </a:p>
           <a:p>
             <a:pPr lvl="2"/>
             <a:r>
-              <a:rPr lang="en-US" smtClean="0"/>
+              <a:rPr lang="en-US" dirty="0" smtClean="0"/>
               <a:t>Third level</a:t>
             </a:r>
           </a:p>
           <a:p>
             <a:pPr lvl="3"/>
             <a:r>
-              <a:rPr lang="en-US" smtClean="0"/>
+              <a:rPr lang="en-US" dirty="0" smtClean="0"/>
               <a:t>Fourth level</a:t>
             </a:r>
           </a:p>
           <a:p>
             <a:pPr lvl="4"/>
             <a:r>
-              <a:rPr lang="en-US" smtClean="0"/>
+              <a:rPr lang="en-US" dirty="0" smtClean="0"/>
               <a:t>Fifth level</a:t>
             </a:r>
             <a:endParaRPr lang="en-US" dirty="0"/>
@@ -22204,39 +22884,46 @@
         </p:spPr>
         <p:txBody>
           <a:bodyPr/>
-          <a:lstStyle/>
+          <a:lstStyle>
+            <a:lvl1pPr>
+              <a:defRPr sz="1800"/>
+            </a:lvl1pPr>
+            <a:lvl2pPr>
+              <a:defRPr sz="1600"/>
+            </a:lvl2pPr>
+          </a:lstStyle>
           <a:p>
             <a:pPr lvl="0"/>
             <a:r>
-              <a:rPr lang="en-US" smtClean="0"/>
+              <a:rPr lang="en-US" dirty="0" smtClean="0"/>
               <a:t>Click to edit Master text styles</a:t>
             </a:r>
           </a:p>
           <a:p>
             <a:pPr lvl="1"/>
             <a:r>
-              <a:rPr lang="en-US" smtClean="0"/>
+              <a:rPr lang="en-US" dirty="0" smtClean="0"/>
               <a:t>Second level</a:t>
             </a:r>
           </a:p>
           <a:p>
             <a:pPr lvl="2"/>
             <a:r>
-              <a:rPr lang="en-US" smtClean="0"/>
+              <a:rPr lang="en-US" dirty="0" smtClean="0"/>
               <a:t>Third level</a:t>
             </a:r>
           </a:p>
           <a:p>
             <a:pPr lvl="3"/>
             <a:r>
-              <a:rPr lang="en-US" smtClean="0"/>
+              <a:rPr lang="en-US" dirty="0" smtClean="0"/>
               <a:t>Fourth level</a:t>
             </a:r>
           </a:p>
           <a:p>
             <a:pPr lvl="4"/>
             <a:r>
-              <a:rPr lang="en-US" smtClean="0"/>
+              <a:rPr lang="en-US" dirty="0" smtClean="0"/>
               <a:t>Fifth level</a:t>
             </a:r>
             <a:endParaRPr lang="en-US" dirty="0"/>
@@ -22260,7 +22947,7 @@
           <a:p>
             <a:fld id="{5C5B847C-6AE1-407D-8FC4-CEB9DD334D02}" type="datetime1">
               <a:rPr lang="de-CH" smtClean="0"/>
-              <a:t>27.06.2016</a:t>
+              <a:t>28.06.2016</a:t>
             </a:fld>
             <a:endParaRPr lang="de-CH"/>
           </a:p>
@@ -22366,7 +23053,7 @@
           <a:p>
             <a:fld id="{CB265F3A-47B2-497B-B053-72DD38552CBD}" type="datetime1">
               <a:rPr lang="de-CH" smtClean="0"/>
-              <a:t>27.06.2016</a:t>
+              <a:t>28.06.2016</a:t>
             </a:fld>
             <a:endParaRPr lang="de-CH"/>
           </a:p>
@@ -22721,7 +23408,7 @@
           <a:p>
             <a:fld id="{743361E2-601D-4898-B5A8-35B8F37DF7A5}" type="datetime1">
               <a:rPr lang="de-CH" smtClean="0"/>
-              <a:t>27.06.2016</a:t>
+              <a:t>28.06.2016</a:t>
             </a:fld>
             <a:endParaRPr lang="de-CH"/>
           </a:p>
@@ -23012,7 +23699,7 @@
           <a:p>
             <a:fld id="{5907DBC8-37BC-40BE-A34E-7A8F3DD3B955}" type="datetime1">
               <a:rPr lang="de-CH" smtClean="0"/>
-              <a:t>27.06.2016</a:t>
+              <a:t>28.06.2016</a:t>
             </a:fld>
             <a:endParaRPr lang="de-CH"/>
           </a:p>
@@ -23228,7 +23915,7 @@
           <a:p>
             <a:fld id="{C3085C8E-862D-41F9-84B4-6523F3E4AC2D}" type="datetime1">
               <a:rPr lang="de-CH" smtClean="0"/>
-              <a:t>27.06.2016</a:t>
+              <a:t>28.06.2016</a:t>
             </a:fld>
             <a:endParaRPr lang="de-CH"/>
           </a:p>
@@ -23454,7 +24141,7 @@
           <a:p>
             <a:fld id="{832F9289-BA7A-42ED-8440-68BD1BFA6A29}" type="datetime1">
               <a:rPr lang="de-CH" smtClean="0"/>
-              <a:t>27.06.2016</a:t>
+              <a:t>28.06.2016</a:t>
             </a:fld>
             <a:endParaRPr lang="de-CH"/>
           </a:p>
@@ -24053,7 +24740,7 @@
           <a:p>
             <a:fld id="{7BF5DD0B-BA71-452B-8DCB-DE67A3614975}" type="datetime1">
               <a:rPr lang="de-CH" smtClean="0"/>
-              <a:t>27.06.2016</a:t>
+              <a:t>28.06.2016</a:t>
             </a:fld>
             <a:endParaRPr lang="de-CH"/>
           </a:p>
@@ -24159,7 +24846,7 @@
           <a:p>
             <a:r>
               <a:rPr lang="de-CH" dirty="0" smtClean="0"/>
-              <a:t>Turnierbasierte Selektion</a:t>
+              <a:t>Mutation</a:t>
             </a:r>
             <a:endParaRPr lang="de-CH" dirty="0"/>
           </a:p>
@@ -24167,12 +24854,12 @@
       </p:sp>
       <p:sp>
         <p:nvSpPr>
-          <p:cNvPr id="3" name="Content Placeholder 2"/>
+          <p:cNvPr id="3" name="Text Placeholder 2"/>
           <p:cNvSpPr>
             <a:spLocks noGrp="1"/>
           </p:cNvSpPr>
           <p:nvPr>
-            <p:ph idx="1"/>
+            <p:ph type="body" idx="1"/>
           </p:nvPr>
         </p:nvSpPr>
         <p:spPr/>
@@ -24180,13 +24867,118 @@
           <a:bodyPr/>
           <a:lstStyle/>
           <a:p>
+            <a:r>
+              <a:rPr lang="de-CH" dirty="0" smtClean="0"/>
+              <a:t>Allgemein</a:t>
+            </a:r>
             <a:endParaRPr lang="de-CH" dirty="0"/>
           </a:p>
         </p:txBody>
       </p:sp>
       <p:sp>
         <p:nvSpPr>
-          <p:cNvPr id="4" name="Date Placeholder 3"/>
+          <p:cNvPr id="4" name="Content Placeholder 3"/>
+          <p:cNvSpPr>
+            <a:spLocks noGrp="1"/>
+          </p:cNvSpPr>
+          <p:nvPr>
+            <p:ph sz="half" idx="2"/>
+          </p:nvPr>
+        </p:nvSpPr>
+        <p:spPr/>
+        <p:txBody>
+          <a:bodyPr/>
+          <a:lstStyle/>
+          <a:p>
+            <a:r>
+              <a:rPr lang="de-CH" sz="1800" dirty="0"/>
+              <a:t>Operieren auf dem </a:t>
+            </a:r>
+            <a:r>
+              <a:rPr lang="de-CH" sz="1800" dirty="0" smtClean="0"/>
+              <a:t>Genotyp</a:t>
+            </a:r>
+          </a:p>
+          <a:p>
+            <a:endParaRPr lang="de-CH" sz="1800" dirty="0" smtClean="0"/>
+          </a:p>
+          <a:p>
+            <a:r>
+              <a:rPr lang="de-CH" dirty="0"/>
+              <a:t>Position des Genoms wird mit </a:t>
+            </a:r>
+            <a:r>
+              <a:rPr lang="de-CH" dirty="0" smtClean="0"/>
+              <a:t>bestimmter </a:t>
+            </a:r>
+            <a:r>
+              <a:rPr lang="de-CH" dirty="0"/>
+              <a:t>Wahrscheinlichkeit mutiert</a:t>
+            </a:r>
+          </a:p>
+          <a:p>
+            <a:endParaRPr lang="de-CH" dirty="0"/>
+          </a:p>
+          <a:p>
+            <a:endParaRPr lang="de-CH" dirty="0"/>
+          </a:p>
+        </p:txBody>
+      </p:sp>
+      <p:sp>
+        <p:nvSpPr>
+          <p:cNvPr id="5" name="Text Placeholder 4"/>
+          <p:cNvSpPr>
+            <a:spLocks noGrp="1"/>
+          </p:cNvSpPr>
+          <p:nvPr>
+            <p:ph type="body" sz="quarter" idx="3"/>
+          </p:nvPr>
+        </p:nvSpPr>
+        <p:spPr/>
+        <p:txBody>
+          <a:bodyPr/>
+          <a:lstStyle/>
+          <a:p>
+            <a:r>
+              <a:rPr lang="de-CH" dirty="0" smtClean="0"/>
+              <a:t>Beispiel</a:t>
+            </a:r>
+            <a:endParaRPr lang="de-CH" dirty="0"/>
+          </a:p>
+        </p:txBody>
+      </p:sp>
+      <p:pic>
+        <p:nvPicPr>
+          <p:cNvPr id="10" name="Content Placeholder 9"/>
+          <p:cNvPicPr>
+            <a:picLocks noGrp="1" noChangeAspect="1"/>
+          </p:cNvPicPr>
+          <p:nvPr>
+            <p:ph sz="quarter" idx="4"/>
+          </p:nvPr>
+        </p:nvPicPr>
+        <p:blipFill>
+          <a:blip r:embed="rId2">
+            <a:extLst>
+              <a:ext uri="{28A0092B-C50C-407E-A947-70E740481C1C}">
+                <a14:useLocalDpi xmlns:a14="http://schemas.microsoft.com/office/drawing/2010/main" val="0"/>
+              </a:ext>
+            </a:extLst>
+          </a:blip>
+          <a:stretch>
+            <a:fillRect/>
+          </a:stretch>
+        </p:blipFill>
+        <p:spPr>
+          <a:xfrm>
+            <a:off x="5991046" y="3097400"/>
+            <a:ext cx="4754563" cy="1006440"/>
+          </a:xfrm>
+        </p:spPr>
+      </p:pic>
+      <p:sp>
+        <p:nvSpPr>
+          <p:cNvPr id="7" name="Date Placeholder 6"/>
           <p:cNvSpPr>
             <a:spLocks noGrp="1"/>
           </p:cNvSpPr>
@@ -24199,17 +24991,17 @@
           <a:bodyPr/>
           <a:lstStyle/>
           <a:p>
-            <a:fld id="{E6DD9CFA-7FDE-4C28-9438-98659B0FC9DB}" type="datetime1">
+            <a:fld id="{5C5B847C-6AE1-407D-8FC4-CEB9DD334D02}" type="datetime1">
               <a:rPr lang="de-CH" smtClean="0"/>
-              <a:t>27.06.2016</a:t>
+              <a:t>28.06.2016</a:t>
             </a:fld>
-            <a:endParaRPr lang="de-CH" dirty="0"/>
+            <a:endParaRPr lang="de-CH"/>
           </a:p>
         </p:txBody>
       </p:sp>
       <p:sp>
         <p:nvSpPr>
-          <p:cNvPr id="5" name="Footer Placeholder 4"/>
+          <p:cNvPr id="8" name="Footer Placeholder 7"/>
           <p:cNvSpPr>
             <a:spLocks noGrp="1"/>
           </p:cNvSpPr>
@@ -24226,13 +25018,13 @@
               <a:rPr lang="de-CH" smtClean="0"/>
               <a:t>Design von artifiziellen Tieren mit evolutionären Algorithmen - F. Hediger, F. Tanner</a:t>
             </a:r>
-            <a:endParaRPr lang="de-CH" dirty="0"/>
+            <a:endParaRPr lang="de-CH"/>
           </a:p>
         </p:txBody>
       </p:sp>
       <p:sp>
         <p:nvSpPr>
-          <p:cNvPr id="6" name="Slide Number Placeholder 5"/>
+          <p:cNvPr id="9" name="Slide Number Placeholder 8"/>
           <p:cNvSpPr>
             <a:spLocks noGrp="1"/>
           </p:cNvSpPr>
@@ -24256,7 +25048,7 @@
     </p:spTree>
     <p:extLst>
       <p:ext uri="{BB962C8B-B14F-4D97-AF65-F5344CB8AC3E}">
-        <p14:creationId xmlns:p14="http://schemas.microsoft.com/office/powerpoint/2010/main" val="548208526"/>
+        <p14:creationId xmlns:p14="http://schemas.microsoft.com/office/powerpoint/2010/main" val="3609538531"/>
       </p:ext>
     </p:extLst>
   </p:cSld>
@@ -24306,8 +25098,16 @@
           <a:lstStyle/>
           <a:p>
             <a:r>
+              <a:rPr lang="de-CH" dirty="0" err="1" smtClean="0"/>
+              <a:t>EvolUtionäre</a:t>
+            </a:r>
+            <a:r>
               <a:rPr lang="de-CH" dirty="0" smtClean="0"/>
-              <a:t>Mutation</a:t>
+              <a:t> </a:t>
+            </a:r>
+            <a:r>
+              <a:rPr lang="de-CH" dirty="0" err="1"/>
+              <a:t>AlGoRITHMEN</a:t>
             </a:r>
             <a:endParaRPr lang="de-CH" dirty="0"/>
           </a:p>
@@ -24315,12 +25115,12 @@
       </p:sp>
       <p:sp>
         <p:nvSpPr>
-          <p:cNvPr id="3" name="Content Placeholder 2"/>
+          <p:cNvPr id="3" name="Text Placeholder 2"/>
           <p:cNvSpPr>
             <a:spLocks noGrp="1"/>
           </p:cNvSpPr>
           <p:nvPr>
-            <p:ph idx="1"/>
+            <p:ph type="body" idx="1"/>
           </p:nvPr>
         </p:nvSpPr>
         <p:spPr/>
@@ -24328,13 +25128,154 @@
           <a:bodyPr/>
           <a:lstStyle/>
           <a:p>
-            <a:endParaRPr lang="de-CH"/>
+            <a:r>
+              <a:rPr lang="de-CH" dirty="0" smtClean="0"/>
+              <a:t>Typen</a:t>
+            </a:r>
+            <a:endParaRPr lang="de-CH" dirty="0"/>
           </a:p>
         </p:txBody>
       </p:sp>
       <p:sp>
         <p:nvSpPr>
-          <p:cNvPr id="4" name="Date Placeholder 3"/>
+          <p:cNvPr id="4" name="Content Placeholder 3"/>
+          <p:cNvSpPr>
+            <a:spLocks noGrp="1"/>
+          </p:cNvSpPr>
+          <p:nvPr>
+            <p:ph sz="half" idx="2"/>
+          </p:nvPr>
+        </p:nvSpPr>
+        <p:spPr/>
+        <p:txBody>
+          <a:bodyPr/>
+          <a:lstStyle/>
+          <a:p>
+            <a:r>
+              <a:rPr lang="de-CH" dirty="0"/>
+              <a:t>Genetische </a:t>
+            </a:r>
+            <a:r>
+              <a:rPr lang="de-CH" dirty="0" smtClean="0"/>
+              <a:t>Programmierung</a:t>
+            </a:r>
+          </a:p>
+          <a:p>
+            <a:endParaRPr lang="de-CH" dirty="0" smtClean="0"/>
+          </a:p>
+          <a:p>
+            <a:r>
+              <a:rPr lang="de-CH" dirty="0"/>
+              <a:t>Genetische </a:t>
+            </a:r>
+            <a:r>
+              <a:rPr lang="de-CH" dirty="0" smtClean="0"/>
+              <a:t>Algorithmen</a:t>
+            </a:r>
+          </a:p>
+          <a:p>
+            <a:endParaRPr lang="de-CH" dirty="0" smtClean="0"/>
+          </a:p>
+          <a:p>
+            <a:r>
+              <a:rPr lang="de-CH" dirty="0"/>
+              <a:t>Evolutionäre </a:t>
+            </a:r>
+            <a:r>
+              <a:rPr lang="de-CH" dirty="0" smtClean="0"/>
+              <a:t>Programmierung</a:t>
+            </a:r>
+          </a:p>
+          <a:p>
+            <a:endParaRPr lang="de-CH" dirty="0" smtClean="0"/>
+          </a:p>
+          <a:p>
+            <a:r>
+              <a:rPr lang="de-CH" dirty="0"/>
+              <a:t>Evolutionäre Strategien</a:t>
+            </a:r>
+          </a:p>
+          <a:p>
+            <a:endParaRPr lang="de-CH" dirty="0"/>
+          </a:p>
+          <a:p>
+            <a:endParaRPr lang="de-CH" dirty="0"/>
+          </a:p>
+          <a:p>
+            <a:endParaRPr lang="de-CH" dirty="0"/>
+          </a:p>
+          <a:p>
+            <a:endParaRPr lang="de-CH" dirty="0"/>
+          </a:p>
+        </p:txBody>
+      </p:sp>
+      <p:sp>
+        <p:nvSpPr>
+          <p:cNvPr id="5" name="Text Placeholder 4"/>
+          <p:cNvSpPr>
+            <a:spLocks noGrp="1"/>
+          </p:cNvSpPr>
+          <p:nvPr>
+            <p:ph type="body" sz="quarter" idx="3"/>
+          </p:nvPr>
+        </p:nvSpPr>
+        <p:spPr/>
+        <p:txBody>
+          <a:bodyPr/>
+          <a:lstStyle/>
+          <a:p>
+            <a:r>
+              <a:rPr lang="de-CH" dirty="0" smtClean="0"/>
+              <a:t>Evolutionäre Programmierung</a:t>
+            </a:r>
+            <a:endParaRPr lang="de-CH" dirty="0"/>
+          </a:p>
+        </p:txBody>
+      </p:sp>
+      <p:sp>
+        <p:nvSpPr>
+          <p:cNvPr id="6" name="Content Placeholder 5"/>
+          <p:cNvSpPr>
+            <a:spLocks noGrp="1"/>
+          </p:cNvSpPr>
+          <p:nvPr>
+            <p:ph sz="quarter" idx="4"/>
+          </p:nvPr>
+        </p:nvSpPr>
+        <p:spPr/>
+        <p:txBody>
+          <a:bodyPr/>
+          <a:lstStyle/>
+          <a:p>
+            <a:r>
+              <a:rPr lang="de-CH" dirty="0" smtClean="0"/>
+              <a:t>Turnierbasierte Selektion</a:t>
+            </a:r>
+          </a:p>
+          <a:p>
+            <a:endParaRPr lang="de-CH" dirty="0" smtClean="0"/>
+          </a:p>
+          <a:p>
+            <a:r>
+              <a:rPr lang="de-CH" dirty="0" smtClean="0"/>
+              <a:t>Reale-Werte-Repräsentation</a:t>
+            </a:r>
+          </a:p>
+          <a:p>
+            <a:endParaRPr lang="de-CH" dirty="0" smtClean="0"/>
+          </a:p>
+          <a:p>
+            <a:r>
+              <a:rPr lang="de-CH" dirty="0" smtClean="0"/>
+              <a:t>Mutation, aber keine Rekombination</a:t>
+            </a:r>
+            <a:endParaRPr lang="de-CH" dirty="0"/>
+          </a:p>
+        </p:txBody>
+      </p:sp>
+      <p:sp>
+        <p:nvSpPr>
+          <p:cNvPr id="7" name="Date Placeholder 6"/>
           <p:cNvSpPr>
             <a:spLocks noGrp="1"/>
           </p:cNvSpPr>
@@ -24347,17 +25288,17 @@
           <a:bodyPr/>
           <a:lstStyle/>
           <a:p>
-            <a:fld id="{E6DD9CFA-7FDE-4C28-9438-98659B0FC9DB}" type="datetime1">
+            <a:fld id="{5C5B847C-6AE1-407D-8FC4-CEB9DD334D02}" type="datetime1">
               <a:rPr lang="de-CH" smtClean="0"/>
-              <a:t>27.06.2016</a:t>
+              <a:t>28.06.2016</a:t>
             </a:fld>
-            <a:endParaRPr lang="de-CH" dirty="0"/>
+            <a:endParaRPr lang="de-CH"/>
           </a:p>
         </p:txBody>
       </p:sp>
       <p:sp>
         <p:nvSpPr>
-          <p:cNvPr id="5" name="Footer Placeholder 4"/>
+          <p:cNvPr id="8" name="Footer Placeholder 7"/>
           <p:cNvSpPr>
             <a:spLocks noGrp="1"/>
           </p:cNvSpPr>
@@ -24374,13 +25315,13 @@
               <a:rPr lang="de-CH" smtClean="0"/>
               <a:t>Design von artifiziellen Tieren mit evolutionären Algorithmen - F. Hediger, F. Tanner</a:t>
             </a:r>
-            <a:endParaRPr lang="de-CH" dirty="0"/>
+            <a:endParaRPr lang="de-CH"/>
           </a:p>
         </p:txBody>
       </p:sp>
       <p:sp>
         <p:nvSpPr>
-          <p:cNvPr id="6" name="Slide Number Placeholder 5"/>
+          <p:cNvPr id="9" name="Slide Number Placeholder 8"/>
           <p:cNvSpPr>
             <a:spLocks noGrp="1"/>
           </p:cNvSpPr>
@@ -24404,7 +25345,7 @@
     </p:spTree>
     <p:extLst>
       <p:ext uri="{BB962C8B-B14F-4D97-AF65-F5344CB8AC3E}">
-        <p14:creationId xmlns:p14="http://schemas.microsoft.com/office/powerpoint/2010/main" val="855546327"/>
+        <p14:creationId xmlns:p14="http://schemas.microsoft.com/office/powerpoint/2010/main" val="1661142964"/>
       </p:ext>
     </p:extLst>
   </p:cSld>
@@ -24454,20 +25395,12 @@
           <a:lstStyle/>
           <a:p>
             <a:r>
+              <a:rPr lang="de-CH" dirty="0" err="1" smtClean="0"/>
+              <a:t>EvolutiOnäre</a:t>
+            </a:r>
+            <a:r>
               <a:rPr lang="de-CH" dirty="0" smtClean="0"/>
-              <a:t>Typen von </a:t>
-            </a:r>
-            <a:r>
-              <a:rPr lang="de-CH" dirty="0" err="1" smtClean="0"/>
-              <a:t>EvolUtionären</a:t>
-            </a:r>
-            <a:r>
-              <a:rPr lang="de-CH" dirty="0" smtClean="0"/>
-              <a:t> </a:t>
-            </a:r>
-            <a:r>
-              <a:rPr lang="de-CH" dirty="0" err="1" smtClean="0"/>
-              <a:t>AlGoRITHMEN</a:t>
+              <a:t> Programmierung</a:t>
             </a:r>
             <a:endParaRPr lang="de-CH" dirty="0"/>
           </a:p>
@@ -24489,38 +25422,42 @@
           <a:lstStyle/>
           <a:p>
             <a:r>
-              <a:rPr lang="de-CH" dirty="0"/>
-              <a:t>Genetische Programmierung</a:t>
-            </a:r>
-          </a:p>
-          <a:p>
-            <a:endParaRPr lang="de-CH" dirty="0"/>
-          </a:p>
-          <a:p>
-            <a:r>
-              <a:rPr lang="de-CH" dirty="0"/>
-              <a:t>Genetische Algorithmen</a:t>
-            </a:r>
-          </a:p>
-          <a:p>
-            <a:endParaRPr lang="de-CH" dirty="0"/>
-          </a:p>
-          <a:p>
-            <a:r>
-              <a:rPr lang="de-CH" dirty="0"/>
-              <a:t>Evolutionäre Programmierung</a:t>
-            </a:r>
-          </a:p>
-          <a:p>
-            <a:endParaRPr lang="de-CH" dirty="0"/>
-          </a:p>
-          <a:p>
-            <a:r>
-              <a:rPr lang="de-CH" dirty="0"/>
-              <a:t>Evolutionäre Strategien</a:t>
-            </a:r>
-          </a:p>
-          <a:p>
+              <a:rPr lang="de-CH" dirty="0" err="1" smtClean="0"/>
+              <a:t>Creator</a:t>
+            </a:r>
+            <a:r>
+              <a:rPr lang="de-CH" dirty="0" smtClean="0"/>
+              <a:t> </a:t>
+            </a:r>
+            <a:r>
+              <a:rPr lang="de-CH" dirty="0" err="1" smtClean="0"/>
+              <a:t>invento</a:t>
+            </a:r>
+            <a:endParaRPr lang="de-CH" dirty="0" smtClean="0"/>
+          </a:p>
+          <a:p>
+            <a:r>
+              <a:rPr lang="de-CH" dirty="0" smtClean="0"/>
+              <a:t>… </a:t>
+            </a:r>
+            <a:r>
+              <a:rPr lang="de-CH" dirty="0" err="1" smtClean="0"/>
+              <a:t>use</a:t>
+            </a:r>
+            <a:r>
+              <a:rPr lang="de-CH" dirty="0" smtClean="0"/>
+              <a:t> </a:t>
+            </a:r>
+            <a:r>
+              <a:rPr lang="de-CH" dirty="0" err="1" smtClean="0"/>
+              <a:t>mdf</a:t>
+            </a:r>
+            <a:endParaRPr lang="de-CH" dirty="0" smtClean="0"/>
+          </a:p>
+          <a:p>
+            <a:pPr marL="0" indent="0">
+              <a:buNone/>
+            </a:pPr>
             <a:endParaRPr lang="de-CH" dirty="0"/>
           </a:p>
         </p:txBody>
@@ -24542,7 +25479,7 @@
           <a:p>
             <a:fld id="{E6DD9CFA-7FDE-4C28-9438-98659B0FC9DB}" type="datetime1">
               <a:rPr lang="de-CH" smtClean="0"/>
-              <a:t>27.06.2016</a:t>
+              <a:t>28.06.2016</a:t>
             </a:fld>
             <a:endParaRPr lang="de-CH" dirty="0"/>
           </a:p>
@@ -24597,7 +25534,7 @@
     </p:spTree>
     <p:extLst>
       <p:ext uri="{BB962C8B-B14F-4D97-AF65-F5344CB8AC3E}">
-        <p14:creationId xmlns:p14="http://schemas.microsoft.com/office/powerpoint/2010/main" val="1453633233"/>
+        <p14:creationId xmlns:p14="http://schemas.microsoft.com/office/powerpoint/2010/main" val="750105664"/>
       </p:ext>
     </p:extLst>
   </p:cSld>
@@ -24647,14 +25584,9 @@
           <a:lstStyle/>
           <a:p>
             <a:r>
-              <a:rPr lang="de-CH" dirty="0" err="1" smtClean="0"/>
-              <a:t>Evolutinäre</a:t>
-            </a:r>
-            <a:r>
-              <a:rPr lang="de-CH" dirty="0" smtClean="0"/>
-              <a:t> Programmierung</a:t>
-            </a:r>
-            <a:endParaRPr lang="de-CH" dirty="0"/>
+              <a:rPr lang="de-CH" dirty="0"/>
+              <a:t>Methoden</a:t>
+            </a:r>
           </a:p>
         </p:txBody>
       </p:sp>
@@ -24674,8 +25606,70 @@
           <a:lstStyle/>
           <a:p>
             <a:r>
+              <a:rPr lang="de-CH" dirty="0" smtClean="0"/>
+              <a:t>Design der Individuen</a:t>
+            </a:r>
+          </a:p>
+          <a:p>
+            <a:r>
+              <a:rPr lang="de-CH" dirty="0" smtClean="0"/>
+              <a:t>Bewegungsablauf</a:t>
+            </a:r>
+          </a:p>
+          <a:p>
+            <a:pPr lvl="1"/>
+            <a:r>
+              <a:rPr lang="de-CH" dirty="0"/>
+              <a:t>Wie kann eine Steuerung der Bewegung implementiert</a:t>
+            </a:r>
+            <a:br>
+              <a:rPr lang="de-CH" dirty="0"/>
+            </a:br>
+            <a:r>
+              <a:rPr lang="de-CH" dirty="0"/>
+              <a:t>werden</a:t>
+            </a:r>
+            <a:r>
+              <a:rPr lang="de-CH" dirty="0" smtClean="0"/>
+              <a:t>?</a:t>
+            </a:r>
+          </a:p>
+          <a:p>
+            <a:pPr lvl="1"/>
+            <a:r>
+              <a:rPr lang="de-CH" dirty="0"/>
+              <a:t>Wie kann diese Steuerung evolviert werden?</a:t>
+            </a:r>
+          </a:p>
+          <a:p>
+            <a:r>
+              <a:rPr lang="de-CH" dirty="0" smtClean="0"/>
+              <a:t>Auswahl des Evolutionären Algorithmus</a:t>
+            </a:r>
+          </a:p>
+          <a:p>
+            <a:r>
+              <a:rPr lang="de-CH" dirty="0" smtClean="0"/>
+              <a:t>Eingesetzte Technologien</a:t>
+            </a:r>
+          </a:p>
+          <a:p>
+            <a:pPr lvl="1"/>
+            <a:r>
+              <a:rPr lang="de-CH" dirty="0" smtClean="0"/>
+              <a:t>Probleme Kreise, Verhacken </a:t>
+            </a:r>
+            <a:r>
               <a:rPr lang="de-CH" dirty="0" err="1" smtClean="0"/>
-              <a:t>Creator</a:t>
+              <a:t>etc</a:t>
+            </a:r>
+            <a:r>
+              <a:rPr lang="de-CH" dirty="0" smtClean="0"/>
+              <a:t> (</a:t>
+            </a:r>
+            <a:r>
+              <a:rPr lang="de-CH" dirty="0" err="1" smtClean="0"/>
+              <a:t>remove</a:t>
             </a:r>
             <a:r>
               <a:rPr lang="de-CH" dirty="0" smtClean="0"/>
@@ -24683,33 +25677,18 @@
             </a:r>
             <a:r>
               <a:rPr lang="de-CH" dirty="0" err="1" smtClean="0"/>
-              <a:t>invento</a:t>
-            </a:r>
-            <a:endParaRPr lang="de-CH" dirty="0" smtClean="0"/>
-          </a:p>
-          <a:p>
+              <a:t>me</a:t>
+            </a:r>
             <a:r>
               <a:rPr lang="de-CH" dirty="0" smtClean="0"/>
-              <a:t>… </a:t>
-            </a:r>
-            <a:r>
-              <a:rPr lang="de-CH" dirty="0" err="1" smtClean="0"/>
-              <a:t>use</a:t>
-            </a:r>
+              <a:t>)</a:t>
+            </a:r>
+          </a:p>
+          <a:p>
             <a:r>
               <a:rPr lang="de-CH" dirty="0" smtClean="0"/>
-              <a:t> </a:t>
-            </a:r>
-            <a:r>
-              <a:rPr lang="de-CH" dirty="0" err="1" smtClean="0"/>
-              <a:t>mdf</a:t>
-            </a:r>
-            <a:endParaRPr lang="de-CH" dirty="0" smtClean="0"/>
-          </a:p>
-          <a:p>
-            <a:pPr marL="0" indent="0">
-              <a:buNone/>
-            </a:pPr>
+              <a:t>Ablauf Simulation</a:t>
+            </a:r>
             <a:endParaRPr lang="de-CH" dirty="0"/>
           </a:p>
         </p:txBody>
@@ -24729,9 +25708,9 @@
           <a:bodyPr/>
           <a:lstStyle/>
           <a:p>
-            <a:fld id="{E6DD9CFA-7FDE-4C28-9438-98659B0FC9DB}" type="datetime1">
+            <a:fld id="{F272425D-F560-4931-862B-3A57BAA1F897}" type="datetime1">
               <a:rPr lang="de-CH" smtClean="0"/>
-              <a:t>27.06.2016</a:t>
+              <a:t>28.06.2016</a:t>
             </a:fld>
             <a:endParaRPr lang="de-CH" dirty="0"/>
           </a:p>
@@ -24739,7 +25718,30 @@
       </p:sp>
       <p:sp>
         <p:nvSpPr>
-          <p:cNvPr id="5" name="Footer Placeholder 4"/>
+          <p:cNvPr id="5" name="Slide Number Placeholder 4"/>
+          <p:cNvSpPr>
+            <a:spLocks noGrp="1"/>
+          </p:cNvSpPr>
+          <p:nvPr>
+            <p:ph type="sldNum" sz="quarter" idx="12"/>
+          </p:nvPr>
+        </p:nvSpPr>
+        <p:spPr/>
+        <p:txBody>
+          <a:bodyPr/>
+          <a:lstStyle/>
+          <a:p>
+            <a:fld id="{9DD3427A-877F-49F0-A244-E76867DD5238}" type="slidenum">
+              <a:rPr lang="de-CH" smtClean="0"/>
+              <a:t>13</a:t>
+            </a:fld>
+            <a:endParaRPr lang="de-CH"/>
+          </a:p>
+        </p:txBody>
+      </p:sp>
+      <p:sp>
+        <p:nvSpPr>
+          <p:cNvPr id="6" name="Footer Placeholder 5"/>
           <p:cNvSpPr>
             <a:spLocks noGrp="1"/>
           </p:cNvSpPr>
@@ -24760,33 +25762,10 @@
           </a:p>
         </p:txBody>
       </p:sp>
-      <p:sp>
-        <p:nvSpPr>
-          <p:cNvPr id="6" name="Slide Number Placeholder 5"/>
-          <p:cNvSpPr>
-            <a:spLocks noGrp="1"/>
-          </p:cNvSpPr>
-          <p:nvPr>
-            <p:ph type="sldNum" sz="quarter" idx="12"/>
-          </p:nvPr>
-        </p:nvSpPr>
-        <p:spPr/>
-        <p:txBody>
-          <a:bodyPr/>
-          <a:lstStyle/>
-          <a:p>
-            <a:fld id="{9DD3427A-877F-49F0-A244-E76867DD5238}" type="slidenum">
-              <a:rPr lang="de-CH" smtClean="0"/>
-              <a:t>13</a:t>
-            </a:fld>
-            <a:endParaRPr lang="de-CH"/>
-          </a:p>
-        </p:txBody>
-      </p:sp>
     </p:spTree>
     <p:extLst>
       <p:ext uri="{BB962C8B-B14F-4D97-AF65-F5344CB8AC3E}">
-        <p14:creationId xmlns:p14="http://schemas.microsoft.com/office/powerpoint/2010/main" val="750105664"/>
+        <p14:creationId xmlns:p14="http://schemas.microsoft.com/office/powerpoint/2010/main" val="450688292"/>
       </p:ext>
     </p:extLst>
   </p:cSld>
@@ -24837,111 +25816,8 @@
           <a:p>
             <a:r>
               <a:rPr lang="de-CH" dirty="0"/>
-              <a:t>Methoden</a:t>
-            </a:r>
-          </a:p>
-        </p:txBody>
-      </p:sp>
-      <p:sp>
-        <p:nvSpPr>
-          <p:cNvPr id="3" name="Content Placeholder 2"/>
-          <p:cNvSpPr>
-            <a:spLocks noGrp="1"/>
-          </p:cNvSpPr>
-          <p:nvPr>
-            <p:ph idx="1"/>
-          </p:nvPr>
-        </p:nvSpPr>
-        <p:spPr/>
-        <p:txBody>
-          <a:bodyPr/>
-          <a:lstStyle/>
-          <a:p>
-            <a:r>
-              <a:rPr lang="de-CH" dirty="0" smtClean="0"/>
-              <a:t>Design der Individuen</a:t>
-            </a:r>
-          </a:p>
-          <a:p>
-            <a:r>
-              <a:rPr lang="de-CH" dirty="0" smtClean="0"/>
-              <a:t>Bewegungsablauf</a:t>
-            </a:r>
-          </a:p>
-          <a:p>
-            <a:pPr lvl="1"/>
-            <a:r>
-              <a:rPr lang="de-CH" dirty="0"/>
-              <a:t>Wie kann eine Steuerung der Bewegung implementiert</a:t>
-            </a:r>
-            <a:br>
-              <a:rPr lang="de-CH" dirty="0"/>
-            </a:br>
-            <a:r>
-              <a:rPr lang="de-CH" dirty="0"/>
-              <a:t>werden</a:t>
-            </a:r>
-            <a:r>
-              <a:rPr lang="de-CH" dirty="0" smtClean="0"/>
-              <a:t>?</a:t>
-            </a:r>
-          </a:p>
-          <a:p>
-            <a:pPr lvl="1"/>
-            <a:r>
-              <a:rPr lang="de-CH" dirty="0"/>
-              <a:t>Wie kann diese Steuerung evolviert werden?</a:t>
-            </a:r>
-          </a:p>
-          <a:p>
-            <a:r>
-              <a:rPr lang="de-CH" dirty="0" smtClean="0"/>
-              <a:t>Auswahl des Evolutionären Algorithmus</a:t>
-            </a:r>
-          </a:p>
-          <a:p>
-            <a:r>
-              <a:rPr lang="de-CH" dirty="0" smtClean="0"/>
-              <a:t>Eingesetzte Technologien</a:t>
-            </a:r>
-          </a:p>
-          <a:p>
-            <a:pPr lvl="1"/>
-            <a:r>
-              <a:rPr lang="de-CH" dirty="0" smtClean="0"/>
-              <a:t>Probleme Kreise, Verhacken </a:t>
-            </a:r>
-            <a:r>
-              <a:rPr lang="de-CH" dirty="0" err="1" smtClean="0"/>
-              <a:t>etc</a:t>
-            </a:r>
-            <a:r>
-              <a:rPr lang="de-CH" dirty="0" smtClean="0"/>
-              <a:t> (</a:t>
-            </a:r>
-            <a:r>
-              <a:rPr lang="de-CH" dirty="0" err="1" smtClean="0"/>
-              <a:t>remove</a:t>
-            </a:r>
-            <a:r>
-              <a:rPr lang="de-CH" dirty="0" smtClean="0"/>
-              <a:t> </a:t>
-            </a:r>
-            <a:r>
-              <a:rPr lang="de-CH" dirty="0" err="1" smtClean="0"/>
-              <a:t>me</a:t>
-            </a:r>
-            <a:r>
-              <a:rPr lang="de-CH" dirty="0" smtClean="0"/>
-              <a:t>)</a:t>
-            </a:r>
-          </a:p>
-          <a:p>
-            <a:r>
-              <a:rPr lang="de-CH" dirty="0" smtClean="0"/>
-              <a:t>Ablauf Simulation</a:t>
-            </a:r>
-            <a:endParaRPr lang="de-CH" dirty="0"/>
+              <a:t>Zeitraffer des Bewegungsablaufs</a:t>
+            </a:r>
           </a:p>
         </p:txBody>
       </p:sp>
@@ -24960,9 +25836,9 @@
           <a:bodyPr/>
           <a:lstStyle/>
           <a:p>
-            <a:fld id="{F272425D-F560-4931-862B-3A57BAA1F897}" type="datetime1">
+            <a:fld id="{89E1AB69-9DBB-444C-B94A-747DEDADEEF9}" type="datetime1">
               <a:rPr lang="de-CH" smtClean="0"/>
-              <a:t>27.06.2016</a:t>
+              <a:t>28.06.2016</a:t>
             </a:fld>
             <a:endParaRPr lang="de-CH" dirty="0"/>
           </a:p>
@@ -25014,10 +25890,29 @@
           </a:p>
         </p:txBody>
       </p:sp>
+      <p:sp>
+        <p:nvSpPr>
+          <p:cNvPr id="10" name="Content Placeholder 9"/>
+          <p:cNvSpPr>
+            <a:spLocks noGrp="1"/>
+          </p:cNvSpPr>
+          <p:nvPr>
+            <p:ph idx="1"/>
+          </p:nvPr>
+        </p:nvSpPr>
+        <p:spPr/>
+        <p:txBody>
+          <a:bodyPr/>
+          <a:lstStyle/>
+          <a:p>
+            <a:endParaRPr lang="de-CH"/>
+          </a:p>
+        </p:txBody>
+      </p:sp>
     </p:spTree>
     <p:extLst>
       <p:ext uri="{BB962C8B-B14F-4D97-AF65-F5344CB8AC3E}">
-        <p14:creationId xmlns:p14="http://schemas.microsoft.com/office/powerpoint/2010/main" val="450688292"/>
+        <p14:creationId xmlns:p14="http://schemas.microsoft.com/office/powerpoint/2010/main" val="1551061059"/>
       </p:ext>
     </p:extLst>
   </p:cSld>
@@ -25067,9 +25962,44 @@
           <a:lstStyle/>
           <a:p>
             <a:r>
+              <a:rPr lang="de-CH" dirty="0" smtClean="0"/>
+              <a:t>Resultate</a:t>
+            </a:r>
+            <a:endParaRPr lang="de-CH" dirty="0"/>
+          </a:p>
+        </p:txBody>
+      </p:sp>
+      <p:sp>
+        <p:nvSpPr>
+          <p:cNvPr id="3" name="Content Placeholder 2"/>
+          <p:cNvSpPr>
+            <a:spLocks noGrp="1"/>
+          </p:cNvSpPr>
+          <p:nvPr>
+            <p:ph idx="1"/>
+          </p:nvPr>
+        </p:nvSpPr>
+        <p:spPr/>
+        <p:txBody>
+          <a:bodyPr/>
+          <a:lstStyle/>
+          <a:p>
+            <a:r>
+              <a:rPr lang="de-CH" dirty="0" smtClean="0"/>
+              <a:t>4. </a:t>
+            </a:r>
+            <a:r>
               <a:rPr lang="de-CH" dirty="0"/>
-              <a:t>Zeitraffer des Bewegungsablaufs</a:t>
-            </a:r>
+              <a:t>Simulationslauf</a:t>
+            </a:r>
+            <a:endParaRPr lang="de-CH" dirty="0" smtClean="0"/>
+          </a:p>
+          <a:p>
+            <a:r>
+              <a:rPr lang="de-CH" dirty="0" smtClean="0"/>
+              <a:t>5. Simulationslauf</a:t>
+            </a:r>
+            <a:endParaRPr lang="de-CH" dirty="0"/>
           </a:p>
         </p:txBody>
       </p:sp>
@@ -25088,9 +26018,9 @@
           <a:bodyPr/>
           <a:lstStyle/>
           <a:p>
-            <a:fld id="{89E1AB69-9DBB-444C-B94A-747DEDADEEF9}" type="datetime1">
+            <a:fld id="{E6DD9CFA-7FDE-4C28-9438-98659B0FC9DB}" type="datetime1">
               <a:rPr lang="de-CH" smtClean="0"/>
-              <a:t>27.06.2016</a:t>
+              <a:t>28.06.2016</a:t>
             </a:fld>
             <a:endParaRPr lang="de-CH" dirty="0"/>
           </a:p>
@@ -25098,7 +26028,30 @@
       </p:sp>
       <p:sp>
         <p:nvSpPr>
-          <p:cNvPr id="5" name="Slide Number Placeholder 4"/>
+          <p:cNvPr id="5" name="Footer Placeholder 4"/>
+          <p:cNvSpPr>
+            <a:spLocks noGrp="1"/>
+          </p:cNvSpPr>
+          <p:nvPr>
+            <p:ph type="ftr" sz="quarter" idx="11"/>
+          </p:nvPr>
+        </p:nvSpPr>
+        <p:spPr/>
+        <p:txBody>
+          <a:bodyPr/>
+          <a:lstStyle/>
+          <a:p>
+            <a:r>
+              <a:rPr lang="de-CH" smtClean="0"/>
+              <a:t>Design von artifiziellen Tieren mit evolutionären Algorithmen - F. Hediger, F. Tanner</a:t>
+            </a:r>
+            <a:endParaRPr lang="de-CH" dirty="0"/>
+          </a:p>
+        </p:txBody>
+      </p:sp>
+      <p:sp>
+        <p:nvSpPr>
+          <p:cNvPr id="6" name="Slide Number Placeholder 5"/>
           <p:cNvSpPr>
             <a:spLocks noGrp="1"/>
           </p:cNvSpPr>
@@ -25119,52 +26072,10 @@
           </a:p>
         </p:txBody>
       </p:sp>
-      <p:sp>
-        <p:nvSpPr>
-          <p:cNvPr id="6" name="Footer Placeholder 5"/>
-          <p:cNvSpPr>
-            <a:spLocks noGrp="1"/>
-          </p:cNvSpPr>
-          <p:nvPr>
-            <p:ph type="ftr" sz="quarter" idx="11"/>
-          </p:nvPr>
-        </p:nvSpPr>
-        <p:spPr/>
-        <p:txBody>
-          <a:bodyPr/>
-          <a:lstStyle/>
-          <a:p>
-            <a:r>
-              <a:rPr lang="de-CH" smtClean="0"/>
-              <a:t>Design von artifiziellen Tieren mit evolutionären Algorithmen - F. Hediger, F. Tanner</a:t>
-            </a:r>
-            <a:endParaRPr lang="de-CH" dirty="0"/>
-          </a:p>
-        </p:txBody>
-      </p:sp>
-      <p:sp>
-        <p:nvSpPr>
-          <p:cNvPr id="10" name="Content Placeholder 9"/>
-          <p:cNvSpPr>
-            <a:spLocks noGrp="1"/>
-          </p:cNvSpPr>
-          <p:nvPr>
-            <p:ph idx="1"/>
-          </p:nvPr>
-        </p:nvSpPr>
-        <p:spPr/>
-        <p:txBody>
-          <a:bodyPr/>
-          <a:lstStyle/>
-          <a:p>
-            <a:endParaRPr lang="de-CH"/>
-          </a:p>
-        </p:txBody>
-      </p:sp>
     </p:spTree>
     <p:extLst>
       <p:ext uri="{BB962C8B-B14F-4D97-AF65-F5344CB8AC3E}">
-        <p14:creationId xmlns:p14="http://schemas.microsoft.com/office/powerpoint/2010/main" val="1551061059"/>
+        <p14:creationId xmlns:p14="http://schemas.microsoft.com/office/powerpoint/2010/main" val="2297434627"/>
       </p:ext>
     </p:extLst>
   </p:cSld>
@@ -25214,10 +26125,9 @@
           <a:lstStyle/>
           <a:p>
             <a:r>
-              <a:rPr lang="de-CH" dirty="0" smtClean="0"/>
-              <a:t>Resultate</a:t>
-            </a:r>
-            <a:endParaRPr lang="de-CH" dirty="0"/>
+              <a:rPr lang="de-CH" dirty="0"/>
+              <a:t>Diskussion</a:t>
+            </a:r>
           </a:p>
         </p:txBody>
       </p:sp>
@@ -25237,20 +26147,79 @@
           <a:lstStyle/>
           <a:p>
             <a:r>
+              <a:rPr lang="de-CH" dirty="0"/>
+              <a:t>Wie kann diese Steuerung evolviert werden?</a:t>
+            </a:r>
+          </a:p>
+          <a:p>
+            <a:r>
+              <a:rPr lang="de-CH" dirty="0"/>
+              <a:t>Nimmt die Diversität mit zunehmenden </a:t>
+            </a:r>
+            <a:r>
               <a:rPr lang="de-CH" dirty="0" smtClean="0"/>
-              <a:t>4. </a:t>
+              <a:t>Generationen stetig </a:t>
             </a:r>
             <a:r>
               <a:rPr lang="de-CH" dirty="0"/>
-              <a:t>Simulationslauf</a:t>
-            </a:r>
-            <a:endParaRPr lang="de-CH" dirty="0" smtClean="0"/>
-          </a:p>
-          <a:p>
+              <a:t>ab</a:t>
+            </a:r>
             <a:r>
               <a:rPr lang="de-CH" dirty="0" smtClean="0"/>
-              <a:t>5. Simulationslauf</a:t>
-            </a:r>
+              <a:t>?</a:t>
+            </a:r>
+          </a:p>
+          <a:p>
+            <a:r>
+              <a:rPr lang="de-CH" dirty="0"/>
+              <a:t>Wie sieht der Bewegungsablauf und die Geometrie </a:t>
+            </a:r>
+            <a:r>
+              <a:rPr lang="de-CH" dirty="0" smtClean="0"/>
+              <a:t>eines evolvierten </a:t>
+            </a:r>
+            <a:r>
+              <a:rPr lang="de-CH" dirty="0"/>
+              <a:t>Tieres aus</a:t>
+            </a:r>
+            <a:r>
+              <a:rPr lang="de-CH" dirty="0" smtClean="0"/>
+              <a:t>?</a:t>
+            </a:r>
+          </a:p>
+          <a:p>
+            <a:r>
+              <a:rPr lang="de-CH" dirty="0" smtClean="0"/>
+              <a:t>Individuum</a:t>
+            </a:r>
+            <a:r>
+              <a:rPr lang="de-CH" dirty="0"/>
+              <a:t>: Allgemeine Lösung vs. evolvieren </a:t>
+            </a:r>
+            <a:r>
+              <a:rPr lang="de-CH" dirty="0" smtClean="0"/>
+              <a:t>auf Evolvierbarkeit</a:t>
+            </a:r>
+          </a:p>
+          <a:p>
+            <a:r>
+              <a:rPr lang="de-CH" dirty="0" smtClean="0"/>
+              <a:t>Hypothesen</a:t>
+            </a:r>
+            <a:r>
+              <a:rPr lang="de-CH" dirty="0"/>
+              <a:t/>
+            </a:r>
+            <a:br>
+              <a:rPr lang="de-CH" dirty="0"/>
+            </a:br>
+            <a:r>
+              <a:rPr lang="de-CH" dirty="0"/>
+              <a:t/>
+            </a:r>
+            <a:br>
+              <a:rPr lang="de-CH" dirty="0"/>
+            </a:br>
             <a:endParaRPr lang="de-CH" dirty="0"/>
           </a:p>
         </p:txBody>
@@ -25270,9 +26239,9 @@
           <a:bodyPr/>
           <a:lstStyle/>
           <a:p>
-            <a:fld id="{E6DD9CFA-7FDE-4C28-9438-98659B0FC9DB}" type="datetime1">
+            <a:fld id="{437B4A75-57D7-4956-8431-9F02D11ADE71}" type="datetime1">
               <a:rPr lang="de-CH" smtClean="0"/>
-              <a:t>27.06.2016</a:t>
+              <a:t>28.06.2016</a:t>
             </a:fld>
             <a:endParaRPr lang="de-CH" dirty="0"/>
           </a:p>
@@ -25280,7 +26249,30 @@
       </p:sp>
       <p:sp>
         <p:nvSpPr>
-          <p:cNvPr id="5" name="Footer Placeholder 4"/>
+          <p:cNvPr id="5" name="Slide Number Placeholder 4"/>
+          <p:cNvSpPr>
+            <a:spLocks noGrp="1"/>
+          </p:cNvSpPr>
+          <p:nvPr>
+            <p:ph type="sldNum" sz="quarter" idx="12"/>
+          </p:nvPr>
+        </p:nvSpPr>
+        <p:spPr/>
+        <p:txBody>
+          <a:bodyPr/>
+          <a:lstStyle/>
+          <a:p>
+            <a:fld id="{9DD3427A-877F-49F0-A244-E76867DD5238}" type="slidenum">
+              <a:rPr lang="de-CH" smtClean="0"/>
+              <a:t>16</a:t>
+            </a:fld>
+            <a:endParaRPr lang="de-CH"/>
+          </a:p>
+        </p:txBody>
+      </p:sp>
+      <p:sp>
+        <p:nvSpPr>
+          <p:cNvPr id="6" name="Footer Placeholder 5"/>
           <p:cNvSpPr>
             <a:spLocks noGrp="1"/>
           </p:cNvSpPr>
@@ -25301,33 +26293,10 @@
           </a:p>
         </p:txBody>
       </p:sp>
-      <p:sp>
-        <p:nvSpPr>
-          <p:cNvPr id="6" name="Slide Number Placeholder 5"/>
-          <p:cNvSpPr>
-            <a:spLocks noGrp="1"/>
-          </p:cNvSpPr>
-          <p:nvPr>
-            <p:ph type="sldNum" sz="quarter" idx="12"/>
-          </p:nvPr>
-        </p:nvSpPr>
-        <p:spPr/>
-        <p:txBody>
-          <a:bodyPr/>
-          <a:lstStyle/>
-          <a:p>
-            <a:fld id="{9DD3427A-877F-49F0-A244-E76867DD5238}" type="slidenum">
-              <a:rPr lang="de-CH" smtClean="0"/>
-              <a:t>16</a:t>
-            </a:fld>
-            <a:endParaRPr lang="de-CH"/>
-          </a:p>
-        </p:txBody>
-      </p:sp>
     </p:spTree>
     <p:extLst>
       <p:ext uri="{BB962C8B-B14F-4D97-AF65-F5344CB8AC3E}">
-        <p14:creationId xmlns:p14="http://schemas.microsoft.com/office/powerpoint/2010/main" val="2297434627"/>
+        <p14:creationId xmlns:p14="http://schemas.microsoft.com/office/powerpoint/2010/main" val="2602631140"/>
       </p:ext>
     </p:extLst>
   </p:cSld>
@@ -25378,7 +26347,7 @@
           <a:p>
             <a:r>
               <a:rPr lang="de-CH" dirty="0"/>
-              <a:t>Diskussion</a:t>
+              <a:t>Ausblick</a:t>
             </a:r>
           </a:p>
         </p:txBody>
@@ -25399,62 +26368,26 @@
           <a:lstStyle/>
           <a:p>
             <a:r>
+              <a:rPr lang="de-CH" dirty="0" smtClean="0"/>
+              <a:t>Feedback Bewegungsablauf</a:t>
+            </a:r>
+          </a:p>
+          <a:p>
+            <a:r>
+              <a:rPr lang="de-CH" dirty="0" smtClean="0"/>
+              <a:t>N-beinige Tiere</a:t>
+            </a:r>
+          </a:p>
+          <a:p>
+            <a:r>
               <a:rPr lang="de-CH" dirty="0"/>
-              <a:t>Wie kann diese Steuerung evolviert werden</a:t>
-            </a:r>
-            <a:r>
-              <a:rPr lang="de-CH" dirty="0"/>
-              <a:t>?</a:t>
-            </a:r>
-          </a:p>
-          <a:p>
-            <a:r>
-              <a:rPr lang="de-CH" dirty="0"/>
-              <a:t>Nimmt die Diversität mit zunehmenden </a:t>
-            </a:r>
+              <a:t>Austauschen der Physik-Engine</a:t>
+            </a:r>
+          </a:p>
+          <a:p>
             <a:r>
               <a:rPr lang="de-CH" dirty="0" smtClean="0"/>
-              <a:t>Generationen stetig </a:t>
-            </a:r>
-            <a:r>
-              <a:rPr lang="de-CH" dirty="0"/>
-              <a:t>ab</a:t>
-            </a:r>
-            <a:r>
-              <a:rPr lang="de-CH" dirty="0" smtClean="0"/>
-              <a:t>?</a:t>
-            </a:r>
-          </a:p>
-          <a:p>
-            <a:r>
-              <a:rPr lang="de-CH" dirty="0"/>
-              <a:t>Wie sieht der Bewegungsablauf und die Geometrie </a:t>
-            </a:r>
-            <a:r>
-              <a:rPr lang="de-CH" dirty="0" smtClean="0"/>
-              <a:t>eines evolvierten </a:t>
-            </a:r>
-            <a:r>
-              <a:rPr lang="de-CH" dirty="0"/>
-              <a:t>Tieres aus</a:t>
-            </a:r>
-            <a:r>
-              <a:rPr lang="de-CH" dirty="0" smtClean="0"/>
-              <a:t>?</a:t>
-            </a:r>
-          </a:p>
-          <a:p>
-            <a:r>
-              <a:rPr lang="de-CH" dirty="0" smtClean="0"/>
-              <a:t>Individuum</a:t>
-            </a:r>
-            <a:r>
-              <a:rPr lang="de-CH" dirty="0"/>
-              <a:t>: Allgemeine Lösung vs. evolvieren </a:t>
-            </a:r>
-            <a:r>
-              <a:rPr lang="de-CH" dirty="0" smtClean="0"/>
-              <a:t>auf Evolvierbarkeit</a:t>
+              <a:t>Parcours</a:t>
             </a:r>
           </a:p>
           <a:p>
@@ -25462,20 +26395,6 @@
               <a:rPr lang="de-CH" dirty="0" smtClean="0"/>
               <a:t>Hypothesen</a:t>
             </a:r>
-            <a:r>
-              <a:rPr lang="de-CH" dirty="0"/>
-              <a:t/>
-            </a:r>
-            <a:br>
-              <a:rPr lang="de-CH" dirty="0"/>
-            </a:br>
-            <a:r>
-              <a:rPr lang="de-CH" dirty="0"/>
-              <a:t/>
-            </a:r>
-            <a:br>
-              <a:rPr lang="de-CH" dirty="0"/>
-            </a:br>
             <a:endParaRPr lang="de-CH" dirty="0"/>
           </a:p>
         </p:txBody>
@@ -25495,9 +26414,9 @@
           <a:bodyPr/>
           <a:lstStyle/>
           <a:p>
-            <a:fld id="{437B4A75-57D7-4956-8431-9F02D11ADE71}" type="datetime1">
+            <a:fld id="{B9D46166-EF90-4545-B98A-317842B338A4}" type="datetime1">
               <a:rPr lang="de-CH" smtClean="0"/>
-              <a:t>27.06.2016</a:t>
+              <a:t>28.06.2016</a:t>
             </a:fld>
             <a:endParaRPr lang="de-CH" dirty="0"/>
           </a:p>
@@ -25552,7 +26471,7 @@
     </p:spTree>
     <p:extLst>
       <p:ext uri="{BB962C8B-B14F-4D97-AF65-F5344CB8AC3E}">
-        <p14:creationId xmlns:p14="http://schemas.microsoft.com/office/powerpoint/2010/main" val="2602631140"/>
+        <p14:creationId xmlns:p14="http://schemas.microsoft.com/office/powerpoint/2010/main" val="1459733080"/>
       </p:ext>
     </p:extLst>
   </p:cSld>
@@ -25602,9 +26521,10 @@
           <a:lstStyle/>
           <a:p>
             <a:r>
-              <a:rPr lang="de-CH" dirty="0"/>
-              <a:t>Ausblick</a:t>
-            </a:r>
+              <a:rPr lang="de-CH" dirty="0" smtClean="0"/>
+              <a:t>Quellen</a:t>
+            </a:r>
+            <a:endParaRPr lang="de-CH" dirty="0"/>
           </a:p>
         </p:txBody>
       </p:sp>
@@ -25625,33 +26545,92 @@
           <a:p>
             <a:r>
               <a:rPr lang="de-CH" dirty="0" smtClean="0"/>
-              <a:t>Feedback Bewegungsablauf</a:t>
-            </a:r>
-          </a:p>
-          <a:p>
-            <a:r>
-              <a:rPr lang="de-CH" dirty="0" smtClean="0"/>
-              <a:t>N-beinige Tiere</a:t>
-            </a:r>
-            <a:endParaRPr lang="de-CH" dirty="0" smtClean="0"/>
-          </a:p>
-          <a:p>
+              <a:t>[1]: </a:t>
+            </a:r>
             <a:r>
               <a:rPr lang="de-CH" dirty="0"/>
-              <a:t>Austauschen der Physik-Engine</a:t>
-            </a:r>
-          </a:p>
-          <a:p>
-            <a:r>
-              <a:rPr lang="de-CH" dirty="0" smtClean="0"/>
-              <a:t>Parcours</a:t>
-            </a:r>
-          </a:p>
-          <a:p>
-            <a:r>
-              <a:rPr lang="de-CH" dirty="0" smtClean="0"/>
-              <a:t>Hypothesen</a:t>
-            </a:r>
+              <a:t>R. </a:t>
+            </a:r>
+            <a:r>
+              <a:rPr lang="de-CH" dirty="0" err="1"/>
+              <a:t>Dawnkins</a:t>
+            </a:r>
+            <a:r>
+              <a:rPr lang="de-CH" dirty="0"/>
+              <a:t>, „Universal </a:t>
+            </a:r>
+            <a:r>
+              <a:rPr lang="de-CH" dirty="0" err="1"/>
+              <a:t>Darwinism</a:t>
+            </a:r>
+            <a:r>
+              <a:rPr lang="de-CH" dirty="0"/>
+              <a:t>,” in </a:t>
+            </a:r>
+            <a:r>
+              <a:rPr lang="de-CH" i="1" dirty="0"/>
+              <a:t>Evolution </a:t>
+            </a:r>
+            <a:r>
+              <a:rPr lang="de-CH" i="1" dirty="0" err="1"/>
+              <a:t>from</a:t>
+            </a:r>
+            <a:r>
+              <a:rPr lang="de-CH" i="1" dirty="0"/>
+              <a:t> </a:t>
+            </a:r>
+            <a:r>
+              <a:rPr lang="de-CH" i="1" dirty="0" err="1"/>
+              <a:t>molecules</a:t>
+            </a:r>
+            <a:r>
+              <a:rPr lang="de-CH" i="1" dirty="0"/>
+              <a:t> </a:t>
+            </a:r>
+            <a:r>
+              <a:rPr lang="de-CH" i="1" dirty="0" err="1"/>
+              <a:t>to</a:t>
+            </a:r>
+            <a:r>
+              <a:rPr lang="de-CH" i="1" dirty="0"/>
+              <a:t> man</a:t>
+            </a:r>
+            <a:r>
+              <a:rPr lang="de-CH" dirty="0"/>
+              <a:t>,</a:t>
+            </a:r>
+            <a:br>
+              <a:rPr lang="de-CH" dirty="0"/>
+            </a:br>
+            <a:r>
+              <a:rPr lang="de-CH" dirty="0"/>
+              <a:t>D. S. </a:t>
+            </a:r>
+            <a:r>
+              <a:rPr lang="de-CH" dirty="0" err="1"/>
+              <a:t>Bendall</a:t>
+            </a:r>
+            <a:r>
+              <a:rPr lang="de-CH" dirty="0"/>
+              <a:t>, Hrsg. Cambridge: Cambridge University Press, 1983, Kap. 20,</a:t>
+            </a:r>
+            <a:br>
+              <a:rPr lang="de-CH" dirty="0"/>
+            </a:br>
+            <a:r>
+              <a:rPr lang="de-CH" dirty="0"/>
+              <a:t>S. 403–425.</a:t>
+            </a:r>
+            <a:br>
+              <a:rPr lang="de-CH" dirty="0"/>
+            </a:br>
+            <a:r>
+              <a:rPr lang="de-CH" dirty="0"/>
+              <a:t/>
+            </a:r>
+            <a:br>
+              <a:rPr lang="de-CH" dirty="0"/>
+            </a:br>
             <a:endParaRPr lang="de-CH" dirty="0"/>
           </a:p>
         </p:txBody>
@@ -25671,9 +26650,9 @@
           <a:bodyPr/>
           <a:lstStyle/>
           <a:p>
-            <a:fld id="{B9D46166-EF90-4545-B98A-317842B338A4}" type="datetime1">
+            <a:fld id="{E6DD9CFA-7FDE-4C28-9438-98659B0FC9DB}" type="datetime1">
               <a:rPr lang="de-CH" smtClean="0"/>
-              <a:t>27.06.2016</a:t>
+              <a:t>28.06.2016</a:t>
             </a:fld>
             <a:endParaRPr lang="de-CH" dirty="0"/>
           </a:p>
@@ -25681,7 +26660,30 @@
       </p:sp>
       <p:sp>
         <p:nvSpPr>
-          <p:cNvPr id="5" name="Slide Number Placeholder 4"/>
+          <p:cNvPr id="5" name="Footer Placeholder 4"/>
+          <p:cNvSpPr>
+            <a:spLocks noGrp="1"/>
+          </p:cNvSpPr>
+          <p:nvPr>
+            <p:ph type="ftr" sz="quarter" idx="11"/>
+          </p:nvPr>
+        </p:nvSpPr>
+        <p:spPr/>
+        <p:txBody>
+          <a:bodyPr/>
+          <a:lstStyle/>
+          <a:p>
+            <a:r>
+              <a:rPr lang="de-CH" smtClean="0"/>
+              <a:t>Design von artifiziellen Tieren mit evolutionären Algorithmen - F. Hediger, F. Tanner</a:t>
+            </a:r>
+            <a:endParaRPr lang="de-CH" dirty="0"/>
+          </a:p>
+        </p:txBody>
+      </p:sp>
+      <p:sp>
+        <p:nvSpPr>
+          <p:cNvPr id="6" name="Slide Number Placeholder 5"/>
           <p:cNvSpPr>
             <a:spLocks noGrp="1"/>
           </p:cNvSpPr>
@@ -25702,46 +26704,16 @@
           </a:p>
         </p:txBody>
       </p:sp>
-      <p:sp>
-        <p:nvSpPr>
-          <p:cNvPr id="6" name="Footer Placeholder 5"/>
-          <p:cNvSpPr>
-            <a:spLocks noGrp="1"/>
-          </p:cNvSpPr>
-          <p:nvPr>
-            <p:ph type="ftr" sz="quarter" idx="11"/>
-          </p:nvPr>
-        </p:nvSpPr>
-        <p:spPr/>
-        <p:txBody>
-          <a:bodyPr/>
-          <a:lstStyle/>
-          <a:p>
-            <a:r>
-              <a:rPr lang="de-CH" smtClean="0"/>
-              <a:t>Design von artifiziellen Tieren mit evolutionären Algorithmen - F. Hediger, F. Tanner</a:t>
-            </a:r>
-            <a:endParaRPr lang="de-CH" dirty="0"/>
-          </a:p>
-        </p:txBody>
-      </p:sp>
     </p:spTree>
     <p:extLst>
       <p:ext uri="{BB962C8B-B14F-4D97-AF65-F5344CB8AC3E}">
-        <p14:creationId xmlns:p14="http://schemas.microsoft.com/office/powerpoint/2010/main" val="1459733080"/>
+        <p14:creationId xmlns:p14="http://schemas.microsoft.com/office/powerpoint/2010/main" val="1684736050"/>
       </p:ext>
     </p:extLst>
   </p:cSld>
   <p:clrMapOvr>
     <a:masterClrMapping/>
   </p:clrMapOvr>
-  <p:timing>
-    <p:tnLst>
-      <p:par>
-        <p:cTn id="1" dur="indefinite" restart="never" nodeType="tmRoot"/>
-      </p:par>
-    </p:tnLst>
-  </p:timing>
 </p:sld>
 </file>
 
@@ -25779,7 +26751,7 @@
           <a:p>
             <a:r>
               <a:rPr lang="de-CH" dirty="0" smtClean="0"/>
-              <a:t>Ziele</a:t>
+              <a:t>Index</a:t>
             </a:r>
             <a:endParaRPr lang="de-CH" dirty="0"/>
           </a:p>
@@ -25800,7 +26772,58 @@
           <a:bodyPr/>
           <a:lstStyle/>
           <a:p>
-            <a:endParaRPr lang="de-CH"/>
+            <a:r>
+              <a:rPr lang="de-CH" dirty="0" smtClean="0"/>
+              <a:t>Ziele</a:t>
+            </a:r>
+          </a:p>
+          <a:p>
+            <a:r>
+              <a:rPr lang="de-CH" dirty="0" smtClean="0"/>
+              <a:t>Einleitung</a:t>
+            </a:r>
+          </a:p>
+          <a:p>
+            <a:r>
+              <a:rPr lang="de-CH" dirty="0" smtClean="0"/>
+              <a:t>Grundlagen</a:t>
+            </a:r>
+          </a:p>
+          <a:p>
+            <a:r>
+              <a:rPr lang="de-CH" dirty="0" smtClean="0"/>
+              <a:t>Methoden</a:t>
+            </a:r>
+          </a:p>
+          <a:p>
+            <a:r>
+              <a:rPr lang="de-CH" dirty="0" smtClean="0"/>
+              <a:t>Resultate</a:t>
+            </a:r>
+          </a:p>
+          <a:p>
+            <a:r>
+              <a:rPr lang="de-CH" dirty="0" smtClean="0"/>
+              <a:t>Diskussion</a:t>
+            </a:r>
+          </a:p>
+          <a:p>
+            <a:r>
+              <a:rPr lang="de-CH" dirty="0" smtClean="0"/>
+              <a:t>Ausblick</a:t>
+            </a:r>
+          </a:p>
+          <a:p>
+            <a:endParaRPr lang="de-CH" dirty="0" smtClean="0"/>
+          </a:p>
+          <a:p>
+            <a:endParaRPr lang="de-CH" dirty="0" smtClean="0"/>
+          </a:p>
+          <a:p>
+            <a:endParaRPr lang="de-CH" dirty="0" smtClean="0"/>
+          </a:p>
+          <a:p>
+            <a:endParaRPr lang="de-CH" dirty="0"/>
           </a:p>
         </p:txBody>
       </p:sp>
@@ -25821,7 +26844,7 @@
           <a:p>
             <a:fld id="{E6DD9CFA-7FDE-4C28-9438-98659B0FC9DB}" type="datetime1">
               <a:rPr lang="de-CH" smtClean="0"/>
-              <a:t>27.06.2016</a:t>
+              <a:t>28.06.2016</a:t>
             </a:fld>
             <a:endParaRPr lang="de-CH" dirty="0"/>
           </a:p>
@@ -25876,7 +26899,7 @@
     </p:spTree>
     <p:extLst>
       <p:ext uri="{BB962C8B-B14F-4D97-AF65-F5344CB8AC3E}">
-        <p14:creationId xmlns:p14="http://schemas.microsoft.com/office/powerpoint/2010/main" val="3117501009"/>
+        <p14:creationId xmlns:p14="http://schemas.microsoft.com/office/powerpoint/2010/main" val="3264363788"/>
       </p:ext>
     </p:extLst>
   </p:cSld>
@@ -25927,7 +26950,7 @@
           <a:p>
             <a:r>
               <a:rPr lang="de-CH" dirty="0" smtClean="0"/>
-              <a:t>Forschungsfragen</a:t>
+              <a:t>Ziele</a:t>
             </a:r>
             <a:endParaRPr lang="de-CH" dirty="0"/>
           </a:p>
@@ -25948,7 +26971,38 @@
           <a:bodyPr/>
           <a:lstStyle/>
           <a:p>
-            <a:endParaRPr lang="de-CH"/>
+            <a:r>
+              <a:rPr lang="de-CH" dirty="0" smtClean="0"/>
+              <a:t>Sie verstehen den eingesetzten Algorithmus</a:t>
+            </a:r>
+          </a:p>
+          <a:p>
+            <a:endParaRPr lang="de-CH" dirty="0"/>
+          </a:p>
+          <a:p>
+            <a:r>
+              <a:rPr lang="de-CH" dirty="0" smtClean="0"/>
+              <a:t>Sie lernen einige Resultate der Arbeit kennen</a:t>
+            </a:r>
+          </a:p>
+          <a:p>
+            <a:endParaRPr lang="de-CH" dirty="0" smtClean="0"/>
+          </a:p>
+          <a:p>
+            <a:r>
+              <a:rPr lang="de-CH" dirty="0" smtClean="0"/>
+              <a:t>Sie kennen die Chancen, welche sich durch diese Arbeit eröffnen</a:t>
+            </a:r>
+          </a:p>
+          <a:p>
+            <a:endParaRPr lang="de-CH" dirty="0" smtClean="0"/>
+          </a:p>
+          <a:p>
+            <a:r>
+              <a:rPr lang="de-CH" dirty="0" smtClean="0"/>
+              <a:t>Sie erhalten Antworten zu den Forschungsfragen</a:t>
+            </a:r>
+            <a:endParaRPr lang="de-CH" dirty="0"/>
           </a:p>
         </p:txBody>
       </p:sp>
@@ -25969,7 +27023,7 @@
           <a:p>
             <a:fld id="{E6DD9CFA-7FDE-4C28-9438-98659B0FC9DB}" type="datetime1">
               <a:rPr lang="de-CH" smtClean="0"/>
-              <a:t>27.06.2016</a:t>
+              <a:t>28.06.2016</a:t>
             </a:fld>
             <a:endParaRPr lang="de-CH" dirty="0"/>
           </a:p>
@@ -26024,7 +27078,7 @@
     </p:spTree>
     <p:extLst>
       <p:ext uri="{BB962C8B-B14F-4D97-AF65-F5344CB8AC3E}">
-        <p14:creationId xmlns:p14="http://schemas.microsoft.com/office/powerpoint/2010/main" val="3127435937"/>
+        <p14:creationId xmlns:p14="http://schemas.microsoft.com/office/powerpoint/2010/main" val="3117501009"/>
       </p:ext>
     </p:extLst>
   </p:cSld>
@@ -26075,55 +27129,7 @@
           <a:p>
             <a:r>
               <a:rPr lang="de-CH" dirty="0" err="1" smtClean="0"/>
-              <a:t>Darwinisitsche</a:t>
-            </a:r>
-            <a:r>
-              <a:rPr lang="de-CH" dirty="0" smtClean="0"/>
-              <a:t> </a:t>
-            </a:r>
-            <a:r>
-              <a:rPr lang="de-CH" dirty="0" err="1" smtClean="0"/>
-              <a:t>something</a:t>
-            </a:r>
-            <a:r>
-              <a:rPr lang="de-CH" dirty="0" smtClean="0"/>
-              <a:t> 4 </a:t>
-            </a:r>
-            <a:r>
-              <a:rPr lang="de-CH" dirty="0" err="1" smtClean="0"/>
-              <a:t>begrifflichkeiten</a:t>
-            </a:r>
-            <a:r>
-              <a:rPr lang="de-CH" dirty="0" smtClean="0"/>
-              <a:t> </a:t>
-            </a:r>
-            <a:r>
-              <a:rPr lang="de-CH" dirty="0" err="1" smtClean="0"/>
-              <a:t>flo</a:t>
-            </a:r>
-            <a:r>
-              <a:rPr lang="de-CH" dirty="0" smtClean="0"/>
-              <a:t> </a:t>
-            </a:r>
-            <a:r>
-              <a:rPr lang="de-CH" dirty="0" err="1" smtClean="0"/>
-              <a:t>knows</a:t>
-            </a:r>
-            <a:r>
-              <a:rPr lang="de-CH" dirty="0" smtClean="0"/>
-              <a:t> </a:t>
-            </a:r>
-            <a:r>
-              <a:rPr lang="de-CH" dirty="0" err="1" smtClean="0"/>
-              <a:t>about</a:t>
-            </a:r>
-            <a:r>
-              <a:rPr lang="de-CH" dirty="0" smtClean="0"/>
-              <a:t> </a:t>
-            </a:r>
-            <a:r>
-              <a:rPr lang="de-CH" dirty="0" err="1" smtClean="0"/>
-              <a:t>it</a:t>
+              <a:t>EInleitung</a:t>
             </a:r>
             <a:endParaRPr lang="de-CH" dirty="0"/>
           </a:p>
@@ -26141,10 +27147,128 @@
         </p:nvSpPr>
         <p:spPr/>
         <p:txBody>
-          <a:bodyPr/>
+          <a:bodyPr>
+            <a:normAutofit/>
+          </a:bodyPr>
           <a:lstStyle/>
           <a:p>
-            <a:endParaRPr lang="de-CH"/>
+            <a:r>
+              <a:rPr lang="de-CH" dirty="0" smtClean="0"/>
+              <a:t>Evolutionäre Algorithmen</a:t>
+            </a:r>
+          </a:p>
+          <a:p>
+            <a:pPr lvl="1"/>
+            <a:r>
+              <a:rPr lang="de-CH" dirty="0" smtClean="0"/>
+              <a:t>Orientieren sich an der natürlichen Evolution</a:t>
+            </a:r>
+          </a:p>
+          <a:p>
+            <a:pPr lvl="1"/>
+            <a:r>
+              <a:rPr lang="de-CH" dirty="0" smtClean="0"/>
+              <a:t>«</a:t>
+            </a:r>
+            <a:r>
+              <a:rPr lang="de-CH" dirty="0" err="1" smtClean="0"/>
+              <a:t>trial</a:t>
+            </a:r>
+            <a:r>
+              <a:rPr lang="de-CH" dirty="0" smtClean="0"/>
+              <a:t> </a:t>
+            </a:r>
+            <a:r>
+              <a:rPr lang="de-CH" dirty="0" err="1" smtClean="0"/>
+              <a:t>and</a:t>
+            </a:r>
+            <a:r>
+              <a:rPr lang="de-CH" dirty="0" smtClean="0"/>
+              <a:t> </a:t>
+            </a:r>
+            <a:r>
+              <a:rPr lang="de-CH" dirty="0" err="1" smtClean="0"/>
+              <a:t>error</a:t>
+            </a:r>
+            <a:r>
+              <a:rPr lang="de-CH" dirty="0" smtClean="0"/>
+              <a:t>»</a:t>
+            </a:r>
+          </a:p>
+          <a:p>
+            <a:pPr lvl="1"/>
+            <a:r>
+              <a:rPr lang="de-CH" dirty="0" smtClean="0"/>
+              <a:t>Annäherung an optimale Lösung</a:t>
+            </a:r>
+          </a:p>
+          <a:p>
+            <a:r>
+              <a:rPr lang="de-CH" dirty="0"/>
+              <a:t>U</a:t>
+            </a:r>
+            <a:r>
+              <a:rPr lang="de-CH" dirty="0" smtClean="0"/>
+              <a:t>niverseller Darwinismus [1]</a:t>
+            </a:r>
+          </a:p>
+          <a:p>
+            <a:pPr lvl="1"/>
+            <a:r>
+              <a:rPr lang="de-CH" dirty="0" smtClean="0"/>
+              <a:t>Reproduktion</a:t>
+            </a:r>
+          </a:p>
+          <a:p>
+            <a:pPr lvl="1"/>
+            <a:r>
+              <a:rPr lang="de-CH" dirty="0" smtClean="0"/>
+              <a:t>Vererbung</a:t>
+            </a:r>
+          </a:p>
+          <a:p>
+            <a:pPr lvl="1"/>
+            <a:r>
+              <a:rPr lang="de-CH" dirty="0" smtClean="0"/>
+              <a:t>Variation</a:t>
+            </a:r>
+          </a:p>
+          <a:p>
+            <a:pPr lvl="1"/>
+            <a:r>
+              <a:rPr lang="de-CH" dirty="0" smtClean="0"/>
+              <a:t>Selektion</a:t>
+            </a:r>
+            <a:r>
+              <a:rPr lang="de-CH" dirty="0"/>
+              <a:t/>
+            </a:r>
+            <a:br>
+              <a:rPr lang="de-CH" dirty="0"/>
+            </a:br>
+            <a:r>
+              <a:rPr lang="de-CH" dirty="0"/>
+              <a:t/>
+            </a:r>
+            <a:br>
+              <a:rPr lang="de-CH" dirty="0"/>
+            </a:br>
+            <a:endParaRPr lang="de-CH" dirty="0"/>
+          </a:p>
+          <a:p>
+            <a:endParaRPr lang="de-CH" dirty="0" smtClean="0"/>
+          </a:p>
+          <a:p>
+            <a:endParaRPr lang="de-CH" dirty="0"/>
+          </a:p>
+          <a:p>
+            <a:endParaRPr lang="de-CH" dirty="0" smtClean="0"/>
+          </a:p>
+          <a:p>
+            <a:endParaRPr lang="de-CH" dirty="0" smtClean="0"/>
+          </a:p>
+          <a:p>
+            <a:endParaRPr lang="de-CH" dirty="0"/>
           </a:p>
         </p:txBody>
       </p:sp>
@@ -26165,7 +27289,7 @@
           <a:p>
             <a:fld id="{E6DD9CFA-7FDE-4C28-9438-98659B0FC9DB}" type="datetime1">
               <a:rPr lang="de-CH" smtClean="0"/>
-              <a:t>27.06.2016</a:t>
+              <a:t>28.06.2016</a:t>
             </a:fld>
             <a:endParaRPr lang="de-CH" dirty="0"/>
           </a:p>
@@ -26220,7 +27344,7 @@
     </p:spTree>
     <p:extLst>
       <p:ext uri="{BB962C8B-B14F-4D97-AF65-F5344CB8AC3E}">
-        <p14:creationId xmlns:p14="http://schemas.microsoft.com/office/powerpoint/2010/main" val="1238824963"/>
+        <p14:creationId xmlns:p14="http://schemas.microsoft.com/office/powerpoint/2010/main" val="3127435937"/>
       </p:ext>
     </p:extLst>
   </p:cSld>
@@ -26270,9 +27394,10 @@
           <a:lstStyle/>
           <a:p>
             <a:r>
-              <a:rPr lang="de-CH" dirty="0"/>
-              <a:t>Grundlagen</a:t>
-            </a:r>
+              <a:rPr lang="de-CH" dirty="0" smtClean="0"/>
+              <a:t>Zielsetzung</a:t>
+            </a:r>
+            <a:endParaRPr lang="de-CH" dirty="0"/>
           </a:p>
         </p:txBody>
       </p:sp>
@@ -26288,34 +27413,139 @@
         </p:nvSpPr>
         <p:spPr/>
         <p:txBody>
-          <a:bodyPr/>
+          <a:bodyPr>
+            <a:normAutofit lnSpcReduction="10000"/>
+          </a:bodyPr>
           <a:lstStyle/>
           <a:p>
             <a:r>
-              <a:rPr lang="de-CH" dirty="0" smtClean="0"/>
-              <a:t>Ablauf</a:t>
-            </a:r>
-          </a:p>
-          <a:p>
-            <a:r>
-              <a:rPr lang="de-CH" dirty="0" smtClean="0"/>
-              <a:t>Initiale Population</a:t>
-            </a:r>
-          </a:p>
-          <a:p>
-            <a:r>
-              <a:rPr lang="de-CH" dirty="0" smtClean="0"/>
-              <a:t>Evaluation</a:t>
-            </a:r>
-          </a:p>
-          <a:p>
-            <a:r>
-              <a:rPr lang="de-CH" dirty="0" smtClean="0"/>
-              <a:t>…</a:t>
-            </a:r>
-            <a:endParaRPr lang="de-CH" dirty="0" smtClean="0"/>
-          </a:p>
-          <a:p>
+              <a:rPr lang="de-CH" sz="2400" dirty="0" smtClean="0"/>
+              <a:t>Ziel: Sechsbeinige künstliche Tiere lernen sich durch Parcours fortzubewegen</a:t>
+            </a:r>
+          </a:p>
+          <a:p>
+            <a:r>
+              <a:rPr lang="de-CH" sz="2400" dirty="0" smtClean="0"/>
+              <a:t>Forschungsfragen:</a:t>
+            </a:r>
+          </a:p>
+          <a:p>
+            <a:pPr lvl="1"/>
+            <a:r>
+              <a:rPr lang="de-CH" sz="1900" dirty="0" smtClean="0"/>
+              <a:t>Wie </a:t>
+            </a:r>
+            <a:r>
+              <a:rPr lang="de-CH" sz="1900" dirty="0"/>
+              <a:t>kann eine Steuerung der Bewegung implementiert werden</a:t>
+            </a:r>
+            <a:r>
+              <a:rPr lang="de-CH" sz="1900" dirty="0" smtClean="0"/>
+              <a:t>?</a:t>
+            </a:r>
+          </a:p>
+          <a:p>
+            <a:pPr lvl="1"/>
+            <a:r>
+              <a:rPr lang="de-CH" sz="1900" dirty="0"/>
+              <a:t>Wie kann diese Steuerung evolviert werden</a:t>
+            </a:r>
+            <a:r>
+              <a:rPr lang="de-CH" sz="1900" dirty="0" smtClean="0"/>
+              <a:t>?</a:t>
+            </a:r>
+          </a:p>
+          <a:p>
+            <a:pPr lvl="1"/>
+            <a:r>
+              <a:rPr lang="de-CH" sz="1900" dirty="0"/>
+              <a:t>Wie kann die Geometrie der Tiere evolviert werden?</a:t>
+            </a:r>
+            <a:endParaRPr lang="de-CH" sz="1900" dirty="0" smtClean="0"/>
+          </a:p>
+          <a:p>
+            <a:pPr lvl="1"/>
+            <a:r>
+              <a:rPr lang="de-CH" sz="1900" dirty="0" smtClean="0"/>
+              <a:t>Wie sieht der Bewegungsablauf und die Geometrie eines evolvierten Tieres</a:t>
+            </a:r>
+            <a:br>
+              <a:rPr lang="de-CH" sz="1900" dirty="0" smtClean="0"/>
+            </a:br>
+            <a:r>
+              <a:rPr lang="de-CH" sz="1900" dirty="0" smtClean="0"/>
+              <a:t>aus?</a:t>
+            </a:r>
+          </a:p>
+          <a:p>
+            <a:pPr lvl="1"/>
+            <a:r>
+              <a:rPr lang="de-CH" sz="1900" dirty="0" smtClean="0"/>
+              <a:t>Nimmt </a:t>
+            </a:r>
+            <a:r>
+              <a:rPr lang="de-CH" sz="1900" dirty="0"/>
+              <a:t>die Diversität </a:t>
+            </a:r>
+            <a:r>
+              <a:rPr lang="de-CH" sz="1900" dirty="0" smtClean="0"/>
+              <a:t>mit </a:t>
+            </a:r>
+            <a:r>
+              <a:rPr lang="de-CH" sz="1900" dirty="0"/>
+              <a:t>zunehmenden Generationen stetig ab</a:t>
+            </a:r>
+            <a:r>
+              <a:rPr lang="de-CH" sz="1900" dirty="0" smtClean="0"/>
+              <a:t>?</a:t>
+            </a:r>
+          </a:p>
+          <a:p>
+            <a:pPr lvl="1"/>
+            <a:r>
+              <a:rPr lang="de-CH" sz="1900" dirty="0"/>
+              <a:t>Unterscheidet sich ein Individuum, welches mit dem Ziel der allgemeinen </a:t>
+            </a:r>
+            <a:r>
+              <a:rPr lang="de-CH" sz="1900" dirty="0" smtClean="0"/>
+              <a:t>Lösung </a:t>
+            </a:r>
+            <a:r>
+              <a:rPr lang="de-CH" sz="1900" dirty="0"/>
+              <a:t>gefunden wurde, von einem das mit dem Evolvieren auf </a:t>
+            </a:r>
+            <a:r>
+              <a:rPr lang="de-CH" sz="1900" dirty="0" smtClean="0"/>
+              <a:t>Evolvierbarkeit gefunden wurde?</a:t>
+            </a:r>
+            <a:r>
+              <a:rPr lang="de-CH" dirty="0"/>
+              <a:t/>
+            </a:r>
+            <a:br>
+              <a:rPr lang="de-CH" dirty="0"/>
+            </a:br>
+            <a:r>
+              <a:rPr lang="de-CH" dirty="0"/>
+              <a:t/>
+            </a:r>
+            <a:br>
+              <a:rPr lang="de-CH" dirty="0"/>
+            </a:br>
+            <a:r>
+              <a:rPr lang="de-CH" dirty="0"/>
+              <a:t/>
+            </a:r>
+            <a:br>
+              <a:rPr lang="de-CH" dirty="0"/>
+            </a:br>
+            <a:r>
+              <a:rPr lang="de-CH" dirty="0"/>
+              <a:t/>
+            </a:r>
+            <a:br>
+              <a:rPr lang="de-CH" dirty="0"/>
+            </a:br>
             <a:endParaRPr lang="de-CH" dirty="0"/>
           </a:p>
         </p:txBody>
@@ -26335,9 +27565,9 @@
           <a:bodyPr/>
           <a:lstStyle/>
           <a:p>
-            <a:fld id="{C85944C4-99C3-4AAD-B274-CCA99F6BAB6F}" type="datetime1">
+            <a:fld id="{E6DD9CFA-7FDE-4C28-9438-98659B0FC9DB}" type="datetime1">
               <a:rPr lang="de-CH" smtClean="0"/>
-              <a:t>27.06.2016</a:t>
+              <a:t>28.06.2016</a:t>
             </a:fld>
             <a:endParaRPr lang="de-CH" dirty="0"/>
           </a:p>
@@ -26345,7 +27575,30 @@
       </p:sp>
       <p:sp>
         <p:nvSpPr>
-          <p:cNvPr id="5" name="Slide Number Placeholder 4"/>
+          <p:cNvPr id="5" name="Footer Placeholder 4"/>
+          <p:cNvSpPr>
+            <a:spLocks noGrp="1"/>
+          </p:cNvSpPr>
+          <p:nvPr>
+            <p:ph type="ftr" sz="quarter" idx="11"/>
+          </p:nvPr>
+        </p:nvSpPr>
+        <p:spPr/>
+        <p:txBody>
+          <a:bodyPr/>
+          <a:lstStyle/>
+          <a:p>
+            <a:r>
+              <a:rPr lang="de-CH" dirty="0" smtClean="0"/>
+              <a:t>Design von artifiziellen Tieren mit evolutionären Algorithmen - F. Hediger, F. Tanner</a:t>
+            </a:r>
+            <a:endParaRPr lang="de-CH" dirty="0"/>
+          </a:p>
+        </p:txBody>
+      </p:sp>
+      <p:sp>
+        <p:nvSpPr>
+          <p:cNvPr id="6" name="Slide Number Placeholder 5"/>
           <p:cNvSpPr>
             <a:spLocks noGrp="1"/>
           </p:cNvSpPr>
@@ -26366,33 +27619,10 @@
           </a:p>
         </p:txBody>
       </p:sp>
-      <p:sp>
-        <p:nvSpPr>
-          <p:cNvPr id="6" name="Footer Placeholder 5"/>
-          <p:cNvSpPr>
-            <a:spLocks noGrp="1"/>
-          </p:cNvSpPr>
-          <p:nvPr>
-            <p:ph type="ftr" sz="quarter" idx="11"/>
-          </p:nvPr>
-        </p:nvSpPr>
-        <p:spPr/>
-        <p:txBody>
-          <a:bodyPr/>
-          <a:lstStyle/>
-          <a:p>
-            <a:r>
-              <a:rPr lang="de-CH" smtClean="0"/>
-              <a:t>Design von artifiziellen Tieren mit evolutionären Algorithmen - F. Hediger, F. Tanner</a:t>
-            </a:r>
-            <a:endParaRPr lang="de-CH" dirty="0"/>
-          </a:p>
-        </p:txBody>
-      </p:sp>
     </p:spTree>
     <p:extLst>
       <p:ext uri="{BB962C8B-B14F-4D97-AF65-F5344CB8AC3E}">
-        <p14:creationId xmlns:p14="http://schemas.microsoft.com/office/powerpoint/2010/main" val="3655586289"/>
+        <p14:creationId xmlns:p14="http://schemas.microsoft.com/office/powerpoint/2010/main" val="3184708419"/>
       </p:ext>
     </p:extLst>
   </p:cSld>
@@ -26442,38 +27672,65 @@
           <a:lstStyle/>
           <a:p>
             <a:r>
-              <a:rPr lang="de-CH" dirty="0" smtClean="0"/>
-              <a:t>Ablauf</a:t>
-            </a:r>
-            <a:endParaRPr lang="de-CH" dirty="0"/>
+              <a:rPr lang="de-CH" dirty="0"/>
+              <a:t>Grundlagen</a:t>
+            </a:r>
           </a:p>
         </p:txBody>
       </p:sp>
-      <p:graphicFrame>
-        <p:nvGraphicFramePr>
-          <p:cNvPr id="7" name="Content Placeholder 6"/>
-          <p:cNvGraphicFramePr>
-            <a:graphicFrameLocks noGrp="1"/>
-          </p:cNvGraphicFramePr>
+      <p:sp>
+        <p:nvSpPr>
+          <p:cNvPr id="3" name="Content Placeholder 2"/>
+          <p:cNvSpPr>
+            <a:spLocks noGrp="1"/>
+          </p:cNvSpPr>
           <p:nvPr>
             <p:ph idx="1"/>
-            <p:extLst>
-              <p:ext uri="{D42A27DB-BD31-4B8C-83A1-F6EECF244321}">
-                <p14:modId xmlns:p14="http://schemas.microsoft.com/office/powerpoint/2010/main" val="2950715632"/>
-              </p:ext>
-            </p:extLst>
           </p:nvPr>
-        </p:nvGraphicFramePr>
-        <p:xfrm>
-          <a:off x="1023938" y="2286000"/>
-          <a:ext cx="9720262" cy="4022725"/>
-        </p:xfrm>
-        <a:graphic>
-          <a:graphicData uri="http://schemas.openxmlformats.org/drawingml/2006/diagram">
-            <dgm:relIds xmlns:dgm="http://schemas.openxmlformats.org/drawingml/2006/diagram" xmlns:r="http://schemas.openxmlformats.org/officeDocument/2006/relationships" r:dm="rId2" r:lo="rId3" r:qs="rId4" r:cs="rId5"/>
-          </a:graphicData>
-        </a:graphic>
-      </p:graphicFrame>
+        </p:nvSpPr>
+        <p:spPr/>
+        <p:txBody>
+          <a:bodyPr/>
+          <a:lstStyle/>
+          <a:p>
+            <a:r>
+              <a:rPr lang="de-CH" dirty="0"/>
+              <a:t>Ablauf eines </a:t>
+            </a:r>
+            <a:r>
+              <a:rPr lang="de-CH" dirty="0" smtClean="0"/>
+              <a:t>evolutionären Algorithmus</a:t>
+            </a:r>
+          </a:p>
+          <a:p>
+            <a:r>
+              <a:rPr lang="de-CH" dirty="0" smtClean="0"/>
+              <a:t>Initiale Population</a:t>
+            </a:r>
+          </a:p>
+          <a:p>
+            <a:r>
+              <a:rPr lang="de-CH" dirty="0" smtClean="0"/>
+              <a:t>Evaluation</a:t>
+            </a:r>
+          </a:p>
+          <a:p>
+            <a:r>
+              <a:rPr lang="de-CH" dirty="0" smtClean="0"/>
+              <a:t>Selektionsstrategie</a:t>
+            </a:r>
+          </a:p>
+          <a:p>
+            <a:r>
+              <a:rPr lang="de-CH" dirty="0" smtClean="0"/>
+              <a:t>Mutation</a:t>
+            </a:r>
+          </a:p>
+          <a:p>
+            <a:endParaRPr lang="de-CH" dirty="0"/>
+          </a:p>
+        </p:txBody>
+      </p:sp>
       <p:sp>
         <p:nvSpPr>
           <p:cNvPr id="4" name="Date Placeholder 3"/>
@@ -26489,9 +27746,9 @@
           <a:bodyPr/>
           <a:lstStyle/>
           <a:p>
-            <a:fld id="{E6DD9CFA-7FDE-4C28-9438-98659B0FC9DB}" type="datetime1">
+            <a:fld id="{C85944C4-99C3-4AAD-B274-CCA99F6BAB6F}" type="datetime1">
               <a:rPr lang="de-CH" smtClean="0"/>
-              <a:t>27.06.2016</a:t>
+              <a:t>28.06.2016</a:t>
             </a:fld>
             <a:endParaRPr lang="de-CH" dirty="0"/>
           </a:p>
@@ -26499,7 +27756,30 @@
       </p:sp>
       <p:sp>
         <p:nvSpPr>
-          <p:cNvPr id="5" name="Footer Placeholder 4"/>
+          <p:cNvPr id="5" name="Slide Number Placeholder 4"/>
+          <p:cNvSpPr>
+            <a:spLocks noGrp="1"/>
+          </p:cNvSpPr>
+          <p:nvPr>
+            <p:ph type="sldNum" sz="quarter" idx="12"/>
+          </p:nvPr>
+        </p:nvSpPr>
+        <p:spPr/>
+        <p:txBody>
+          <a:bodyPr/>
+          <a:lstStyle/>
+          <a:p>
+            <a:fld id="{9DD3427A-877F-49F0-A244-E76867DD5238}" type="slidenum">
+              <a:rPr lang="de-CH" smtClean="0"/>
+              <a:t>6</a:t>
+            </a:fld>
+            <a:endParaRPr lang="de-CH"/>
+          </a:p>
+        </p:txBody>
+      </p:sp>
+      <p:sp>
+        <p:nvSpPr>
+          <p:cNvPr id="6" name="Footer Placeholder 5"/>
           <p:cNvSpPr>
             <a:spLocks noGrp="1"/>
           </p:cNvSpPr>
@@ -26520,196 +27800,10 @@
           </a:p>
         </p:txBody>
       </p:sp>
-      <p:sp>
-        <p:nvSpPr>
-          <p:cNvPr id="6" name="Slide Number Placeholder 5"/>
-          <p:cNvSpPr>
-            <a:spLocks noGrp="1"/>
-          </p:cNvSpPr>
-          <p:nvPr>
-            <p:ph type="sldNum" sz="quarter" idx="12"/>
-          </p:nvPr>
-        </p:nvSpPr>
-        <p:spPr/>
-        <p:txBody>
-          <a:bodyPr/>
-          <a:lstStyle/>
-          <a:p>
-            <a:fld id="{9DD3427A-877F-49F0-A244-E76867DD5238}" type="slidenum">
-              <a:rPr lang="de-CH" smtClean="0"/>
-              <a:t>6</a:t>
-            </a:fld>
-            <a:endParaRPr lang="de-CH"/>
-          </a:p>
-        </p:txBody>
-      </p:sp>
-      <p:grpSp>
-        <p:nvGrpSpPr>
-          <p:cNvPr id="8" name="Group 7"/>
-          <p:cNvGrpSpPr/>
-          <p:nvPr/>
-        </p:nvGrpSpPr>
-        <p:grpSpPr>
-          <a:xfrm>
-            <a:off x="1082521" y="2246811"/>
-            <a:ext cx="1846280" cy="2226874"/>
-            <a:chOff x="3995573" y="-1084452"/>
-            <a:chExt cx="1846280" cy="2226874"/>
-          </a:xfrm>
-        </p:grpSpPr>
-        <p:sp>
-          <p:nvSpPr>
-            <p:cNvPr id="9" name="Rounded Rectangle 8"/>
-            <p:cNvSpPr/>
-            <p:nvPr/>
-          </p:nvSpPr>
-          <p:spPr>
-            <a:xfrm>
-              <a:off x="3995573" y="-1084452"/>
-              <a:ext cx="1846280" cy="1200082"/>
-            </a:xfrm>
-            <a:prstGeom prst="roundRect">
-              <a:avLst/>
-            </a:prstGeom>
-          </p:spPr>
-          <p:style>
-            <a:lnRef idx="2">
-              <a:schemeClr val="lt1">
-                <a:hueOff val="0"/>
-                <a:satOff val="0"/>
-                <a:lumOff val="0"/>
-                <a:alphaOff val="0"/>
-              </a:schemeClr>
-            </a:lnRef>
-            <a:fillRef idx="1">
-              <a:schemeClr val="accent1">
-                <a:hueOff val="0"/>
-                <a:satOff val="0"/>
-                <a:lumOff val="0"/>
-                <a:alphaOff val="0"/>
-              </a:schemeClr>
-            </a:fillRef>
-            <a:effectRef idx="0">
-              <a:schemeClr val="accent1">
-                <a:hueOff val="0"/>
-                <a:satOff val="0"/>
-                <a:lumOff val="0"/>
-                <a:alphaOff val="0"/>
-              </a:schemeClr>
-            </a:effectRef>
-            <a:fontRef idx="minor">
-              <a:schemeClr val="lt1"/>
-            </a:fontRef>
-          </p:style>
-          <p:txBody>
-            <a:bodyPr/>
-            <a:lstStyle/>
-            <a:p>
-              <a:r>
-                <a:rPr lang="de-CH" sz="2400" dirty="0"/>
-                <a:t>Initiale</a:t>
-              </a:r>
-            </a:p>
-            <a:p>
-              <a:r>
-                <a:rPr lang="de-CH" sz="2400" dirty="0"/>
-                <a:t>Population</a:t>
-              </a:r>
-            </a:p>
-          </p:txBody>
-        </p:sp>
-        <p:sp>
-          <p:nvSpPr>
-            <p:cNvPr id="10" name="Rounded Rectangle 4"/>
-            <p:cNvSpPr/>
-            <p:nvPr/>
-          </p:nvSpPr>
-          <p:spPr>
-            <a:xfrm>
-              <a:off x="3995573" y="59506"/>
-              <a:ext cx="1729114" cy="1082916"/>
-            </a:xfrm>
-            <a:prstGeom prst="rect">
-              <a:avLst/>
-            </a:prstGeom>
-          </p:spPr>
-          <p:style>
-            <a:lnRef idx="0">
-              <a:scrgbClr r="0" g="0" b="0"/>
-            </a:lnRef>
-            <a:fillRef idx="0">
-              <a:scrgbClr r="0" g="0" b="0"/>
-            </a:fillRef>
-            <a:effectRef idx="0">
-              <a:scrgbClr r="0" g="0" b="0"/>
-            </a:effectRef>
-            <a:fontRef idx="minor">
-              <a:schemeClr val="lt1"/>
-            </a:fontRef>
-          </p:style>
-          <p:txBody>
-            <a:bodyPr spcFirstLastPara="0" vert="horz" wrap="square" lIns="110490" tIns="110490" rIns="110490" bIns="110490" numCol="1" spcCol="1270" anchor="ctr" anchorCtr="0">
-              <a:noAutofit/>
-            </a:bodyPr>
-            <a:lstStyle/>
-            <a:p>
-              <a:pPr lvl="0" algn="ctr" defTabSz="1289050">
-                <a:lnSpc>
-                  <a:spcPct val="90000"/>
-                </a:lnSpc>
-                <a:spcBef>
-                  <a:spcPct val="0"/>
-                </a:spcBef>
-                <a:spcAft>
-                  <a:spcPct val="35000"/>
-                </a:spcAft>
-              </a:pPr>
-              <a:r>
-                <a:rPr lang="de-CH" sz="2900" kern="1200" dirty="0" smtClean="0"/>
-                <a:t>Selektion</a:t>
-              </a:r>
-              <a:endParaRPr lang="de-CH" sz="2900" kern="1200" dirty="0"/>
-            </a:p>
-          </p:txBody>
-        </p:sp>
-      </p:grpSp>
-      <p:cxnSp>
-        <p:nvCxnSpPr>
-          <p:cNvPr id="12" name="Straight Arrow Connector 11"/>
-          <p:cNvCxnSpPr/>
-          <p:nvPr/>
-        </p:nvCxnSpPr>
-        <p:spPr>
-          <a:xfrm flipV="1">
-            <a:off x="3455083" y="2879903"/>
-            <a:ext cx="988043" cy="6138"/>
-          </a:xfrm>
-          <a:prstGeom prst="straightConnector1">
-            <a:avLst/>
-          </a:prstGeom>
-          <a:ln>
-            <a:tailEnd type="triangle"/>
-          </a:ln>
-        </p:spPr>
-        <p:style>
-          <a:lnRef idx="1">
-            <a:schemeClr val="accent1"/>
-          </a:lnRef>
-          <a:fillRef idx="0">
-            <a:schemeClr val="accent1"/>
-          </a:fillRef>
-          <a:effectRef idx="0">
-            <a:schemeClr val="accent1"/>
-          </a:effectRef>
-          <a:fontRef idx="minor">
-            <a:schemeClr val="tx1"/>
-          </a:fontRef>
-        </p:style>
-      </p:cxnSp>
     </p:spTree>
     <p:extLst>
       <p:ext uri="{BB962C8B-B14F-4D97-AF65-F5344CB8AC3E}">
-        <p14:creationId xmlns:p14="http://schemas.microsoft.com/office/powerpoint/2010/main" val="1157827422"/>
+        <p14:creationId xmlns:p14="http://schemas.microsoft.com/office/powerpoint/2010/main" val="3655586289"/>
       </p:ext>
     </p:extLst>
   </p:cSld>
@@ -26760,31 +27854,37 @@
           <a:p>
             <a:r>
               <a:rPr lang="de-CH" dirty="0" smtClean="0"/>
-              <a:t>Initiale Population</a:t>
+              <a:t>Ablauf eines Evolutionären Algorithmus</a:t>
             </a:r>
             <a:endParaRPr lang="de-CH" dirty="0"/>
           </a:p>
         </p:txBody>
       </p:sp>
-      <p:sp>
-        <p:nvSpPr>
-          <p:cNvPr id="3" name="Content Placeholder 2"/>
-          <p:cNvSpPr>
-            <a:spLocks noGrp="1"/>
-          </p:cNvSpPr>
+      <p:graphicFrame>
+        <p:nvGraphicFramePr>
+          <p:cNvPr id="7" name="Content Placeholder 6"/>
+          <p:cNvGraphicFramePr>
+            <a:graphicFrameLocks noGrp="1"/>
+          </p:cNvGraphicFramePr>
           <p:nvPr>
             <p:ph idx="1"/>
+            <p:extLst>
+              <p:ext uri="{D42A27DB-BD31-4B8C-83A1-F6EECF244321}">
+                <p14:modId xmlns:p14="http://schemas.microsoft.com/office/powerpoint/2010/main" val="2886519287"/>
+              </p:ext>
+            </p:extLst>
           </p:nvPr>
-        </p:nvSpPr>
-        <p:spPr/>
-        <p:txBody>
-          <a:bodyPr/>
-          <a:lstStyle/>
-          <a:p>
-            <a:endParaRPr lang="de-CH"/>
-          </a:p>
-        </p:txBody>
-      </p:sp>
+        </p:nvGraphicFramePr>
+        <p:xfrm>
+          <a:off x="1023938" y="2286000"/>
+          <a:ext cx="9720262" cy="4022725"/>
+        </p:xfrm>
+        <a:graphic>
+          <a:graphicData uri="http://schemas.openxmlformats.org/drawingml/2006/diagram">
+            <dgm:relIds xmlns:dgm="http://schemas.openxmlformats.org/drawingml/2006/diagram" xmlns:r="http://schemas.openxmlformats.org/officeDocument/2006/relationships" r:dm="rId3" r:lo="rId4" r:qs="rId5" r:cs="rId6"/>
+          </a:graphicData>
+        </a:graphic>
+      </p:graphicFrame>
       <p:sp>
         <p:nvSpPr>
           <p:cNvPr id="4" name="Date Placeholder 3"/>
@@ -26802,7 +27902,7 @@
           <a:p>
             <a:fld id="{E6DD9CFA-7FDE-4C28-9438-98659B0FC9DB}" type="datetime1">
               <a:rPr lang="de-CH" smtClean="0"/>
-              <a:t>27.06.2016</a:t>
+              <a:t>28.06.2016</a:t>
             </a:fld>
             <a:endParaRPr lang="de-CH" dirty="0"/>
           </a:p>
@@ -26854,10 +27954,154 @@
           </a:p>
         </p:txBody>
       </p:sp>
+      <p:cxnSp>
+        <p:nvCxnSpPr>
+          <p:cNvPr id="12" name="Straight Arrow Connector 11"/>
+          <p:cNvCxnSpPr/>
+          <p:nvPr/>
+        </p:nvCxnSpPr>
+        <p:spPr>
+          <a:xfrm flipV="1">
+            <a:off x="3417245" y="2753384"/>
+            <a:ext cx="988043" cy="6138"/>
+          </a:xfrm>
+          <a:prstGeom prst="straightConnector1">
+            <a:avLst/>
+          </a:prstGeom>
+          <a:ln>
+            <a:tailEnd type="triangle"/>
+          </a:ln>
+        </p:spPr>
+        <p:style>
+          <a:lnRef idx="1">
+            <a:schemeClr val="accent1"/>
+          </a:lnRef>
+          <a:fillRef idx="0">
+            <a:schemeClr val="accent1"/>
+          </a:fillRef>
+          <a:effectRef idx="0">
+            <a:schemeClr val="accent1"/>
+          </a:effectRef>
+          <a:fontRef idx="minor">
+            <a:schemeClr val="tx1"/>
+          </a:fontRef>
+        </p:style>
+      </p:cxnSp>
+      <p:grpSp>
+        <p:nvGrpSpPr>
+          <p:cNvPr id="11" name="Group 10"/>
+          <p:cNvGrpSpPr/>
+          <p:nvPr/>
+        </p:nvGrpSpPr>
+        <p:grpSpPr>
+          <a:xfrm>
+            <a:off x="1427779" y="2286000"/>
+            <a:ext cx="1594271" cy="934768"/>
+            <a:chOff x="2643830" y="1543978"/>
+            <a:chExt cx="1594271" cy="934768"/>
+          </a:xfrm>
+        </p:grpSpPr>
+        <p:sp>
+          <p:nvSpPr>
+            <p:cNvPr id="13" name="Rounded Rectangle 12"/>
+            <p:cNvSpPr/>
+            <p:nvPr/>
+          </p:nvSpPr>
+          <p:spPr>
+            <a:xfrm>
+              <a:off x="2799996" y="1543978"/>
+              <a:ext cx="1438105" cy="934768"/>
+            </a:xfrm>
+            <a:prstGeom prst="roundRect">
+              <a:avLst/>
+            </a:prstGeom>
+          </p:spPr>
+          <p:style>
+            <a:lnRef idx="2">
+              <a:schemeClr val="lt1">
+                <a:hueOff val="0"/>
+                <a:satOff val="0"/>
+                <a:lumOff val="0"/>
+                <a:alphaOff val="0"/>
+              </a:schemeClr>
+            </a:lnRef>
+            <a:fillRef idx="1">
+              <a:schemeClr val="accent1">
+                <a:hueOff val="0"/>
+                <a:satOff val="0"/>
+                <a:lumOff val="0"/>
+                <a:alphaOff val="0"/>
+              </a:schemeClr>
+            </a:fillRef>
+            <a:effectRef idx="0">
+              <a:schemeClr val="accent1">
+                <a:hueOff val="0"/>
+                <a:satOff val="0"/>
+                <a:lumOff val="0"/>
+                <a:alphaOff val="0"/>
+              </a:schemeClr>
+            </a:effectRef>
+            <a:fontRef idx="minor">
+              <a:schemeClr val="lt1"/>
+            </a:fontRef>
+          </p:style>
+        </p:sp>
+        <p:sp>
+          <p:nvSpPr>
+            <p:cNvPr id="14" name="Rounded Rectangle 4"/>
+            <p:cNvSpPr/>
+            <p:nvPr/>
+          </p:nvSpPr>
+          <p:spPr>
+            <a:xfrm>
+              <a:off x="2643830" y="1589610"/>
+              <a:ext cx="1346841" cy="843504"/>
+            </a:xfrm>
+            <a:prstGeom prst="rect">
+              <a:avLst/>
+            </a:prstGeom>
+          </p:spPr>
+          <p:style>
+            <a:lnRef idx="0">
+              <a:scrgbClr r="0" g="0" b="0"/>
+            </a:lnRef>
+            <a:fillRef idx="0">
+              <a:scrgbClr r="0" g="0" b="0"/>
+            </a:fillRef>
+            <a:effectRef idx="0">
+              <a:scrgbClr r="0" g="0" b="0"/>
+            </a:effectRef>
+            <a:fontRef idx="minor">
+              <a:schemeClr val="lt1"/>
+            </a:fontRef>
+          </p:style>
+          <p:txBody>
+            <a:bodyPr spcFirstLastPara="0" vert="horz" wrap="square" lIns="60960" tIns="60960" rIns="60960" bIns="60960" numCol="1" spcCol="1270" anchor="ctr" anchorCtr="0">
+              <a:noAutofit/>
+            </a:bodyPr>
+            <a:lstStyle/>
+            <a:p>
+              <a:pPr algn="ctr"/>
+              <a:r>
+                <a:rPr lang="de-CH" sz="1600" dirty="0"/>
+                <a:t>Initiale</a:t>
+              </a:r>
+            </a:p>
+            <a:p>
+              <a:pPr algn="ctr"/>
+              <a:r>
+                <a:rPr lang="de-CH" sz="1600" dirty="0"/>
+                <a:t>Population</a:t>
+              </a:r>
+              <a:endParaRPr lang="de-CH" sz="1600" dirty="0"/>
+            </a:p>
+          </p:txBody>
+        </p:sp>
+      </p:grpSp>
     </p:spTree>
     <p:extLst>
       <p:ext uri="{BB962C8B-B14F-4D97-AF65-F5344CB8AC3E}">
-        <p14:creationId xmlns:p14="http://schemas.microsoft.com/office/powerpoint/2010/main" val="2447213200"/>
+        <p14:creationId xmlns:p14="http://schemas.microsoft.com/office/powerpoint/2010/main" val="1157827422"/>
       </p:ext>
     </p:extLst>
   </p:cSld>
@@ -26929,7 +28173,41 @@
           <a:bodyPr/>
           <a:lstStyle/>
           <a:p>
-            <a:endParaRPr lang="de-CH"/>
+            <a:r>
+              <a:rPr lang="de-CH" dirty="0" smtClean="0"/>
+              <a:t>Evaluation der Fitnessfunktion</a:t>
+            </a:r>
+          </a:p>
+          <a:p>
+            <a:endParaRPr lang="de-CH" dirty="0" smtClean="0"/>
+          </a:p>
+          <a:p>
+            <a:r>
+              <a:rPr lang="de-CH" dirty="0" smtClean="0"/>
+              <a:t>Fitnessfunktion wird vom Anwender definiert</a:t>
+            </a:r>
+          </a:p>
+          <a:p>
+            <a:endParaRPr lang="de-CH" dirty="0"/>
+          </a:p>
+          <a:p>
+            <a:r>
+              <a:rPr lang="de-CH" dirty="0" smtClean="0"/>
+              <a:t>Rechenintensive Aufgabe</a:t>
+            </a:r>
+          </a:p>
+          <a:p>
+            <a:endParaRPr lang="de-CH" dirty="0"/>
+          </a:p>
+          <a:p>
+            <a:r>
+              <a:rPr lang="de-CH" dirty="0" smtClean="0"/>
+              <a:t>Zurückgelegte Strecke der Individuen</a:t>
+            </a:r>
+            <a:endParaRPr lang="de-CH" dirty="0"/>
+          </a:p>
+          <a:p>
+            <a:endParaRPr lang="de-CH" dirty="0"/>
           </a:p>
         </p:txBody>
       </p:sp>
@@ -26950,7 +28228,7 @@
           <a:p>
             <a:fld id="{E6DD9CFA-7FDE-4C28-9438-98659B0FC9DB}" type="datetime1">
               <a:rPr lang="de-CH" smtClean="0"/>
-              <a:t>27.06.2016</a:t>
+              <a:t>28.06.2016</a:t>
             </a:fld>
             <a:endParaRPr lang="de-CH" dirty="0"/>
           </a:p>
@@ -27041,7 +28319,7 @@
       </p:grpSpPr>
       <p:sp>
         <p:nvSpPr>
-          <p:cNvPr id="2" name="Title 1"/>
+          <p:cNvPr id="7" name="Title 6"/>
           <p:cNvSpPr>
             <a:spLocks noGrp="1"/>
           </p:cNvSpPr>
@@ -27055,8 +28333,8 @@
           <a:lstStyle/>
           <a:p>
             <a:r>
-              <a:rPr lang="de-CH" dirty="0" err="1" smtClean="0"/>
-              <a:t>Selektionstrategie</a:t>
+              <a:rPr lang="de-CH" dirty="0" smtClean="0"/>
+              <a:t>Selektionsstrategie</a:t>
             </a:r>
             <a:endParaRPr lang="de-CH" dirty="0"/>
           </a:p>
@@ -27064,12 +28342,12 @@
       </p:sp>
       <p:sp>
         <p:nvSpPr>
-          <p:cNvPr id="3" name="Content Placeholder 2"/>
+          <p:cNvPr id="8" name="Text Placeholder 7"/>
           <p:cNvSpPr>
             <a:spLocks noGrp="1"/>
           </p:cNvSpPr>
           <p:nvPr>
-            <p:ph idx="1"/>
+            <p:ph type="body" idx="1"/>
           </p:nvPr>
         </p:nvSpPr>
         <p:spPr/>
@@ -27077,10 +28355,147 @@
           <a:bodyPr/>
           <a:lstStyle/>
           <a:p>
-            <a:endParaRPr lang="de-CH"/>
+            <a:r>
+              <a:rPr lang="de-CH" dirty="0" smtClean="0"/>
+              <a:t>Allgemein</a:t>
+            </a:r>
+            <a:endParaRPr lang="de-CH" dirty="0"/>
           </a:p>
         </p:txBody>
       </p:sp>
+      <p:sp>
+        <p:nvSpPr>
+          <p:cNvPr id="9" name="Content Placeholder 8"/>
+          <p:cNvSpPr>
+            <a:spLocks noGrp="1"/>
+          </p:cNvSpPr>
+          <p:nvPr>
+            <p:ph sz="half" idx="2"/>
+          </p:nvPr>
+        </p:nvSpPr>
+        <p:spPr/>
+        <p:txBody>
+          <a:bodyPr/>
+          <a:lstStyle/>
+          <a:p>
+            <a:pPr marL="91440" lvl="1" indent="-91440">
+              <a:spcBef>
+                <a:spcPts val="1200"/>
+              </a:spcBef>
+              <a:spcAft>
+                <a:spcPts val="200"/>
+              </a:spcAft>
+              <a:buSzPct val="100000"/>
+              <a:buFont typeface="Wingdings" panose="05000000000000000000" pitchFamily="2" charset="2"/>
+              <a:buChar char="§"/>
+            </a:pPr>
+            <a:r>
+              <a:rPr lang="de-CH" sz="1800" dirty="0"/>
+              <a:t>Selektion der Individuen zur Reproduktion</a:t>
+            </a:r>
+          </a:p>
+          <a:p>
+            <a:pPr marL="91440" lvl="1" indent="-91440">
+              <a:spcBef>
+                <a:spcPts val="1200"/>
+              </a:spcBef>
+              <a:spcAft>
+                <a:spcPts val="200"/>
+              </a:spcAft>
+              <a:buSzPct val="100000"/>
+              <a:buFont typeface="Wingdings" panose="05000000000000000000" pitchFamily="2" charset="2"/>
+              <a:buChar char="§"/>
+            </a:pPr>
+            <a:endParaRPr lang="de-CH" dirty="0" smtClean="0"/>
+          </a:p>
+          <a:p>
+            <a:pPr marL="91440" lvl="1" indent="-91440">
+              <a:spcBef>
+                <a:spcPts val="1200"/>
+              </a:spcBef>
+              <a:spcAft>
+                <a:spcPts val="200"/>
+              </a:spcAft>
+              <a:buSzPct val="100000"/>
+              <a:buFont typeface="Wingdings" panose="05000000000000000000" pitchFamily="2" charset="2"/>
+              <a:buChar char="§"/>
+            </a:pPr>
+            <a:r>
+              <a:rPr lang="de-CH" sz="1800" dirty="0"/>
+              <a:t>Erhaltung der Diversität</a:t>
+            </a:r>
+          </a:p>
+          <a:p>
+            <a:pPr marL="91440" lvl="1" indent="-91440">
+              <a:spcBef>
+                <a:spcPts val="1200"/>
+              </a:spcBef>
+              <a:spcAft>
+                <a:spcPts val="200"/>
+              </a:spcAft>
+              <a:buSzPct val="100000"/>
+              <a:buFont typeface="Wingdings" panose="05000000000000000000" pitchFamily="2" charset="2"/>
+              <a:buChar char="§"/>
+            </a:pPr>
+            <a:endParaRPr lang="de-CH" dirty="0"/>
+          </a:p>
+          <a:p>
+            <a:endParaRPr lang="de-CH" dirty="0"/>
+          </a:p>
+        </p:txBody>
+      </p:sp>
+      <p:sp>
+        <p:nvSpPr>
+          <p:cNvPr id="10" name="Text Placeholder 9"/>
+          <p:cNvSpPr>
+            <a:spLocks noGrp="1"/>
+          </p:cNvSpPr>
+          <p:nvPr>
+            <p:ph type="body" sz="quarter" idx="3"/>
+          </p:nvPr>
+        </p:nvSpPr>
+        <p:spPr/>
+        <p:txBody>
+          <a:bodyPr/>
+          <a:lstStyle/>
+          <a:p>
+            <a:r>
+              <a:rPr lang="de-CH" dirty="0" smtClean="0"/>
+              <a:t>Turnierbasierte Selektion</a:t>
+            </a:r>
+            <a:endParaRPr lang="de-CH" dirty="0"/>
+          </a:p>
+        </p:txBody>
+      </p:sp>
+      <p:pic>
+        <p:nvPicPr>
+          <p:cNvPr id="12" name="Content Placeholder 11"/>
+          <p:cNvPicPr>
+            <a:picLocks noGrp="1" noChangeAspect="1"/>
+          </p:cNvPicPr>
+          <p:nvPr>
+            <p:ph sz="quarter" idx="4"/>
+          </p:nvPr>
+        </p:nvPicPr>
+        <p:blipFill>
+          <a:blip r:embed="rId2">
+            <a:extLst>
+              <a:ext uri="{28A0092B-C50C-407E-A947-70E740481C1C}">
+                <a14:useLocalDpi xmlns:a14="http://schemas.microsoft.com/office/drawing/2010/main" val="0"/>
+              </a:ext>
+            </a:extLst>
+          </a:blip>
+          <a:stretch>
+            <a:fillRect/>
+          </a:stretch>
+        </p:blipFill>
+        <p:spPr>
+          <a:xfrm>
+            <a:off x="5884164" y="2903976"/>
+            <a:ext cx="4330073" cy="3341687"/>
+          </a:xfrm>
+        </p:spPr>
+      </p:pic>
       <p:sp>
         <p:nvSpPr>
           <p:cNvPr id="4" name="Date Placeholder 3"/>
@@ -27098,7 +28513,7 @@
           <a:p>
             <a:fld id="{E6DD9CFA-7FDE-4C28-9438-98659B0FC9DB}" type="datetime1">
               <a:rPr lang="de-CH" smtClean="0"/>
-              <a:t>27.06.2016</a:t>
+              <a:t>28.06.2016</a:t>
             </a:fld>
             <a:endParaRPr lang="de-CH" dirty="0"/>
           </a:p>
@@ -27153,7 +28568,7 @@
     </p:spTree>
     <p:extLst>
       <p:ext uri="{BB962C8B-B14F-4D97-AF65-F5344CB8AC3E}">
-        <p14:creationId xmlns:p14="http://schemas.microsoft.com/office/powerpoint/2010/main" val="2671038556"/>
+        <p14:creationId xmlns:p14="http://schemas.microsoft.com/office/powerpoint/2010/main" val="2659115935"/>
       </p:ext>
     </p:extLst>
   </p:cSld>

--- a/evolutdoc/presentation/presentation.pptx
+++ b/evolutdoc/presentation/presentation.pptx
@@ -5,7 +5,7 @@
     <p:sldMasterId id="2147483660" r:id="rId1"/>
   </p:sldMasterIdLst>
   <p:notesMasterIdLst>
-    <p:notesMasterId r:id="rId20"/>
+    <p:notesMasterId r:id="rId24"/>
   </p:notesMasterIdLst>
   <p:sldIdLst>
     <p:sldId id="256" r:id="rId2"/>
@@ -13,19 +13,23 @@
     <p:sldId id="266" r:id="rId4"/>
     <p:sldId id="273" r:id="rId5"/>
     <p:sldId id="280" r:id="rId6"/>
-    <p:sldId id="257" r:id="rId7"/>
-    <p:sldId id="272" r:id="rId8"/>
-    <p:sldId id="275" r:id="rId9"/>
-    <p:sldId id="281" r:id="rId10"/>
-    <p:sldId id="283" r:id="rId11"/>
-    <p:sldId id="284" r:id="rId12"/>
-    <p:sldId id="265" r:id="rId13"/>
-    <p:sldId id="258" r:id="rId14"/>
-    <p:sldId id="262" r:id="rId15"/>
-    <p:sldId id="277" r:id="rId16"/>
-    <p:sldId id="261" r:id="rId17"/>
-    <p:sldId id="260" r:id="rId18"/>
-    <p:sldId id="279" r:id="rId19"/>
+    <p:sldId id="286" r:id="rId7"/>
+    <p:sldId id="287" r:id="rId8"/>
+    <p:sldId id="257" r:id="rId9"/>
+    <p:sldId id="272" r:id="rId10"/>
+    <p:sldId id="275" r:id="rId11"/>
+    <p:sldId id="281" r:id="rId12"/>
+    <p:sldId id="283" r:id="rId13"/>
+    <p:sldId id="284" r:id="rId14"/>
+    <p:sldId id="258" r:id="rId15"/>
+    <p:sldId id="262" r:id="rId16"/>
+    <p:sldId id="277" r:id="rId17"/>
+    <p:sldId id="288" r:id="rId18"/>
+    <p:sldId id="290" r:id="rId19"/>
+    <p:sldId id="289" r:id="rId20"/>
+    <p:sldId id="261" r:id="rId21"/>
+    <p:sldId id="260" r:id="rId22"/>
+    <p:sldId id="279" r:id="rId23"/>
   </p:sldIdLst>
   <p:sldSz cx="12192000" cy="6858000"/>
   <p:notesSz cx="6858000" cy="9144000"/>
@@ -134,6 +138,8 @@
             <p14:sldId id="266"/>
             <p14:sldId id="273"/>
             <p14:sldId id="280"/>
+            <p14:sldId id="286"/>
+            <p14:sldId id="287"/>
           </p14:sldIdLst>
         </p14:section>
         <p14:section name="Grundlagen" id="{4AF01A38-B574-436E-BCC3-DFC349078C18}">
@@ -144,7 +150,6 @@
             <p14:sldId id="281"/>
             <p14:sldId id="283"/>
             <p14:sldId id="284"/>
-            <p14:sldId id="265"/>
           </p14:sldIdLst>
         </p14:section>
         <p14:section name="Methoden" id="{8DBC41D4-5154-459C-ACCB-7A8F9638EBDD}">
@@ -156,6 +161,9 @@
         <p14:section name="Resultate" id="{E76B62C9-4474-4C85-BF00-99B6127BC217}">
           <p14:sldIdLst>
             <p14:sldId id="277"/>
+            <p14:sldId id="288"/>
+            <p14:sldId id="290"/>
+            <p14:sldId id="289"/>
           </p14:sldIdLst>
         </p14:section>
         <p14:section name="Diskussion" id="{C86757D1-8C04-4601-A3F3-26447F39AC97}">
@@ -3948,7 +3956,7 @@
           <a:p>
             <a:fld id="{EA11A74D-32B6-452B-A0CB-8CC2507C7E44}" type="slidenum">
               <a:rPr lang="de-CH" smtClean="0"/>
-              <a:t>6</a:t>
+              <a:t>8</a:t>
             </a:fld>
             <a:endParaRPr lang="de-CH"/>
           </a:p>
@@ -4064,7 +4072,7 @@
           <a:p>
             <a:fld id="{EA11A74D-32B6-452B-A0CB-8CC2507C7E44}" type="slidenum">
               <a:rPr lang="de-CH" smtClean="0"/>
-              <a:t>7</a:t>
+              <a:t>9</a:t>
             </a:fld>
             <a:endParaRPr lang="de-CH"/>
           </a:p>
@@ -24846,7 +24854,7 @@
           <a:p>
             <a:r>
               <a:rPr lang="de-CH" dirty="0" smtClean="0"/>
-              <a:t>Mutation</a:t>
+              <a:t>Evaluation</a:t>
             </a:r>
             <a:endParaRPr lang="de-CH" dirty="0"/>
           </a:p>
@@ -24854,12 +24862,12 @@
       </p:sp>
       <p:sp>
         <p:nvSpPr>
-          <p:cNvPr id="3" name="Text Placeholder 2"/>
+          <p:cNvPr id="3" name="Content Placeholder 2"/>
           <p:cNvSpPr>
             <a:spLocks noGrp="1"/>
           </p:cNvSpPr>
           <p:nvPr>
-            <p:ph type="body" idx="1"/>
+            <p:ph idx="1"/>
           </p:nvPr>
         </p:nvSpPr>
         <p:spPr/>
@@ -24869,116 +24877,45 @@
           <a:p>
             <a:r>
               <a:rPr lang="de-CH" dirty="0" smtClean="0"/>
-              <a:t>Allgemein</a:t>
-            </a:r>
+              <a:t>Evaluation der Fitnessfunktion</a:t>
+            </a:r>
+          </a:p>
+          <a:p>
+            <a:endParaRPr lang="de-CH" dirty="0" smtClean="0"/>
+          </a:p>
+          <a:p>
+            <a:r>
+              <a:rPr lang="de-CH" dirty="0" smtClean="0"/>
+              <a:t>Fitnessfunktion wird vom Anwender definiert</a:t>
+            </a:r>
+          </a:p>
+          <a:p>
+            <a:endParaRPr lang="de-CH" dirty="0"/>
+          </a:p>
+          <a:p>
+            <a:r>
+              <a:rPr lang="de-CH" dirty="0" smtClean="0"/>
+              <a:t>Rechenintensive Aufgabe</a:t>
+            </a:r>
+          </a:p>
+          <a:p>
+            <a:endParaRPr lang="de-CH" dirty="0"/>
+          </a:p>
+          <a:p>
+            <a:r>
+              <a:rPr lang="de-CH" dirty="0" smtClean="0"/>
+              <a:t>Zurückgelegte Strecke der Individuen</a:t>
+            </a:r>
+            <a:endParaRPr lang="de-CH" dirty="0"/>
+          </a:p>
+          <a:p>
             <a:endParaRPr lang="de-CH" dirty="0"/>
           </a:p>
         </p:txBody>
       </p:sp>
       <p:sp>
         <p:nvSpPr>
-          <p:cNvPr id="4" name="Content Placeholder 3"/>
-          <p:cNvSpPr>
-            <a:spLocks noGrp="1"/>
-          </p:cNvSpPr>
-          <p:nvPr>
-            <p:ph sz="half" idx="2"/>
-          </p:nvPr>
-        </p:nvSpPr>
-        <p:spPr/>
-        <p:txBody>
-          <a:bodyPr/>
-          <a:lstStyle/>
-          <a:p>
-            <a:r>
-              <a:rPr lang="de-CH" sz="1800" dirty="0"/>
-              <a:t>Operieren auf dem </a:t>
-            </a:r>
-            <a:r>
-              <a:rPr lang="de-CH" sz="1800" dirty="0" smtClean="0"/>
-              <a:t>Genotyp</a:t>
-            </a:r>
-          </a:p>
-          <a:p>
-            <a:endParaRPr lang="de-CH" sz="1800" dirty="0" smtClean="0"/>
-          </a:p>
-          <a:p>
-            <a:r>
-              <a:rPr lang="de-CH" dirty="0"/>
-              <a:t>Position des Genoms wird mit </a:t>
-            </a:r>
-            <a:r>
-              <a:rPr lang="de-CH" dirty="0" smtClean="0"/>
-              <a:t>bestimmter </a:t>
-            </a:r>
-            <a:r>
-              <a:rPr lang="de-CH" dirty="0"/>
-              <a:t>Wahrscheinlichkeit mutiert</a:t>
-            </a:r>
-          </a:p>
-          <a:p>
-            <a:endParaRPr lang="de-CH" dirty="0"/>
-          </a:p>
-          <a:p>
-            <a:endParaRPr lang="de-CH" dirty="0"/>
-          </a:p>
-        </p:txBody>
-      </p:sp>
-      <p:sp>
-        <p:nvSpPr>
-          <p:cNvPr id="5" name="Text Placeholder 4"/>
-          <p:cNvSpPr>
-            <a:spLocks noGrp="1"/>
-          </p:cNvSpPr>
-          <p:nvPr>
-            <p:ph type="body" sz="quarter" idx="3"/>
-          </p:nvPr>
-        </p:nvSpPr>
-        <p:spPr/>
-        <p:txBody>
-          <a:bodyPr/>
-          <a:lstStyle/>
-          <a:p>
-            <a:r>
-              <a:rPr lang="de-CH" dirty="0" smtClean="0"/>
-              <a:t>Beispiel</a:t>
-            </a:r>
-            <a:endParaRPr lang="de-CH" dirty="0"/>
-          </a:p>
-        </p:txBody>
-      </p:sp>
-      <p:pic>
-        <p:nvPicPr>
-          <p:cNvPr id="10" name="Content Placeholder 9"/>
-          <p:cNvPicPr>
-            <a:picLocks noGrp="1" noChangeAspect="1"/>
-          </p:cNvPicPr>
-          <p:nvPr>
-            <p:ph sz="quarter" idx="4"/>
-          </p:nvPr>
-        </p:nvPicPr>
-        <p:blipFill>
-          <a:blip r:embed="rId2">
-            <a:extLst>
-              <a:ext uri="{28A0092B-C50C-407E-A947-70E740481C1C}">
-                <a14:useLocalDpi xmlns:a14="http://schemas.microsoft.com/office/drawing/2010/main" val="0"/>
-              </a:ext>
-            </a:extLst>
-          </a:blip>
-          <a:stretch>
-            <a:fillRect/>
-          </a:stretch>
-        </p:blipFill>
-        <p:spPr>
-          <a:xfrm>
-            <a:off x="5991046" y="3097400"/>
-            <a:ext cx="4754563" cy="1006440"/>
-          </a:xfrm>
-        </p:spPr>
-      </p:pic>
-      <p:sp>
-        <p:nvSpPr>
-          <p:cNvPr id="7" name="Date Placeholder 6"/>
+          <p:cNvPr id="4" name="Date Placeholder 3"/>
           <p:cNvSpPr>
             <a:spLocks noGrp="1"/>
           </p:cNvSpPr>
@@ -24991,17 +24928,17 @@
           <a:bodyPr/>
           <a:lstStyle/>
           <a:p>
-            <a:fld id="{5C5B847C-6AE1-407D-8FC4-CEB9DD334D02}" type="datetime1">
+            <a:fld id="{E6DD9CFA-7FDE-4C28-9438-98659B0FC9DB}" type="datetime1">
               <a:rPr lang="de-CH" smtClean="0"/>
               <a:t>28.06.2016</a:t>
             </a:fld>
-            <a:endParaRPr lang="de-CH"/>
+            <a:endParaRPr lang="de-CH" dirty="0"/>
           </a:p>
         </p:txBody>
       </p:sp>
       <p:sp>
         <p:nvSpPr>
-          <p:cNvPr id="8" name="Footer Placeholder 7"/>
+          <p:cNvPr id="5" name="Footer Placeholder 4"/>
           <p:cNvSpPr>
             <a:spLocks noGrp="1"/>
           </p:cNvSpPr>
@@ -25018,13 +24955,13 @@
               <a:rPr lang="de-CH" smtClean="0"/>
               <a:t>Design von artifiziellen Tieren mit evolutionären Algorithmen - F. Hediger, F. Tanner</a:t>
             </a:r>
-            <a:endParaRPr lang="de-CH"/>
+            <a:endParaRPr lang="de-CH" dirty="0"/>
           </a:p>
         </p:txBody>
       </p:sp>
       <p:sp>
         <p:nvSpPr>
-          <p:cNvPr id="9" name="Slide Number Placeholder 8"/>
+          <p:cNvPr id="6" name="Slide Number Placeholder 5"/>
           <p:cNvSpPr>
             <a:spLocks noGrp="1"/>
           </p:cNvSpPr>
@@ -25048,7 +24985,7 @@
     </p:spTree>
     <p:extLst>
       <p:ext uri="{BB962C8B-B14F-4D97-AF65-F5344CB8AC3E}">
-        <p14:creationId xmlns:p14="http://schemas.microsoft.com/office/powerpoint/2010/main" val="3609538531"/>
+        <p14:creationId xmlns:p14="http://schemas.microsoft.com/office/powerpoint/2010/main" val="157564526"/>
       </p:ext>
     </p:extLst>
   </p:cSld>
@@ -25084,7 +25021,7 @@
       </p:grpSpPr>
       <p:sp>
         <p:nvSpPr>
-          <p:cNvPr id="2" name="Title 1"/>
+          <p:cNvPr id="7" name="Title 6"/>
           <p:cNvSpPr>
             <a:spLocks noGrp="1"/>
           </p:cNvSpPr>
@@ -25098,16 +25035,8 @@
           <a:lstStyle/>
           <a:p>
             <a:r>
-              <a:rPr lang="de-CH" dirty="0" err="1" smtClean="0"/>
-              <a:t>EvolUtionäre</a:t>
-            </a:r>
-            <a:r>
               <a:rPr lang="de-CH" dirty="0" smtClean="0"/>
-              <a:t> </a:t>
-            </a:r>
-            <a:r>
-              <a:rPr lang="de-CH" dirty="0" err="1"/>
-              <a:t>AlGoRITHMEN</a:t>
+              <a:t>Selektionsstrategie</a:t>
             </a:r>
             <a:endParaRPr lang="de-CH" dirty="0"/>
           </a:p>
@@ -25115,7 +25044,7 @@
       </p:sp>
       <p:sp>
         <p:nvSpPr>
-          <p:cNvPr id="3" name="Text Placeholder 2"/>
+          <p:cNvPr id="8" name="Text Placeholder 7"/>
           <p:cNvSpPr>
             <a:spLocks noGrp="1"/>
           </p:cNvSpPr>
@@ -25130,7 +25059,7 @@
           <a:p>
             <a:r>
               <a:rPr lang="de-CH" dirty="0" smtClean="0"/>
-              <a:t>Typen</a:t>
+              <a:t>Allgemein</a:t>
             </a:r>
             <a:endParaRPr lang="de-CH" dirty="0"/>
           </a:p>
@@ -25138,7 +25067,7 @@
       </p:sp>
       <p:sp>
         <p:nvSpPr>
-          <p:cNvPr id="4" name="Content Placeholder 3"/>
+          <p:cNvPr id="9" name="Content Placeholder 8"/>
           <p:cNvSpPr>
             <a:spLocks noGrp="1"/>
           </p:cNvSpPr>
@@ -25151,57 +25080,65 @@
           <a:bodyPr/>
           <a:lstStyle/>
           <a:p>
-            <a:r>
-              <a:rPr lang="de-CH" dirty="0"/>
-              <a:t>Genetische </a:t>
-            </a:r>
-            <a:r>
-              <a:rPr lang="de-CH" dirty="0" smtClean="0"/>
-              <a:t>Programmierung</a:t>
-            </a:r>
-          </a:p>
-          <a:p>
+            <a:pPr marL="91440" lvl="1" indent="-91440">
+              <a:spcBef>
+                <a:spcPts val="1200"/>
+              </a:spcBef>
+              <a:spcAft>
+                <a:spcPts val="200"/>
+              </a:spcAft>
+              <a:buSzPct val="100000"/>
+              <a:buFont typeface="Wingdings" panose="05000000000000000000" pitchFamily="2" charset="2"/>
+              <a:buChar char="§"/>
+            </a:pPr>
+            <a:r>
+              <a:rPr lang="de-CH" sz="1800" dirty="0"/>
+              <a:t>Selektion der Individuen zur Reproduktion</a:t>
+            </a:r>
+          </a:p>
+          <a:p>
+            <a:pPr marL="91440" lvl="1" indent="-91440">
+              <a:spcBef>
+                <a:spcPts val="1200"/>
+              </a:spcBef>
+              <a:spcAft>
+                <a:spcPts val="200"/>
+              </a:spcAft>
+              <a:buSzPct val="100000"/>
+              <a:buFont typeface="Wingdings" panose="05000000000000000000" pitchFamily="2" charset="2"/>
+              <a:buChar char="§"/>
+            </a:pPr>
             <a:endParaRPr lang="de-CH" dirty="0" smtClean="0"/>
           </a:p>
           <a:p>
-            <a:r>
-              <a:rPr lang="de-CH" dirty="0"/>
-              <a:t>Genetische </a:t>
-            </a:r>
-            <a:r>
-              <a:rPr lang="de-CH" dirty="0" smtClean="0"/>
-              <a:t>Algorithmen</a:t>
-            </a:r>
-          </a:p>
-          <a:p>
-            <a:endParaRPr lang="de-CH" dirty="0" smtClean="0"/>
-          </a:p>
-          <a:p>
-            <a:r>
-              <a:rPr lang="de-CH" dirty="0"/>
-              <a:t>Evolutionäre </a:t>
-            </a:r>
-            <a:r>
-              <a:rPr lang="de-CH" dirty="0" smtClean="0"/>
-              <a:t>Programmierung</a:t>
-            </a:r>
-          </a:p>
-          <a:p>
-            <a:endParaRPr lang="de-CH" dirty="0" smtClean="0"/>
-          </a:p>
-          <a:p>
-            <a:r>
-              <a:rPr lang="de-CH" dirty="0"/>
-              <a:t>Evolutionäre Strategien</a:t>
-            </a:r>
-          </a:p>
-          <a:p>
-            <a:endParaRPr lang="de-CH" dirty="0"/>
-          </a:p>
-          <a:p>
-            <a:endParaRPr lang="de-CH" dirty="0"/>
-          </a:p>
-          <a:p>
+            <a:pPr marL="91440" lvl="1" indent="-91440">
+              <a:spcBef>
+                <a:spcPts val="1200"/>
+              </a:spcBef>
+              <a:spcAft>
+                <a:spcPts val="200"/>
+              </a:spcAft>
+              <a:buSzPct val="100000"/>
+              <a:buFont typeface="Wingdings" panose="05000000000000000000" pitchFamily="2" charset="2"/>
+              <a:buChar char="§"/>
+            </a:pPr>
+            <a:r>
+              <a:rPr lang="de-CH" sz="1800" dirty="0"/>
+              <a:t>Erhaltung der Diversität</a:t>
+            </a:r>
+          </a:p>
+          <a:p>
+            <a:pPr marL="91440" lvl="1" indent="-91440">
+              <a:spcBef>
+                <a:spcPts val="1200"/>
+              </a:spcBef>
+              <a:spcAft>
+                <a:spcPts val="200"/>
+              </a:spcAft>
+              <a:buSzPct val="100000"/>
+              <a:buFont typeface="Wingdings" panose="05000000000000000000" pitchFamily="2" charset="2"/>
+              <a:buChar char="§"/>
+            </a:pPr>
             <a:endParaRPr lang="de-CH" dirty="0"/>
           </a:p>
           <a:p>
@@ -25211,7 +25148,7 @@
       </p:sp>
       <p:sp>
         <p:nvSpPr>
-          <p:cNvPr id="5" name="Text Placeholder 4"/>
+          <p:cNvPr id="10" name="Text Placeholder 9"/>
           <p:cNvSpPr>
             <a:spLocks noGrp="1"/>
           </p:cNvSpPr>
@@ -25226,56 +25163,44 @@
           <a:p>
             <a:r>
               <a:rPr lang="de-CH" dirty="0" smtClean="0"/>
-              <a:t>Evolutionäre Programmierung</a:t>
+              <a:t>Turnierbasierte Selektion</a:t>
             </a:r>
             <a:endParaRPr lang="de-CH" dirty="0"/>
           </a:p>
         </p:txBody>
       </p:sp>
-      <p:sp>
-        <p:nvSpPr>
-          <p:cNvPr id="6" name="Content Placeholder 5"/>
-          <p:cNvSpPr>
-            <a:spLocks noGrp="1"/>
-          </p:cNvSpPr>
+      <p:pic>
+        <p:nvPicPr>
+          <p:cNvPr id="12" name="Content Placeholder 11"/>
+          <p:cNvPicPr>
+            <a:picLocks noGrp="1" noChangeAspect="1"/>
+          </p:cNvPicPr>
           <p:nvPr>
             <p:ph sz="quarter" idx="4"/>
           </p:nvPr>
-        </p:nvSpPr>
-        <p:spPr/>
-        <p:txBody>
-          <a:bodyPr/>
-          <a:lstStyle/>
-          <a:p>
-            <a:r>
-              <a:rPr lang="de-CH" dirty="0" smtClean="0"/>
-              <a:t>Turnierbasierte Selektion</a:t>
-            </a:r>
-          </a:p>
-          <a:p>
-            <a:endParaRPr lang="de-CH" dirty="0" smtClean="0"/>
-          </a:p>
-          <a:p>
-            <a:r>
-              <a:rPr lang="de-CH" dirty="0" smtClean="0"/>
-              <a:t>Reale-Werte-Repräsentation</a:t>
-            </a:r>
-          </a:p>
-          <a:p>
-            <a:endParaRPr lang="de-CH" dirty="0" smtClean="0"/>
-          </a:p>
-          <a:p>
-            <a:r>
-              <a:rPr lang="de-CH" dirty="0" smtClean="0"/>
-              <a:t>Mutation, aber keine Rekombination</a:t>
-            </a:r>
-            <a:endParaRPr lang="de-CH" dirty="0"/>
-          </a:p>
-        </p:txBody>
-      </p:sp>
+        </p:nvPicPr>
+        <p:blipFill>
+          <a:blip r:embed="rId2">
+            <a:extLst>
+              <a:ext uri="{28A0092B-C50C-407E-A947-70E740481C1C}">
+                <a14:useLocalDpi xmlns:a14="http://schemas.microsoft.com/office/drawing/2010/main" val="0"/>
+              </a:ext>
+            </a:extLst>
+          </a:blip>
+          <a:stretch>
+            <a:fillRect/>
+          </a:stretch>
+        </p:blipFill>
+        <p:spPr>
+          <a:xfrm>
+            <a:off x="5884164" y="2903976"/>
+            <a:ext cx="4330073" cy="3341687"/>
+          </a:xfrm>
+        </p:spPr>
+      </p:pic>
       <p:sp>
         <p:nvSpPr>
-          <p:cNvPr id="7" name="Date Placeholder 6"/>
+          <p:cNvPr id="4" name="Date Placeholder 3"/>
           <p:cNvSpPr>
             <a:spLocks noGrp="1"/>
           </p:cNvSpPr>
@@ -25288,17 +25213,17 @@
           <a:bodyPr/>
           <a:lstStyle/>
           <a:p>
-            <a:fld id="{5C5B847C-6AE1-407D-8FC4-CEB9DD334D02}" type="datetime1">
+            <a:fld id="{E6DD9CFA-7FDE-4C28-9438-98659B0FC9DB}" type="datetime1">
               <a:rPr lang="de-CH" smtClean="0"/>
               <a:t>28.06.2016</a:t>
             </a:fld>
-            <a:endParaRPr lang="de-CH"/>
+            <a:endParaRPr lang="de-CH" dirty="0"/>
           </a:p>
         </p:txBody>
       </p:sp>
       <p:sp>
         <p:nvSpPr>
-          <p:cNvPr id="8" name="Footer Placeholder 7"/>
+          <p:cNvPr id="5" name="Footer Placeholder 4"/>
           <p:cNvSpPr>
             <a:spLocks noGrp="1"/>
           </p:cNvSpPr>
@@ -25315,13 +25240,13 @@
               <a:rPr lang="de-CH" smtClean="0"/>
               <a:t>Design von artifiziellen Tieren mit evolutionären Algorithmen - F. Hediger, F. Tanner</a:t>
             </a:r>
-            <a:endParaRPr lang="de-CH"/>
+            <a:endParaRPr lang="de-CH" dirty="0"/>
           </a:p>
         </p:txBody>
       </p:sp>
       <p:sp>
         <p:nvSpPr>
-          <p:cNvPr id="9" name="Slide Number Placeholder 8"/>
+          <p:cNvPr id="6" name="Slide Number Placeholder 5"/>
           <p:cNvSpPr>
             <a:spLocks noGrp="1"/>
           </p:cNvSpPr>
@@ -25345,7 +25270,7 @@
     </p:spTree>
     <p:extLst>
       <p:ext uri="{BB962C8B-B14F-4D97-AF65-F5344CB8AC3E}">
-        <p14:creationId xmlns:p14="http://schemas.microsoft.com/office/powerpoint/2010/main" val="1661142964"/>
+        <p14:creationId xmlns:p14="http://schemas.microsoft.com/office/powerpoint/2010/main" val="2659115935"/>
       </p:ext>
     </p:extLst>
   </p:cSld>
@@ -25395,12 +25320,8 @@
           <a:lstStyle/>
           <a:p>
             <a:r>
-              <a:rPr lang="de-CH" dirty="0" err="1" smtClean="0"/>
-              <a:t>EvolutiOnäre</a:t>
-            </a:r>
-            <a:r>
               <a:rPr lang="de-CH" dirty="0" smtClean="0"/>
-              <a:t> Programmierung</a:t>
+              <a:t>Mutation</a:t>
             </a:r>
             <a:endParaRPr lang="de-CH" dirty="0"/>
           </a:p>
@@ -25408,12 +25329,12 @@
       </p:sp>
       <p:sp>
         <p:nvSpPr>
-          <p:cNvPr id="3" name="Content Placeholder 2"/>
+          <p:cNvPr id="3" name="Text Placeholder 2"/>
           <p:cNvSpPr>
             <a:spLocks noGrp="1"/>
           </p:cNvSpPr>
           <p:nvPr>
-            <p:ph idx="1"/>
+            <p:ph type="body" idx="1"/>
           </p:nvPr>
         </p:nvSpPr>
         <p:spPr/>
@@ -25422,49 +25343,117 @@
           <a:lstStyle/>
           <a:p>
             <a:r>
-              <a:rPr lang="de-CH" dirty="0" err="1" smtClean="0"/>
-              <a:t>Creator</a:t>
-            </a:r>
-            <a:r>
               <a:rPr lang="de-CH" dirty="0" smtClean="0"/>
-              <a:t> </a:t>
-            </a:r>
-            <a:r>
-              <a:rPr lang="de-CH" dirty="0" err="1" smtClean="0"/>
-              <a:t>invento</a:t>
-            </a:r>
-            <a:endParaRPr lang="de-CH" dirty="0" smtClean="0"/>
-          </a:p>
-          <a:p>
-            <a:r>
-              <a:rPr lang="de-CH" dirty="0" smtClean="0"/>
-              <a:t>… </a:t>
-            </a:r>
-            <a:r>
-              <a:rPr lang="de-CH" dirty="0" err="1" smtClean="0"/>
-              <a:t>use</a:t>
-            </a:r>
-            <a:r>
-              <a:rPr lang="de-CH" dirty="0" smtClean="0"/>
-              <a:t> </a:t>
-            </a:r>
-            <a:r>
-              <a:rPr lang="de-CH" dirty="0" err="1" smtClean="0"/>
-              <a:t>mdf</a:t>
-            </a:r>
-            <a:endParaRPr lang="de-CH" dirty="0" smtClean="0"/>
-          </a:p>
-          <a:p>
-            <a:pPr marL="0" indent="0">
-              <a:buNone/>
-            </a:pPr>
+              <a:t>Allgemein</a:t>
+            </a:r>
             <a:endParaRPr lang="de-CH" dirty="0"/>
           </a:p>
         </p:txBody>
       </p:sp>
       <p:sp>
         <p:nvSpPr>
-          <p:cNvPr id="4" name="Date Placeholder 3"/>
+          <p:cNvPr id="4" name="Content Placeholder 3"/>
+          <p:cNvSpPr>
+            <a:spLocks noGrp="1"/>
+          </p:cNvSpPr>
+          <p:nvPr>
+            <p:ph sz="half" idx="2"/>
+          </p:nvPr>
+        </p:nvSpPr>
+        <p:spPr/>
+        <p:txBody>
+          <a:bodyPr/>
+          <a:lstStyle/>
+          <a:p>
+            <a:r>
+              <a:rPr lang="de-CH" sz="1800" dirty="0"/>
+              <a:t>Operieren auf dem </a:t>
+            </a:r>
+            <a:r>
+              <a:rPr lang="de-CH" sz="1800" dirty="0" smtClean="0"/>
+              <a:t>Genotyp</a:t>
+            </a:r>
+          </a:p>
+          <a:p>
+            <a:endParaRPr lang="de-CH" sz="1800" dirty="0" smtClean="0"/>
+          </a:p>
+          <a:p>
+            <a:r>
+              <a:rPr lang="de-CH" dirty="0"/>
+              <a:t>Position des Genoms wird mit </a:t>
+            </a:r>
+            <a:r>
+              <a:rPr lang="de-CH" dirty="0" smtClean="0"/>
+              <a:t>bestimmter </a:t>
+            </a:r>
+            <a:r>
+              <a:rPr lang="de-CH" dirty="0"/>
+              <a:t>Wahrscheinlichkeit mutiert</a:t>
+            </a:r>
+          </a:p>
+          <a:p>
+            <a:endParaRPr lang="de-CH" dirty="0"/>
+          </a:p>
+          <a:p>
+            <a:endParaRPr lang="de-CH" dirty="0"/>
+          </a:p>
+        </p:txBody>
+      </p:sp>
+      <p:sp>
+        <p:nvSpPr>
+          <p:cNvPr id="5" name="Text Placeholder 4"/>
+          <p:cNvSpPr>
+            <a:spLocks noGrp="1"/>
+          </p:cNvSpPr>
+          <p:nvPr>
+            <p:ph type="body" sz="quarter" idx="3"/>
+          </p:nvPr>
+        </p:nvSpPr>
+        <p:spPr/>
+        <p:txBody>
+          <a:bodyPr/>
+          <a:lstStyle/>
+          <a:p>
+            <a:r>
+              <a:rPr lang="de-CH" dirty="0" smtClean="0"/>
+              <a:t>Beispiel</a:t>
+            </a:r>
+            <a:endParaRPr lang="de-CH" dirty="0"/>
+          </a:p>
+        </p:txBody>
+      </p:sp>
+      <p:pic>
+        <p:nvPicPr>
+          <p:cNvPr id="10" name="Content Placeholder 9"/>
+          <p:cNvPicPr>
+            <a:picLocks noGrp="1" noChangeAspect="1"/>
+          </p:cNvPicPr>
+          <p:nvPr>
+            <p:ph sz="quarter" idx="4"/>
+          </p:nvPr>
+        </p:nvPicPr>
+        <p:blipFill>
+          <a:blip r:embed="rId2">
+            <a:extLst>
+              <a:ext uri="{28A0092B-C50C-407E-A947-70E740481C1C}">
+                <a14:useLocalDpi xmlns:a14="http://schemas.microsoft.com/office/drawing/2010/main" val="0"/>
+              </a:ext>
+            </a:extLst>
+          </a:blip>
+          <a:stretch>
+            <a:fillRect/>
+          </a:stretch>
+        </p:blipFill>
+        <p:spPr>
+          <a:xfrm>
+            <a:off x="5991046" y="3097400"/>
+            <a:ext cx="4754563" cy="1006440"/>
+          </a:xfrm>
+        </p:spPr>
+      </p:pic>
+      <p:sp>
+        <p:nvSpPr>
+          <p:cNvPr id="7" name="Date Placeholder 6"/>
           <p:cNvSpPr>
             <a:spLocks noGrp="1"/>
           </p:cNvSpPr>
@@ -25477,17 +25466,17 @@
           <a:bodyPr/>
           <a:lstStyle/>
           <a:p>
-            <a:fld id="{E6DD9CFA-7FDE-4C28-9438-98659B0FC9DB}" type="datetime1">
+            <a:fld id="{5C5B847C-6AE1-407D-8FC4-CEB9DD334D02}" type="datetime1">
               <a:rPr lang="de-CH" smtClean="0"/>
               <a:t>28.06.2016</a:t>
             </a:fld>
-            <a:endParaRPr lang="de-CH" dirty="0"/>
+            <a:endParaRPr lang="de-CH"/>
           </a:p>
         </p:txBody>
       </p:sp>
       <p:sp>
         <p:nvSpPr>
-          <p:cNvPr id="5" name="Footer Placeholder 4"/>
+          <p:cNvPr id="8" name="Footer Placeholder 7"/>
           <p:cNvSpPr>
             <a:spLocks noGrp="1"/>
           </p:cNvSpPr>
@@ -25504,13 +25493,13 @@
               <a:rPr lang="de-CH" smtClean="0"/>
               <a:t>Design von artifiziellen Tieren mit evolutionären Algorithmen - F. Hediger, F. Tanner</a:t>
             </a:r>
-            <a:endParaRPr lang="de-CH" dirty="0"/>
+            <a:endParaRPr lang="de-CH"/>
           </a:p>
         </p:txBody>
       </p:sp>
       <p:sp>
         <p:nvSpPr>
-          <p:cNvPr id="6" name="Slide Number Placeholder 5"/>
+          <p:cNvPr id="9" name="Slide Number Placeholder 8"/>
           <p:cNvSpPr>
             <a:spLocks noGrp="1"/>
           </p:cNvSpPr>
@@ -25534,7 +25523,7 @@
     </p:spTree>
     <p:extLst>
       <p:ext uri="{BB962C8B-B14F-4D97-AF65-F5344CB8AC3E}">
-        <p14:creationId xmlns:p14="http://schemas.microsoft.com/office/powerpoint/2010/main" val="750105664"/>
+        <p14:creationId xmlns:p14="http://schemas.microsoft.com/office/powerpoint/2010/main" val="3609538531"/>
       </p:ext>
     </p:extLst>
   </p:cSld>
@@ -25584,20 +25573,29 @@
           <a:lstStyle/>
           <a:p>
             <a:r>
-              <a:rPr lang="de-CH" dirty="0"/>
-              <a:t>Methoden</a:t>
-            </a:r>
+              <a:rPr lang="de-CH" dirty="0" err="1" smtClean="0"/>
+              <a:t>EvolUtionäre</a:t>
+            </a:r>
+            <a:r>
+              <a:rPr lang="de-CH" dirty="0" smtClean="0"/>
+              <a:t> </a:t>
+            </a:r>
+            <a:r>
+              <a:rPr lang="de-CH" dirty="0" err="1"/>
+              <a:t>AlGoRITHMEN</a:t>
+            </a:r>
+            <a:endParaRPr lang="de-CH" dirty="0"/>
           </a:p>
         </p:txBody>
       </p:sp>
       <p:sp>
         <p:nvSpPr>
-          <p:cNvPr id="3" name="Content Placeholder 2"/>
+          <p:cNvPr id="3" name="Text Placeholder 2"/>
           <p:cNvSpPr>
             <a:spLocks noGrp="1"/>
           </p:cNvSpPr>
           <p:nvPr>
-            <p:ph idx="1"/>
+            <p:ph type="body" idx="1"/>
           </p:nvPr>
         </p:nvSpPr>
         <p:spPr/>
@@ -25607,87 +25605,7 @@
           <a:p>
             <a:r>
               <a:rPr lang="de-CH" dirty="0" smtClean="0"/>
-              <a:t>Design der Individuen</a:t>
-            </a:r>
-          </a:p>
-          <a:p>
-            <a:r>
-              <a:rPr lang="de-CH" dirty="0" smtClean="0"/>
-              <a:t>Bewegungsablauf</a:t>
-            </a:r>
-          </a:p>
-          <a:p>
-            <a:pPr lvl="1"/>
-            <a:r>
-              <a:rPr lang="de-CH" dirty="0"/>
-              <a:t>Wie kann eine Steuerung der Bewegung implementiert</a:t>
-            </a:r>
-            <a:br>
-              <a:rPr lang="de-CH" dirty="0"/>
-            </a:br>
-            <a:r>
-              <a:rPr lang="de-CH" dirty="0"/>
-              <a:t>werden</a:t>
-            </a:r>
-            <a:r>
-              <a:rPr lang="de-CH" dirty="0" smtClean="0"/>
-              <a:t>?</a:t>
-            </a:r>
-          </a:p>
-          <a:p>
-            <a:pPr lvl="1"/>
-            <a:r>
-              <a:rPr lang="de-CH" dirty="0"/>
-              <a:t>Wie kann diese Steuerung evolviert werden?</a:t>
-            </a:r>
-          </a:p>
-          <a:p>
-            <a:r>
-              <a:rPr lang="de-CH" dirty="0" smtClean="0"/>
-              <a:t>Auswahl des Evolutionären Algorithmus</a:t>
-            </a:r>
-          </a:p>
-          <a:p>
-            <a:r>
-              <a:rPr lang="de-CH" dirty="0" smtClean="0"/>
-              <a:t>Eingesetzte Technologien</a:t>
-            </a:r>
-          </a:p>
-          <a:p>
-            <a:pPr lvl="1"/>
-            <a:r>
-              <a:rPr lang="de-CH" dirty="0" smtClean="0"/>
-              <a:t>Probleme Kreise, Verhacken </a:t>
-            </a:r>
-            <a:r>
-              <a:rPr lang="de-CH" dirty="0" err="1" smtClean="0"/>
-              <a:t>etc</a:t>
-            </a:r>
-            <a:r>
-              <a:rPr lang="de-CH" dirty="0" smtClean="0"/>
-              <a:t> (</a:t>
-            </a:r>
-            <a:r>
-              <a:rPr lang="de-CH" dirty="0" err="1" smtClean="0"/>
-              <a:t>remove</a:t>
-            </a:r>
-            <a:r>
-              <a:rPr lang="de-CH" dirty="0" smtClean="0"/>
-              <a:t> </a:t>
-            </a:r>
-            <a:r>
-              <a:rPr lang="de-CH" dirty="0" err="1" smtClean="0"/>
-              <a:t>me</a:t>
-            </a:r>
-            <a:r>
-              <a:rPr lang="de-CH" dirty="0" smtClean="0"/>
-              <a:t>)</a:t>
-            </a:r>
-          </a:p>
-          <a:p>
-            <a:r>
-              <a:rPr lang="de-CH" dirty="0" smtClean="0"/>
-              <a:t>Ablauf Simulation</a:t>
+              <a:t>Typen</a:t>
             </a:r>
             <a:endParaRPr lang="de-CH" dirty="0"/>
           </a:p>
@@ -25695,7 +25613,144 @@
       </p:sp>
       <p:sp>
         <p:nvSpPr>
-          <p:cNvPr id="4" name="Date Placeholder 3"/>
+          <p:cNvPr id="4" name="Content Placeholder 3"/>
+          <p:cNvSpPr>
+            <a:spLocks noGrp="1"/>
+          </p:cNvSpPr>
+          <p:nvPr>
+            <p:ph sz="half" idx="2"/>
+          </p:nvPr>
+        </p:nvSpPr>
+        <p:spPr/>
+        <p:txBody>
+          <a:bodyPr/>
+          <a:lstStyle/>
+          <a:p>
+            <a:r>
+              <a:rPr lang="de-CH" dirty="0"/>
+              <a:t>Genetische </a:t>
+            </a:r>
+            <a:r>
+              <a:rPr lang="de-CH" dirty="0" smtClean="0"/>
+              <a:t>Programmierung</a:t>
+            </a:r>
+          </a:p>
+          <a:p>
+            <a:endParaRPr lang="de-CH" dirty="0" smtClean="0"/>
+          </a:p>
+          <a:p>
+            <a:r>
+              <a:rPr lang="de-CH" dirty="0"/>
+              <a:t>Genetische </a:t>
+            </a:r>
+            <a:r>
+              <a:rPr lang="de-CH" dirty="0" smtClean="0"/>
+              <a:t>Algorithmen</a:t>
+            </a:r>
+          </a:p>
+          <a:p>
+            <a:endParaRPr lang="de-CH" dirty="0" smtClean="0"/>
+          </a:p>
+          <a:p>
+            <a:r>
+              <a:rPr lang="de-CH" dirty="0"/>
+              <a:t>Evolutionäre </a:t>
+            </a:r>
+            <a:r>
+              <a:rPr lang="de-CH" dirty="0" smtClean="0"/>
+              <a:t>Programmierung</a:t>
+            </a:r>
+          </a:p>
+          <a:p>
+            <a:endParaRPr lang="de-CH" dirty="0" smtClean="0"/>
+          </a:p>
+          <a:p>
+            <a:r>
+              <a:rPr lang="de-CH" dirty="0"/>
+              <a:t>Evolutionäre Strategien</a:t>
+            </a:r>
+          </a:p>
+          <a:p>
+            <a:endParaRPr lang="de-CH" dirty="0"/>
+          </a:p>
+          <a:p>
+            <a:endParaRPr lang="de-CH" dirty="0"/>
+          </a:p>
+          <a:p>
+            <a:endParaRPr lang="de-CH" dirty="0"/>
+          </a:p>
+          <a:p>
+            <a:endParaRPr lang="de-CH" dirty="0"/>
+          </a:p>
+        </p:txBody>
+      </p:sp>
+      <p:sp>
+        <p:nvSpPr>
+          <p:cNvPr id="5" name="Text Placeholder 4"/>
+          <p:cNvSpPr>
+            <a:spLocks noGrp="1"/>
+          </p:cNvSpPr>
+          <p:nvPr>
+            <p:ph type="body" sz="quarter" idx="3"/>
+          </p:nvPr>
+        </p:nvSpPr>
+        <p:spPr/>
+        <p:txBody>
+          <a:bodyPr/>
+          <a:lstStyle/>
+          <a:p>
+            <a:r>
+              <a:rPr lang="de-CH" dirty="0" smtClean="0"/>
+              <a:t>Evolutionäre Programmierung</a:t>
+            </a:r>
+            <a:endParaRPr lang="de-CH" dirty="0"/>
+          </a:p>
+        </p:txBody>
+      </p:sp>
+      <p:sp>
+        <p:nvSpPr>
+          <p:cNvPr id="6" name="Content Placeholder 5"/>
+          <p:cNvSpPr>
+            <a:spLocks noGrp="1"/>
+          </p:cNvSpPr>
+          <p:nvPr>
+            <p:ph sz="quarter" idx="4"/>
+          </p:nvPr>
+        </p:nvSpPr>
+        <p:spPr/>
+        <p:txBody>
+          <a:bodyPr/>
+          <a:lstStyle/>
+          <a:p>
+            <a:r>
+              <a:rPr lang="de-CH" dirty="0" smtClean="0"/>
+              <a:t>Turnierbasierte Selektion</a:t>
+            </a:r>
+          </a:p>
+          <a:p>
+            <a:endParaRPr lang="de-CH" dirty="0" smtClean="0"/>
+          </a:p>
+          <a:p>
+            <a:r>
+              <a:rPr lang="de-CH" dirty="0" smtClean="0"/>
+              <a:t>Reale-Werte-Repräsentation</a:t>
+            </a:r>
+          </a:p>
+          <a:p>
+            <a:endParaRPr lang="de-CH" dirty="0" smtClean="0"/>
+          </a:p>
+          <a:p>
+            <a:r>
+              <a:rPr lang="de-CH" dirty="0" smtClean="0"/>
+              <a:t>Mutation, aber keine Rekombination</a:t>
+            </a:r>
+            <a:endParaRPr lang="de-CH" dirty="0"/>
+          </a:p>
+        </p:txBody>
+      </p:sp>
+      <p:sp>
+        <p:nvSpPr>
+          <p:cNvPr id="7" name="Date Placeholder 6"/>
           <p:cNvSpPr>
             <a:spLocks noGrp="1"/>
           </p:cNvSpPr>
@@ -25708,17 +25763,40 @@
           <a:bodyPr/>
           <a:lstStyle/>
           <a:p>
-            <a:fld id="{F272425D-F560-4931-862B-3A57BAA1F897}" type="datetime1">
+            <a:fld id="{5C5B847C-6AE1-407D-8FC4-CEB9DD334D02}" type="datetime1">
               <a:rPr lang="de-CH" smtClean="0"/>
               <a:t>28.06.2016</a:t>
             </a:fld>
-            <a:endParaRPr lang="de-CH" dirty="0"/>
+            <a:endParaRPr lang="de-CH"/>
           </a:p>
         </p:txBody>
       </p:sp>
       <p:sp>
         <p:nvSpPr>
-          <p:cNvPr id="5" name="Slide Number Placeholder 4"/>
+          <p:cNvPr id="8" name="Footer Placeholder 7"/>
+          <p:cNvSpPr>
+            <a:spLocks noGrp="1"/>
+          </p:cNvSpPr>
+          <p:nvPr>
+            <p:ph type="ftr" sz="quarter" idx="11"/>
+          </p:nvPr>
+        </p:nvSpPr>
+        <p:spPr/>
+        <p:txBody>
+          <a:bodyPr/>
+          <a:lstStyle/>
+          <a:p>
+            <a:r>
+              <a:rPr lang="de-CH" smtClean="0"/>
+              <a:t>Design von artifiziellen Tieren mit evolutionären Algorithmen - F. Hediger, F. Tanner</a:t>
+            </a:r>
+            <a:endParaRPr lang="de-CH"/>
+          </a:p>
+        </p:txBody>
+      </p:sp>
+      <p:sp>
+        <p:nvSpPr>
+          <p:cNvPr id="9" name="Slide Number Placeholder 8"/>
           <p:cNvSpPr>
             <a:spLocks noGrp="1"/>
           </p:cNvSpPr>
@@ -25739,33 +25817,10 @@
           </a:p>
         </p:txBody>
       </p:sp>
-      <p:sp>
-        <p:nvSpPr>
-          <p:cNvPr id="6" name="Footer Placeholder 5"/>
-          <p:cNvSpPr>
-            <a:spLocks noGrp="1"/>
-          </p:cNvSpPr>
-          <p:nvPr>
-            <p:ph type="ftr" sz="quarter" idx="11"/>
-          </p:nvPr>
-        </p:nvSpPr>
-        <p:spPr/>
-        <p:txBody>
-          <a:bodyPr/>
-          <a:lstStyle/>
-          <a:p>
-            <a:r>
-              <a:rPr lang="de-CH" smtClean="0"/>
-              <a:t>Design von artifiziellen Tieren mit evolutionären Algorithmen - F. Hediger, F. Tanner</a:t>
-            </a:r>
-            <a:endParaRPr lang="de-CH" dirty="0"/>
-          </a:p>
-        </p:txBody>
-      </p:sp>
     </p:spTree>
     <p:extLst>
       <p:ext uri="{BB962C8B-B14F-4D97-AF65-F5344CB8AC3E}">
-        <p14:creationId xmlns:p14="http://schemas.microsoft.com/office/powerpoint/2010/main" val="450688292"/>
+        <p14:creationId xmlns:p14="http://schemas.microsoft.com/office/powerpoint/2010/main" val="1661142964"/>
       </p:ext>
     </p:extLst>
   </p:cSld>
@@ -25816,8 +25871,111 @@
           <a:p>
             <a:r>
               <a:rPr lang="de-CH" dirty="0"/>
-              <a:t>Zeitraffer des Bewegungsablaufs</a:t>
-            </a:r>
+              <a:t>Methoden</a:t>
+            </a:r>
+          </a:p>
+        </p:txBody>
+      </p:sp>
+      <p:sp>
+        <p:nvSpPr>
+          <p:cNvPr id="3" name="Content Placeholder 2"/>
+          <p:cNvSpPr>
+            <a:spLocks noGrp="1"/>
+          </p:cNvSpPr>
+          <p:nvPr>
+            <p:ph idx="1"/>
+          </p:nvPr>
+        </p:nvSpPr>
+        <p:spPr/>
+        <p:txBody>
+          <a:bodyPr/>
+          <a:lstStyle/>
+          <a:p>
+            <a:r>
+              <a:rPr lang="de-CH" dirty="0" smtClean="0"/>
+              <a:t>Design der Individuen</a:t>
+            </a:r>
+          </a:p>
+          <a:p>
+            <a:r>
+              <a:rPr lang="de-CH" dirty="0" smtClean="0"/>
+              <a:t>Bewegungsablauf</a:t>
+            </a:r>
+          </a:p>
+          <a:p>
+            <a:pPr lvl="1"/>
+            <a:r>
+              <a:rPr lang="de-CH" dirty="0"/>
+              <a:t>Wie kann eine Steuerung der Bewegung implementiert</a:t>
+            </a:r>
+            <a:br>
+              <a:rPr lang="de-CH" dirty="0"/>
+            </a:br>
+            <a:r>
+              <a:rPr lang="de-CH" dirty="0"/>
+              <a:t>werden</a:t>
+            </a:r>
+            <a:r>
+              <a:rPr lang="de-CH" dirty="0" smtClean="0"/>
+              <a:t>?</a:t>
+            </a:r>
+          </a:p>
+          <a:p>
+            <a:pPr lvl="1"/>
+            <a:r>
+              <a:rPr lang="de-CH" dirty="0"/>
+              <a:t>Wie kann diese Steuerung evolviert werden?</a:t>
+            </a:r>
+          </a:p>
+          <a:p>
+            <a:r>
+              <a:rPr lang="de-CH" dirty="0" smtClean="0"/>
+              <a:t>Auswahl des Evolutionären Algorithmus</a:t>
+            </a:r>
+          </a:p>
+          <a:p>
+            <a:r>
+              <a:rPr lang="de-CH" dirty="0" smtClean="0"/>
+              <a:t>Eingesetzte Technologien</a:t>
+            </a:r>
+          </a:p>
+          <a:p>
+            <a:pPr lvl="1"/>
+            <a:r>
+              <a:rPr lang="de-CH" dirty="0" smtClean="0"/>
+              <a:t>Probleme Kreise, Verhacken </a:t>
+            </a:r>
+            <a:r>
+              <a:rPr lang="de-CH" dirty="0" err="1" smtClean="0"/>
+              <a:t>etc</a:t>
+            </a:r>
+            <a:r>
+              <a:rPr lang="de-CH" dirty="0" smtClean="0"/>
+              <a:t> (</a:t>
+            </a:r>
+            <a:r>
+              <a:rPr lang="de-CH" dirty="0" err="1" smtClean="0"/>
+              <a:t>remove</a:t>
+            </a:r>
+            <a:r>
+              <a:rPr lang="de-CH" dirty="0" smtClean="0"/>
+              <a:t> </a:t>
+            </a:r>
+            <a:r>
+              <a:rPr lang="de-CH" dirty="0" err="1" smtClean="0"/>
+              <a:t>me</a:t>
+            </a:r>
+            <a:r>
+              <a:rPr lang="de-CH" dirty="0" smtClean="0"/>
+              <a:t>)</a:t>
+            </a:r>
+          </a:p>
+          <a:p>
+            <a:r>
+              <a:rPr lang="de-CH" dirty="0" smtClean="0"/>
+              <a:t>Ablauf Simulation</a:t>
+            </a:r>
+            <a:endParaRPr lang="de-CH" dirty="0"/>
           </a:p>
         </p:txBody>
       </p:sp>
@@ -25836,7 +25994,7 @@
           <a:bodyPr/>
           <a:lstStyle/>
           <a:p>
-            <a:fld id="{89E1AB69-9DBB-444C-B94A-747DEDADEEF9}" type="datetime1">
+            <a:fld id="{F272425D-F560-4931-862B-3A57BAA1F897}" type="datetime1">
               <a:rPr lang="de-CH" smtClean="0"/>
               <a:t>28.06.2016</a:t>
             </a:fld>
@@ -25890,29 +26048,10 @@
           </a:p>
         </p:txBody>
       </p:sp>
-      <p:sp>
-        <p:nvSpPr>
-          <p:cNvPr id="10" name="Content Placeholder 9"/>
-          <p:cNvSpPr>
-            <a:spLocks noGrp="1"/>
-          </p:cNvSpPr>
-          <p:nvPr>
-            <p:ph idx="1"/>
-          </p:nvPr>
-        </p:nvSpPr>
-        <p:spPr/>
-        <p:txBody>
-          <a:bodyPr/>
-          <a:lstStyle/>
-          <a:p>
-            <a:endParaRPr lang="de-CH"/>
-          </a:p>
-        </p:txBody>
-      </p:sp>
     </p:spTree>
     <p:extLst>
       <p:ext uri="{BB962C8B-B14F-4D97-AF65-F5344CB8AC3E}">
-        <p14:creationId xmlns:p14="http://schemas.microsoft.com/office/powerpoint/2010/main" val="1551061059"/>
+        <p14:creationId xmlns:p14="http://schemas.microsoft.com/office/powerpoint/2010/main" val="450688292"/>
       </p:ext>
     </p:extLst>
   </p:cSld>
@@ -25962,44 +26101,9 @@
           <a:lstStyle/>
           <a:p>
             <a:r>
-              <a:rPr lang="de-CH" dirty="0" smtClean="0"/>
-              <a:t>Resultate</a:t>
-            </a:r>
-            <a:endParaRPr lang="de-CH" dirty="0"/>
-          </a:p>
-        </p:txBody>
-      </p:sp>
-      <p:sp>
-        <p:nvSpPr>
-          <p:cNvPr id="3" name="Content Placeholder 2"/>
-          <p:cNvSpPr>
-            <a:spLocks noGrp="1"/>
-          </p:cNvSpPr>
-          <p:nvPr>
-            <p:ph idx="1"/>
-          </p:nvPr>
-        </p:nvSpPr>
-        <p:spPr/>
-        <p:txBody>
-          <a:bodyPr/>
-          <a:lstStyle/>
-          <a:p>
-            <a:r>
-              <a:rPr lang="de-CH" dirty="0" smtClean="0"/>
-              <a:t>4. </a:t>
-            </a:r>
-            <a:r>
               <a:rPr lang="de-CH" dirty="0"/>
-              <a:t>Simulationslauf</a:t>
-            </a:r>
-            <a:endParaRPr lang="de-CH" dirty="0" smtClean="0"/>
-          </a:p>
-          <a:p>
-            <a:r>
-              <a:rPr lang="de-CH" dirty="0" smtClean="0"/>
-              <a:t>5. Simulationslauf</a:t>
-            </a:r>
-            <a:endParaRPr lang="de-CH" dirty="0"/>
+              <a:t>Zeitraffer des Bewegungsablaufs</a:t>
+            </a:r>
           </a:p>
         </p:txBody>
       </p:sp>
@@ -26018,7 +26122,7 @@
           <a:bodyPr/>
           <a:lstStyle/>
           <a:p>
-            <a:fld id="{E6DD9CFA-7FDE-4C28-9438-98659B0FC9DB}" type="datetime1">
+            <a:fld id="{89E1AB69-9DBB-444C-B94A-747DEDADEEF9}" type="datetime1">
               <a:rPr lang="de-CH" smtClean="0"/>
               <a:t>28.06.2016</a:t>
             </a:fld>
@@ -26028,7 +26132,30 @@
       </p:sp>
       <p:sp>
         <p:nvSpPr>
-          <p:cNvPr id="5" name="Footer Placeholder 4"/>
+          <p:cNvPr id="5" name="Slide Number Placeholder 4"/>
+          <p:cNvSpPr>
+            <a:spLocks noGrp="1"/>
+          </p:cNvSpPr>
+          <p:nvPr>
+            <p:ph type="sldNum" sz="quarter" idx="12"/>
+          </p:nvPr>
+        </p:nvSpPr>
+        <p:spPr/>
+        <p:txBody>
+          <a:bodyPr/>
+          <a:lstStyle/>
+          <a:p>
+            <a:fld id="{9DD3427A-877F-49F0-A244-E76867DD5238}" type="slidenum">
+              <a:rPr lang="de-CH" smtClean="0"/>
+              <a:t>15</a:t>
+            </a:fld>
+            <a:endParaRPr lang="de-CH"/>
+          </a:p>
+        </p:txBody>
+      </p:sp>
+      <p:sp>
+        <p:nvSpPr>
+          <p:cNvPr id="6" name="Footer Placeholder 5"/>
           <p:cNvSpPr>
             <a:spLocks noGrp="1"/>
           </p:cNvSpPr>
@@ -26051,12 +26178,12 @@
       </p:sp>
       <p:sp>
         <p:nvSpPr>
-          <p:cNvPr id="6" name="Slide Number Placeholder 5"/>
+          <p:cNvPr id="10" name="Content Placeholder 9"/>
           <p:cNvSpPr>
             <a:spLocks noGrp="1"/>
           </p:cNvSpPr>
           <p:nvPr>
-            <p:ph type="sldNum" sz="quarter" idx="12"/>
+            <p:ph idx="1"/>
           </p:nvPr>
         </p:nvSpPr>
         <p:spPr/>
@@ -26064,10 +26191,6 @@
           <a:bodyPr/>
           <a:lstStyle/>
           <a:p>
-            <a:fld id="{9DD3427A-877F-49F0-A244-E76867DD5238}" type="slidenum">
-              <a:rPr lang="de-CH" smtClean="0"/>
-              <a:t>15</a:t>
-            </a:fld>
             <a:endParaRPr lang="de-CH"/>
           </a:p>
         </p:txBody>
@@ -26075,7 +26198,7 @@
     </p:spTree>
     <p:extLst>
       <p:ext uri="{BB962C8B-B14F-4D97-AF65-F5344CB8AC3E}">
-        <p14:creationId xmlns:p14="http://schemas.microsoft.com/office/powerpoint/2010/main" val="2297434627"/>
+        <p14:creationId xmlns:p14="http://schemas.microsoft.com/office/powerpoint/2010/main" val="1551061059"/>
       </p:ext>
     </p:extLst>
   </p:cSld>
@@ -26125,9 +26248,10 @@
           <a:lstStyle/>
           <a:p>
             <a:r>
-              <a:rPr lang="de-CH" dirty="0"/>
-              <a:t>Diskussion</a:t>
-            </a:r>
+              <a:rPr lang="de-CH" dirty="0" smtClean="0"/>
+              <a:t>Resultate</a:t>
+            </a:r>
+            <a:endParaRPr lang="de-CH" dirty="0"/>
           </a:p>
         </p:txBody>
       </p:sp>
@@ -26147,79 +26271,18 @@
           <a:lstStyle/>
           <a:p>
             <a:r>
-              <a:rPr lang="de-CH" dirty="0"/>
-              <a:t>Wie kann diese Steuerung evolviert werden?</a:t>
-            </a:r>
-          </a:p>
-          <a:p>
-            <a:r>
-              <a:rPr lang="de-CH" dirty="0"/>
-              <a:t>Nimmt die Diversität mit zunehmenden </a:t>
-            </a:r>
-            <a:r>
               <a:rPr lang="de-CH" dirty="0" smtClean="0"/>
-              <a:t>Generationen stetig </a:t>
-            </a:r>
-            <a:r>
-              <a:rPr lang="de-CH" dirty="0"/>
-              <a:t>ab</a:t>
-            </a:r>
+              <a:t>Vierter Simulationslauf</a:t>
+            </a:r>
+          </a:p>
+          <a:p>
+            <a:endParaRPr lang="de-CH" dirty="0" smtClean="0"/>
+          </a:p>
+          <a:p>
             <a:r>
               <a:rPr lang="de-CH" dirty="0" smtClean="0"/>
-              <a:t>?</a:t>
-            </a:r>
-          </a:p>
-          <a:p>
-            <a:r>
-              <a:rPr lang="de-CH" dirty="0"/>
-              <a:t>Wie sieht der Bewegungsablauf und die Geometrie </a:t>
-            </a:r>
-            <a:r>
-              <a:rPr lang="de-CH" dirty="0" smtClean="0"/>
-              <a:t>eines evolvierten </a:t>
-            </a:r>
-            <a:r>
-              <a:rPr lang="de-CH" dirty="0"/>
-              <a:t>Tieres aus</a:t>
-            </a:r>
-            <a:r>
-              <a:rPr lang="de-CH" dirty="0" smtClean="0"/>
-              <a:t>?</a:t>
-            </a:r>
-          </a:p>
-          <a:p>
-            <a:r>
-              <a:rPr lang="de-CH" dirty="0" smtClean="0"/>
-              <a:t>Individuum</a:t>
-            </a:r>
-            <a:r>
-              <a:rPr lang="de-CH" dirty="0"/>
-              <a:t>: Allgemeine Lösung vs. evolvieren </a:t>
-            </a:r>
-            <a:r>
-              <a:rPr lang="de-CH" dirty="0" smtClean="0"/>
-              <a:t>auf Evolvierbarkeit</a:t>
-            </a:r>
-          </a:p>
-          <a:p>
-            <a:r>
-              <a:rPr lang="de-CH" dirty="0" smtClean="0"/>
-              <a:t>Hypothesen</a:t>
-            </a:r>
-            <a:r>
-              <a:rPr lang="de-CH" dirty="0"/>
-              <a:t/>
-            </a:r>
-            <a:br>
-              <a:rPr lang="de-CH" dirty="0"/>
-            </a:br>
-            <a:r>
-              <a:rPr lang="de-CH" dirty="0"/>
-              <a:t/>
-            </a:r>
-            <a:br>
-              <a:rPr lang="de-CH" dirty="0"/>
-            </a:br>
+              <a:t>Fünfter Simulationslauf</a:t>
+            </a:r>
             <a:endParaRPr lang="de-CH" dirty="0"/>
           </a:p>
         </p:txBody>
@@ -26239,7 +26302,7 @@
           <a:bodyPr/>
           <a:lstStyle/>
           <a:p>
-            <a:fld id="{437B4A75-57D7-4956-8431-9F02D11ADE71}" type="datetime1">
+            <a:fld id="{E6DD9CFA-7FDE-4C28-9438-98659B0FC9DB}" type="datetime1">
               <a:rPr lang="de-CH" smtClean="0"/>
               <a:t>28.06.2016</a:t>
             </a:fld>
@@ -26249,7 +26312,30 @@
       </p:sp>
       <p:sp>
         <p:nvSpPr>
-          <p:cNvPr id="5" name="Slide Number Placeholder 4"/>
+          <p:cNvPr id="5" name="Footer Placeholder 4"/>
+          <p:cNvSpPr>
+            <a:spLocks noGrp="1"/>
+          </p:cNvSpPr>
+          <p:nvPr>
+            <p:ph type="ftr" sz="quarter" idx="11"/>
+          </p:nvPr>
+        </p:nvSpPr>
+        <p:spPr/>
+        <p:txBody>
+          <a:bodyPr/>
+          <a:lstStyle/>
+          <a:p>
+            <a:r>
+              <a:rPr lang="de-CH" smtClean="0"/>
+              <a:t>Design von artifiziellen Tieren mit evolutionären Algorithmen - F. Hediger, F. Tanner</a:t>
+            </a:r>
+            <a:endParaRPr lang="de-CH" dirty="0"/>
+          </a:p>
+        </p:txBody>
+      </p:sp>
+      <p:sp>
+        <p:nvSpPr>
+          <p:cNvPr id="6" name="Slide Number Placeholder 5"/>
           <p:cNvSpPr>
             <a:spLocks noGrp="1"/>
           </p:cNvSpPr>
@@ -26270,33 +26356,10 @@
           </a:p>
         </p:txBody>
       </p:sp>
-      <p:sp>
-        <p:nvSpPr>
-          <p:cNvPr id="6" name="Footer Placeholder 5"/>
-          <p:cNvSpPr>
-            <a:spLocks noGrp="1"/>
-          </p:cNvSpPr>
-          <p:nvPr>
-            <p:ph type="ftr" sz="quarter" idx="11"/>
-          </p:nvPr>
-        </p:nvSpPr>
-        <p:spPr/>
-        <p:txBody>
-          <a:bodyPr/>
-          <a:lstStyle/>
-          <a:p>
-            <a:r>
-              <a:rPr lang="de-CH" smtClean="0"/>
-              <a:t>Design von artifiziellen Tieren mit evolutionären Algorithmen - F. Hediger, F. Tanner</a:t>
-            </a:r>
-            <a:endParaRPr lang="de-CH" dirty="0"/>
-          </a:p>
-        </p:txBody>
-      </p:sp>
     </p:spTree>
     <p:extLst>
       <p:ext uri="{BB962C8B-B14F-4D97-AF65-F5344CB8AC3E}">
-        <p14:creationId xmlns:p14="http://schemas.microsoft.com/office/powerpoint/2010/main" val="2602631140"/>
+        <p14:creationId xmlns:p14="http://schemas.microsoft.com/office/powerpoint/2010/main" val="2297434627"/>
       </p:ext>
     </p:extLst>
   </p:cSld>
@@ -26346,59 +26409,86 @@
           <a:lstStyle/>
           <a:p>
             <a:r>
+              <a:rPr lang="de-CH" dirty="0" smtClean="0"/>
+              <a:t>Vierter Simulationslauf –</a:t>
+            </a:r>
+            <a:br>
+              <a:rPr lang="de-CH" dirty="0" smtClean="0"/>
+            </a:br>
+            <a:r>
+              <a:rPr lang="de-CH" dirty="0" err="1"/>
+              <a:t>AllGEMEINE</a:t>
+            </a:r>
+            <a:r>
               <a:rPr lang="de-CH" dirty="0"/>
-              <a:t>Ausblick</a:t>
-            </a:r>
+              <a:t> </a:t>
+            </a:r>
+            <a:r>
+              <a:rPr lang="de-CH" dirty="0" smtClean="0"/>
+              <a:t> Lösung</a:t>
+            </a:r>
+            <a:endParaRPr lang="de-CH" dirty="0"/>
           </a:p>
         </p:txBody>
       </p:sp>
-      <p:sp>
-        <p:nvSpPr>
-          <p:cNvPr id="3" name="Content Placeholder 2"/>
-          <p:cNvSpPr>
-            <a:spLocks noGrp="1"/>
-          </p:cNvSpPr>
+      <p:pic>
+        <p:nvPicPr>
+          <p:cNvPr id="9" name="Content Placeholder 8"/>
+          <p:cNvPicPr>
+            <a:picLocks noGrp="1" noChangeAspect="1"/>
+          </p:cNvPicPr>
           <p:nvPr>
-            <p:ph idx="1"/>
+            <p:ph sz="half" idx="1"/>
           </p:nvPr>
-        </p:nvSpPr>
-        <p:spPr/>
-        <p:txBody>
-          <a:bodyPr/>
-          <a:lstStyle/>
-          <a:p>
-            <a:r>
-              <a:rPr lang="de-CH" dirty="0" smtClean="0"/>
-              <a:t>Feedback Bewegungsablauf</a:t>
-            </a:r>
-          </a:p>
-          <a:p>
-            <a:r>
-              <a:rPr lang="de-CH" dirty="0" smtClean="0"/>
-              <a:t>N-beinige Tiere</a:t>
-            </a:r>
-          </a:p>
-          <a:p>
-            <a:r>
-              <a:rPr lang="de-CH" dirty="0"/>
-              <a:t>Austauschen der Physik-Engine</a:t>
-            </a:r>
-          </a:p>
-          <a:p>
-            <a:r>
-              <a:rPr lang="de-CH" dirty="0" smtClean="0"/>
-              <a:t>Parcours</a:t>
-            </a:r>
-          </a:p>
-          <a:p>
-            <a:r>
-              <a:rPr lang="de-CH" dirty="0" smtClean="0"/>
-              <a:t>Hypothesen</a:t>
-            </a:r>
-            <a:endParaRPr lang="de-CH" dirty="0"/>
-          </a:p>
-        </p:txBody>
-      </p:sp>
+        </p:nvPicPr>
+        <p:blipFill>
+          <a:blip r:embed="rId2" cstate="print">
+            <a:extLst>
+              <a:ext uri="{28A0092B-C50C-407E-A947-70E740481C1C}">
+                <a14:useLocalDpi xmlns:a14="http://schemas.microsoft.com/office/drawing/2010/main" val="0"/>
+              </a:ext>
+            </a:extLst>
+          </a:blip>
+          <a:stretch>
+            <a:fillRect/>
+          </a:stretch>
+        </p:blipFill>
+        <p:spPr>
+          <a:xfrm>
+            <a:off x="588280" y="2266404"/>
+            <a:ext cx="4254652" cy="4022725"/>
+          </a:xfrm>
+        </p:spPr>
+      </p:pic>
+      <p:pic>
+        <p:nvPicPr>
+          <p:cNvPr id="10" name="Content Placeholder 9"/>
+          <p:cNvPicPr>
+            <a:picLocks noGrp="1" noChangeAspect="1"/>
+          </p:cNvPicPr>
+          <p:nvPr>
+            <p:ph sz="half" idx="2"/>
+          </p:nvPr>
+        </p:nvPicPr>
+        <p:blipFill>
+          <a:blip r:embed="rId3" cstate="print">
+            <a:extLst>
+              <a:ext uri="{28A0092B-C50C-407E-A947-70E740481C1C}">
+                <a14:useLocalDpi xmlns:a14="http://schemas.microsoft.com/office/drawing/2010/main" val="0"/>
+              </a:ext>
+            </a:extLst>
+          </a:blip>
+          <a:stretch>
+            <a:fillRect/>
+          </a:stretch>
+        </p:blipFill>
+        <p:spPr>
+          <a:xfrm>
+            <a:off x="5568853" y="2266404"/>
+            <a:ext cx="4730907" cy="4022725"/>
+          </a:xfrm>
+        </p:spPr>
+      </p:pic>
       <p:sp>
         <p:nvSpPr>
           <p:cNvPr id="4" name="Date Placeholder 3"/>
@@ -26414,7 +26504,7 @@
           <a:bodyPr/>
           <a:lstStyle/>
           <a:p>
-            <a:fld id="{B9D46166-EF90-4545-B98A-317842B338A4}" type="datetime1">
+            <a:fld id="{E6DD9CFA-7FDE-4C28-9438-98659B0FC9DB}" type="datetime1">
               <a:rPr lang="de-CH" smtClean="0"/>
               <a:t>28.06.2016</a:t>
             </a:fld>
@@ -26424,7 +26514,30 @@
       </p:sp>
       <p:sp>
         <p:nvSpPr>
-          <p:cNvPr id="5" name="Slide Number Placeholder 4"/>
+          <p:cNvPr id="5" name="Footer Placeholder 4"/>
+          <p:cNvSpPr>
+            <a:spLocks noGrp="1"/>
+          </p:cNvSpPr>
+          <p:nvPr>
+            <p:ph type="ftr" sz="quarter" idx="11"/>
+          </p:nvPr>
+        </p:nvSpPr>
+        <p:spPr/>
+        <p:txBody>
+          <a:bodyPr/>
+          <a:lstStyle/>
+          <a:p>
+            <a:r>
+              <a:rPr lang="de-CH" smtClean="0"/>
+              <a:t>Design von artifiziellen Tieren mit evolutionären Algorithmen - F. Hediger, F. Tanner</a:t>
+            </a:r>
+            <a:endParaRPr lang="de-CH" dirty="0"/>
+          </a:p>
+        </p:txBody>
+      </p:sp>
+      <p:sp>
+        <p:nvSpPr>
+          <p:cNvPr id="6" name="Slide Number Placeholder 5"/>
           <p:cNvSpPr>
             <a:spLocks noGrp="1"/>
           </p:cNvSpPr>
@@ -26445,33 +26558,10 @@
           </a:p>
         </p:txBody>
       </p:sp>
-      <p:sp>
-        <p:nvSpPr>
-          <p:cNvPr id="6" name="Footer Placeholder 5"/>
-          <p:cNvSpPr>
-            <a:spLocks noGrp="1"/>
-          </p:cNvSpPr>
-          <p:nvPr>
-            <p:ph type="ftr" sz="quarter" idx="11"/>
-          </p:nvPr>
-        </p:nvSpPr>
-        <p:spPr/>
-        <p:txBody>
-          <a:bodyPr/>
-          <a:lstStyle/>
-          <a:p>
-            <a:r>
-              <a:rPr lang="de-CH" smtClean="0"/>
-              <a:t>Design von artifiziellen Tieren mit evolutionären Algorithmen - F. Hediger, F. Tanner</a:t>
-            </a:r>
-            <a:endParaRPr lang="de-CH" dirty="0"/>
-          </a:p>
-        </p:txBody>
-      </p:sp>
     </p:spTree>
     <p:extLst>
       <p:ext uri="{BB962C8B-B14F-4D97-AF65-F5344CB8AC3E}">
-        <p14:creationId xmlns:p14="http://schemas.microsoft.com/office/powerpoint/2010/main" val="1459733080"/>
+        <p14:creationId xmlns:p14="http://schemas.microsoft.com/office/powerpoint/2010/main" val="2143898698"/>
       </p:ext>
     </p:extLst>
   </p:cSld>
@@ -26507,6 +26597,150 @@
       </p:grpSpPr>
       <p:sp>
         <p:nvSpPr>
+          <p:cNvPr id="8" name="Title 7"/>
+          <p:cNvSpPr>
+            <a:spLocks noGrp="1"/>
+          </p:cNvSpPr>
+          <p:nvPr>
+            <p:ph type="title"/>
+          </p:nvPr>
+        </p:nvSpPr>
+        <p:spPr/>
+        <p:txBody>
+          <a:bodyPr/>
+          <a:lstStyle/>
+          <a:p>
+            <a:endParaRPr lang="de-CH" dirty="0"/>
+          </a:p>
+        </p:txBody>
+      </p:sp>
+      <p:sp>
+        <p:nvSpPr>
+          <p:cNvPr id="9" name="Content Placeholder 8"/>
+          <p:cNvSpPr>
+            <a:spLocks noGrp="1"/>
+          </p:cNvSpPr>
+          <p:nvPr>
+            <p:ph idx="1"/>
+          </p:nvPr>
+        </p:nvSpPr>
+        <p:spPr/>
+        <p:txBody>
+          <a:bodyPr/>
+          <a:lstStyle/>
+          <a:p>
+            <a:endParaRPr lang="de-CH"/>
+          </a:p>
+        </p:txBody>
+      </p:sp>
+      <p:sp>
+        <p:nvSpPr>
+          <p:cNvPr id="5" name="Date Placeholder 4"/>
+          <p:cNvSpPr>
+            <a:spLocks noGrp="1"/>
+          </p:cNvSpPr>
+          <p:nvPr>
+            <p:ph type="dt" sz="half" idx="10"/>
+          </p:nvPr>
+        </p:nvSpPr>
+        <p:spPr/>
+        <p:txBody>
+          <a:bodyPr/>
+          <a:lstStyle/>
+          <a:p>
+            <a:fld id="{156E10E2-A690-4A71-881B-E0EDEB50C521}" type="datetime1">
+              <a:rPr lang="de-CH" smtClean="0"/>
+              <a:t>28.06.2016</a:t>
+            </a:fld>
+            <a:endParaRPr lang="de-CH"/>
+          </a:p>
+        </p:txBody>
+      </p:sp>
+      <p:sp>
+        <p:nvSpPr>
+          <p:cNvPr id="6" name="Footer Placeholder 5"/>
+          <p:cNvSpPr>
+            <a:spLocks noGrp="1"/>
+          </p:cNvSpPr>
+          <p:nvPr>
+            <p:ph type="ftr" sz="quarter" idx="11"/>
+          </p:nvPr>
+        </p:nvSpPr>
+        <p:spPr/>
+        <p:txBody>
+          <a:bodyPr/>
+          <a:lstStyle/>
+          <a:p>
+            <a:r>
+              <a:rPr lang="de-CH" smtClean="0"/>
+              <a:t>Design von artifiziellen Tieren mit evolutionären Algorithmen - F. Hediger, F. Tanner</a:t>
+            </a:r>
+            <a:endParaRPr lang="de-CH"/>
+          </a:p>
+        </p:txBody>
+      </p:sp>
+      <p:sp>
+        <p:nvSpPr>
+          <p:cNvPr id="7" name="Slide Number Placeholder 6"/>
+          <p:cNvSpPr>
+            <a:spLocks noGrp="1"/>
+          </p:cNvSpPr>
+          <p:nvPr>
+            <p:ph type="sldNum" sz="quarter" idx="12"/>
+          </p:nvPr>
+        </p:nvSpPr>
+        <p:spPr/>
+        <p:txBody>
+          <a:bodyPr/>
+          <a:lstStyle/>
+          <a:p>
+            <a:fld id="{9DD3427A-877F-49F0-A244-E76867DD5238}" type="slidenum">
+              <a:rPr lang="de-CH" smtClean="0"/>
+              <a:t>18</a:t>
+            </a:fld>
+            <a:endParaRPr lang="de-CH"/>
+          </a:p>
+        </p:txBody>
+      </p:sp>
+    </p:spTree>
+    <p:extLst>
+      <p:ext uri="{BB962C8B-B14F-4D97-AF65-F5344CB8AC3E}">
+        <p14:creationId xmlns:p14="http://schemas.microsoft.com/office/powerpoint/2010/main" val="3894524291"/>
+      </p:ext>
+    </p:extLst>
+  </p:cSld>
+  <p:clrMapOvr>
+    <a:masterClrMapping/>
+  </p:clrMapOvr>
+  <p:timing>
+    <p:tnLst>
+      <p:par>
+        <p:cTn id="1" dur="indefinite" restart="never" nodeType="tmRoot"/>
+      </p:par>
+    </p:tnLst>
+  </p:timing>
+</p:sld>
+</file>
+
+<file path=ppt/slides/slide19.xml><?xml version="1.0" encoding="utf-8"?>
+<p:sld xmlns:a="http://schemas.openxmlformats.org/drawingml/2006/main" xmlns:r="http://schemas.openxmlformats.org/officeDocument/2006/relationships" xmlns:p="http://schemas.openxmlformats.org/presentationml/2006/main">
+  <p:cSld>
+    <p:spTree>
+      <p:nvGrpSpPr>
+        <p:cNvPr id="1" name=""/>
+        <p:cNvGrpSpPr/>
+        <p:nvPr/>
+      </p:nvGrpSpPr>
+      <p:grpSpPr>
+        <a:xfrm>
+          <a:off x="0" y="0"/>
+          <a:ext cx="0" cy="0"/>
+          <a:chOff x="0" y="0"/>
+          <a:chExt cx="0" cy="0"/>
+        </a:xfrm>
+      </p:grpSpPr>
+      <p:sp>
+        <p:nvSpPr>
           <p:cNvPr id="2" name="Title 1"/>
           <p:cNvSpPr>
             <a:spLocks noGrp="1"/>
@@ -26522,7 +26756,7 @@
           <a:p>
             <a:r>
               <a:rPr lang="de-CH" dirty="0" smtClean="0"/>
-              <a:t>Quellen</a:t>
+              <a:t>Fünfter Simulationslauf</a:t>
             </a:r>
             <a:endParaRPr lang="de-CH" dirty="0"/>
           </a:p>
@@ -26535,7 +26769,7 @@
             <a:spLocks noGrp="1"/>
           </p:cNvSpPr>
           <p:nvPr>
-            <p:ph idx="1"/>
+            <p:ph sz="half" idx="1"/>
           </p:nvPr>
         </p:nvSpPr>
         <p:spPr/>
@@ -26543,101 +26777,32 @@
           <a:bodyPr/>
           <a:lstStyle/>
           <a:p>
-            <a:r>
-              <a:rPr lang="de-CH" dirty="0" smtClean="0"/>
-              <a:t>[1]: </a:t>
-            </a:r>
-            <a:r>
-              <a:rPr lang="de-CH" dirty="0"/>
-              <a:t>R. </a:t>
-            </a:r>
-            <a:r>
-              <a:rPr lang="de-CH" dirty="0" err="1"/>
-              <a:t>Dawnkins</a:t>
-            </a:r>
-            <a:r>
-              <a:rPr lang="de-CH" dirty="0"/>
-              <a:t>, „Universal </a:t>
-            </a:r>
-            <a:r>
-              <a:rPr lang="de-CH" dirty="0" err="1"/>
-              <a:t>Darwinism</a:t>
-            </a:r>
-            <a:r>
-              <a:rPr lang="de-CH" dirty="0"/>
-              <a:t>,” in </a:t>
-            </a:r>
-            <a:r>
-              <a:rPr lang="de-CH" i="1" dirty="0"/>
-              <a:t>Evolution </a:t>
-            </a:r>
-            <a:r>
-              <a:rPr lang="de-CH" i="1" dirty="0" err="1"/>
-              <a:t>from</a:t>
-            </a:r>
-            <a:r>
-              <a:rPr lang="de-CH" i="1" dirty="0"/>
-              <a:t> </a:t>
-            </a:r>
-            <a:r>
-              <a:rPr lang="de-CH" i="1" dirty="0" err="1"/>
-              <a:t>molecules</a:t>
-            </a:r>
-            <a:r>
-              <a:rPr lang="de-CH" i="1" dirty="0"/>
-              <a:t> </a:t>
-            </a:r>
-            <a:r>
-              <a:rPr lang="de-CH" i="1" dirty="0" err="1"/>
-              <a:t>to</a:t>
-            </a:r>
-            <a:r>
-              <a:rPr lang="de-CH" i="1" dirty="0"/>
-              <a:t> man</a:t>
-            </a:r>
-            <a:r>
-              <a:rPr lang="de-CH" dirty="0"/>
-              <a:t>,</a:t>
-            </a:r>
-            <a:br>
-              <a:rPr lang="de-CH" dirty="0"/>
-            </a:br>
-            <a:r>
-              <a:rPr lang="de-CH" dirty="0"/>
-              <a:t>D. S. </a:t>
-            </a:r>
-            <a:r>
-              <a:rPr lang="de-CH" dirty="0" err="1"/>
-              <a:t>Bendall</a:t>
-            </a:r>
-            <a:r>
-              <a:rPr lang="de-CH" dirty="0"/>
-              <a:t>, Hrsg. Cambridge: Cambridge University Press, 1983, Kap. 20,</a:t>
-            </a:r>
-            <a:br>
-              <a:rPr lang="de-CH" dirty="0"/>
-            </a:br>
-            <a:r>
-              <a:rPr lang="de-CH" dirty="0"/>
-              <a:t>S. 403–425.</a:t>
-            </a:r>
-            <a:br>
-              <a:rPr lang="de-CH" dirty="0"/>
-            </a:br>
-            <a:r>
-              <a:rPr lang="de-CH" dirty="0"/>
-              <a:t/>
-            </a:r>
-            <a:br>
-              <a:rPr lang="de-CH" dirty="0"/>
-            </a:br>
-            <a:endParaRPr lang="de-CH" dirty="0"/>
+            <a:endParaRPr lang="de-CH"/>
           </a:p>
         </p:txBody>
       </p:sp>
       <p:sp>
         <p:nvSpPr>
-          <p:cNvPr id="4" name="Date Placeholder 3"/>
+          <p:cNvPr id="4" name="Content Placeholder 3"/>
+          <p:cNvSpPr>
+            <a:spLocks noGrp="1"/>
+          </p:cNvSpPr>
+          <p:nvPr>
+            <p:ph sz="half" idx="2"/>
+          </p:nvPr>
+        </p:nvSpPr>
+        <p:spPr/>
+        <p:txBody>
+          <a:bodyPr/>
+          <a:lstStyle/>
+          <a:p>
+            <a:endParaRPr lang="de-CH"/>
+          </a:p>
+        </p:txBody>
+      </p:sp>
+      <p:sp>
+        <p:nvSpPr>
+          <p:cNvPr id="5" name="Date Placeholder 4"/>
           <p:cNvSpPr>
             <a:spLocks noGrp="1"/>
           </p:cNvSpPr>
@@ -26650,17 +26815,17 @@
           <a:bodyPr/>
           <a:lstStyle/>
           <a:p>
-            <a:fld id="{E6DD9CFA-7FDE-4C28-9438-98659B0FC9DB}" type="datetime1">
+            <a:fld id="{156E10E2-A690-4A71-881B-E0EDEB50C521}" type="datetime1">
               <a:rPr lang="de-CH" smtClean="0"/>
               <a:t>28.06.2016</a:t>
             </a:fld>
-            <a:endParaRPr lang="de-CH" dirty="0"/>
+            <a:endParaRPr lang="de-CH"/>
           </a:p>
         </p:txBody>
       </p:sp>
       <p:sp>
         <p:nvSpPr>
-          <p:cNvPr id="5" name="Footer Placeholder 4"/>
+          <p:cNvPr id="6" name="Footer Placeholder 5"/>
           <p:cNvSpPr>
             <a:spLocks noGrp="1"/>
           </p:cNvSpPr>
@@ -26677,13 +26842,13 @@
               <a:rPr lang="de-CH" smtClean="0"/>
               <a:t>Design von artifiziellen Tieren mit evolutionären Algorithmen - F. Hediger, F. Tanner</a:t>
             </a:r>
-            <a:endParaRPr lang="de-CH" dirty="0"/>
+            <a:endParaRPr lang="de-CH"/>
           </a:p>
         </p:txBody>
       </p:sp>
       <p:sp>
         <p:nvSpPr>
-          <p:cNvPr id="6" name="Slide Number Placeholder 5"/>
+          <p:cNvPr id="7" name="Slide Number Placeholder 6"/>
           <p:cNvSpPr>
             <a:spLocks noGrp="1"/>
           </p:cNvSpPr>
@@ -26698,7 +26863,7 @@
           <a:p>
             <a:fld id="{9DD3427A-877F-49F0-A244-E76867DD5238}" type="slidenum">
               <a:rPr lang="de-CH" smtClean="0"/>
-              <a:t>18</a:t>
+              <a:t>19</a:t>
             </a:fld>
             <a:endParaRPr lang="de-CH"/>
           </a:p>
@@ -26707,13 +26872,20 @@
     </p:spTree>
     <p:extLst>
       <p:ext uri="{BB962C8B-B14F-4D97-AF65-F5344CB8AC3E}">
-        <p14:creationId xmlns:p14="http://schemas.microsoft.com/office/powerpoint/2010/main" val="1684736050"/>
+        <p14:creationId xmlns:p14="http://schemas.microsoft.com/office/powerpoint/2010/main" val="1943198656"/>
       </p:ext>
     </p:extLst>
   </p:cSld>
   <p:clrMapOvr>
     <a:masterClrMapping/>
   </p:clrMapOvr>
+  <p:timing>
+    <p:tnLst>
+      <p:par>
+        <p:cTn id="1" dur="indefinite" restart="never" nodeType="tmRoot"/>
+      </p:par>
+    </p:tnLst>
+  </p:timing>
 </p:sld>
 </file>
 
@@ -26913,6 +27085,646 @@
       </p:par>
     </p:tnLst>
   </p:timing>
+</p:sld>
+</file>
+
+<file path=ppt/slides/slide20.xml><?xml version="1.0" encoding="utf-8"?>
+<p:sld xmlns:a="http://schemas.openxmlformats.org/drawingml/2006/main" xmlns:r="http://schemas.openxmlformats.org/officeDocument/2006/relationships" xmlns:p="http://schemas.openxmlformats.org/presentationml/2006/main">
+  <p:cSld>
+    <p:spTree>
+      <p:nvGrpSpPr>
+        <p:cNvPr id="1" name=""/>
+        <p:cNvGrpSpPr/>
+        <p:nvPr/>
+      </p:nvGrpSpPr>
+      <p:grpSpPr>
+        <a:xfrm>
+          <a:off x="0" y="0"/>
+          <a:ext cx="0" cy="0"/>
+          <a:chOff x="0" y="0"/>
+          <a:chExt cx="0" cy="0"/>
+        </a:xfrm>
+      </p:grpSpPr>
+      <p:sp>
+        <p:nvSpPr>
+          <p:cNvPr id="2" name="Title 1"/>
+          <p:cNvSpPr>
+            <a:spLocks noGrp="1"/>
+          </p:cNvSpPr>
+          <p:nvPr>
+            <p:ph type="title"/>
+          </p:nvPr>
+        </p:nvSpPr>
+        <p:spPr/>
+        <p:txBody>
+          <a:bodyPr/>
+          <a:lstStyle/>
+          <a:p>
+            <a:r>
+              <a:rPr lang="de-CH" dirty="0"/>
+              <a:t>Diskussion</a:t>
+            </a:r>
+          </a:p>
+        </p:txBody>
+      </p:sp>
+      <p:sp>
+        <p:nvSpPr>
+          <p:cNvPr id="3" name="Content Placeholder 2"/>
+          <p:cNvSpPr>
+            <a:spLocks noGrp="1"/>
+          </p:cNvSpPr>
+          <p:nvPr>
+            <p:ph idx="1"/>
+          </p:nvPr>
+        </p:nvSpPr>
+        <p:spPr/>
+        <p:txBody>
+          <a:bodyPr/>
+          <a:lstStyle/>
+          <a:p>
+            <a:r>
+              <a:rPr lang="de-CH" dirty="0"/>
+              <a:t>Wie kann </a:t>
+            </a:r>
+            <a:r>
+              <a:rPr lang="de-CH" dirty="0" smtClean="0"/>
+              <a:t>die </a:t>
+            </a:r>
+            <a:r>
+              <a:rPr lang="de-CH" dirty="0"/>
+              <a:t>Steuerung evolviert werden</a:t>
+            </a:r>
+            <a:r>
+              <a:rPr lang="de-CH" dirty="0" smtClean="0"/>
+              <a:t>?</a:t>
+            </a:r>
+            <a:endParaRPr lang="de-CH" dirty="0"/>
+          </a:p>
+          <a:p>
+            <a:r>
+              <a:rPr lang="de-CH" dirty="0"/>
+              <a:t>Nimmt die Diversität mit zunehmenden </a:t>
+            </a:r>
+            <a:r>
+              <a:rPr lang="de-CH" dirty="0" smtClean="0"/>
+              <a:t>Generationen stetig </a:t>
+            </a:r>
+            <a:r>
+              <a:rPr lang="de-CH" dirty="0"/>
+              <a:t>ab</a:t>
+            </a:r>
+            <a:r>
+              <a:rPr lang="de-CH" dirty="0" smtClean="0"/>
+              <a:t>?</a:t>
+            </a:r>
+            <a:endParaRPr lang="de-CH" dirty="0" smtClean="0"/>
+          </a:p>
+          <a:p>
+            <a:r>
+              <a:rPr lang="de-CH" dirty="0"/>
+              <a:t>Wie sieht der Bewegungsablauf und die Geometrie </a:t>
+            </a:r>
+            <a:r>
+              <a:rPr lang="de-CH" dirty="0" smtClean="0"/>
+              <a:t>eines evolvierten </a:t>
+            </a:r>
+            <a:r>
+              <a:rPr lang="de-CH" dirty="0"/>
+              <a:t>Tieres aus</a:t>
+            </a:r>
+            <a:r>
+              <a:rPr lang="de-CH" dirty="0" smtClean="0"/>
+              <a:t>?</a:t>
+            </a:r>
+            <a:endParaRPr lang="de-CH" dirty="0" smtClean="0"/>
+          </a:p>
+          <a:p>
+            <a:r>
+              <a:rPr lang="de-CH" dirty="0" smtClean="0"/>
+              <a:t>Individuum</a:t>
+            </a:r>
+            <a:r>
+              <a:rPr lang="de-CH" dirty="0"/>
+              <a:t>: Allgemeine Lösung vs. evolvieren </a:t>
+            </a:r>
+            <a:r>
+              <a:rPr lang="de-CH" dirty="0" smtClean="0"/>
+              <a:t>auf Evolvierbarkeit</a:t>
+            </a:r>
+          </a:p>
+          <a:p>
+            <a:r>
+              <a:rPr lang="de-CH" dirty="0" smtClean="0"/>
+              <a:t>Hypothesen</a:t>
+            </a:r>
+            <a:r>
+              <a:rPr lang="de-CH" dirty="0"/>
+              <a:t/>
+            </a:r>
+            <a:br>
+              <a:rPr lang="de-CH" dirty="0"/>
+            </a:br>
+            <a:r>
+              <a:rPr lang="de-CH" dirty="0"/>
+              <a:t/>
+            </a:r>
+            <a:br>
+              <a:rPr lang="de-CH" dirty="0"/>
+            </a:br>
+            <a:endParaRPr lang="de-CH" dirty="0"/>
+          </a:p>
+        </p:txBody>
+      </p:sp>
+      <p:sp>
+        <p:nvSpPr>
+          <p:cNvPr id="4" name="Date Placeholder 3"/>
+          <p:cNvSpPr>
+            <a:spLocks noGrp="1"/>
+          </p:cNvSpPr>
+          <p:nvPr>
+            <p:ph type="dt" sz="half" idx="10"/>
+          </p:nvPr>
+        </p:nvSpPr>
+        <p:spPr/>
+        <p:txBody>
+          <a:bodyPr/>
+          <a:lstStyle/>
+          <a:p>
+            <a:fld id="{437B4A75-57D7-4956-8431-9F02D11ADE71}" type="datetime1">
+              <a:rPr lang="de-CH" smtClean="0"/>
+              <a:t>28.06.2016</a:t>
+            </a:fld>
+            <a:endParaRPr lang="de-CH" dirty="0"/>
+          </a:p>
+        </p:txBody>
+      </p:sp>
+      <p:sp>
+        <p:nvSpPr>
+          <p:cNvPr id="5" name="Slide Number Placeholder 4"/>
+          <p:cNvSpPr>
+            <a:spLocks noGrp="1"/>
+          </p:cNvSpPr>
+          <p:nvPr>
+            <p:ph type="sldNum" sz="quarter" idx="12"/>
+          </p:nvPr>
+        </p:nvSpPr>
+        <p:spPr/>
+        <p:txBody>
+          <a:bodyPr/>
+          <a:lstStyle/>
+          <a:p>
+            <a:fld id="{9DD3427A-877F-49F0-A244-E76867DD5238}" type="slidenum">
+              <a:rPr lang="de-CH" smtClean="0"/>
+              <a:t>20</a:t>
+            </a:fld>
+            <a:endParaRPr lang="de-CH"/>
+          </a:p>
+        </p:txBody>
+      </p:sp>
+      <p:sp>
+        <p:nvSpPr>
+          <p:cNvPr id="6" name="Footer Placeholder 5"/>
+          <p:cNvSpPr>
+            <a:spLocks noGrp="1"/>
+          </p:cNvSpPr>
+          <p:nvPr>
+            <p:ph type="ftr" sz="quarter" idx="11"/>
+          </p:nvPr>
+        </p:nvSpPr>
+        <p:spPr/>
+        <p:txBody>
+          <a:bodyPr/>
+          <a:lstStyle/>
+          <a:p>
+            <a:r>
+              <a:rPr lang="de-CH" smtClean="0"/>
+              <a:t>Design von artifiziellen Tieren mit evolutionären Algorithmen - F. Hediger, F. Tanner</a:t>
+            </a:r>
+            <a:endParaRPr lang="de-CH" dirty="0"/>
+          </a:p>
+        </p:txBody>
+      </p:sp>
+    </p:spTree>
+    <p:extLst>
+      <p:ext uri="{BB962C8B-B14F-4D97-AF65-F5344CB8AC3E}">
+        <p14:creationId xmlns:p14="http://schemas.microsoft.com/office/powerpoint/2010/main" val="2602631140"/>
+      </p:ext>
+    </p:extLst>
+  </p:cSld>
+  <p:clrMapOvr>
+    <a:masterClrMapping/>
+  </p:clrMapOvr>
+  <p:timing>
+    <p:tnLst>
+      <p:par>
+        <p:cTn id="1" dur="indefinite" restart="never" nodeType="tmRoot"/>
+      </p:par>
+    </p:tnLst>
+  </p:timing>
+</p:sld>
+</file>
+
+<file path=ppt/slides/slide21.xml><?xml version="1.0" encoding="utf-8"?>
+<p:sld xmlns:a="http://schemas.openxmlformats.org/drawingml/2006/main" xmlns:r="http://schemas.openxmlformats.org/officeDocument/2006/relationships" xmlns:p="http://schemas.openxmlformats.org/presentationml/2006/main">
+  <p:cSld>
+    <p:spTree>
+      <p:nvGrpSpPr>
+        <p:cNvPr id="1" name=""/>
+        <p:cNvGrpSpPr/>
+        <p:nvPr/>
+      </p:nvGrpSpPr>
+      <p:grpSpPr>
+        <a:xfrm>
+          <a:off x="0" y="0"/>
+          <a:ext cx="0" cy="0"/>
+          <a:chOff x="0" y="0"/>
+          <a:chExt cx="0" cy="0"/>
+        </a:xfrm>
+      </p:grpSpPr>
+      <p:sp>
+        <p:nvSpPr>
+          <p:cNvPr id="2" name="Title 1"/>
+          <p:cNvSpPr>
+            <a:spLocks noGrp="1"/>
+          </p:cNvSpPr>
+          <p:nvPr>
+            <p:ph type="title"/>
+          </p:nvPr>
+        </p:nvSpPr>
+        <p:spPr/>
+        <p:txBody>
+          <a:bodyPr/>
+          <a:lstStyle/>
+          <a:p>
+            <a:r>
+              <a:rPr lang="de-CH" dirty="0"/>
+              <a:t>Ausblick</a:t>
+            </a:r>
+          </a:p>
+        </p:txBody>
+      </p:sp>
+      <p:sp>
+        <p:nvSpPr>
+          <p:cNvPr id="3" name="Content Placeholder 2"/>
+          <p:cNvSpPr>
+            <a:spLocks noGrp="1"/>
+          </p:cNvSpPr>
+          <p:nvPr>
+            <p:ph idx="1"/>
+          </p:nvPr>
+        </p:nvSpPr>
+        <p:spPr/>
+        <p:txBody>
+          <a:bodyPr/>
+          <a:lstStyle/>
+          <a:p>
+            <a:r>
+              <a:rPr lang="de-CH" dirty="0" smtClean="0"/>
+              <a:t>Feedback Bewegungsablauf</a:t>
+            </a:r>
+          </a:p>
+          <a:p>
+            <a:r>
+              <a:rPr lang="de-CH" dirty="0" smtClean="0"/>
+              <a:t>N-beinige Tiere</a:t>
+            </a:r>
+          </a:p>
+          <a:p>
+            <a:r>
+              <a:rPr lang="de-CH" dirty="0"/>
+              <a:t>Austauschen der Physik-Engine</a:t>
+            </a:r>
+          </a:p>
+          <a:p>
+            <a:r>
+              <a:rPr lang="de-CH" dirty="0" smtClean="0"/>
+              <a:t>Parcours</a:t>
+            </a:r>
+          </a:p>
+          <a:p>
+            <a:r>
+              <a:rPr lang="de-CH" dirty="0" smtClean="0"/>
+              <a:t>Hypothesen</a:t>
+            </a:r>
+            <a:endParaRPr lang="de-CH" dirty="0"/>
+          </a:p>
+        </p:txBody>
+      </p:sp>
+      <p:sp>
+        <p:nvSpPr>
+          <p:cNvPr id="4" name="Date Placeholder 3"/>
+          <p:cNvSpPr>
+            <a:spLocks noGrp="1"/>
+          </p:cNvSpPr>
+          <p:nvPr>
+            <p:ph type="dt" sz="half" idx="10"/>
+          </p:nvPr>
+        </p:nvSpPr>
+        <p:spPr/>
+        <p:txBody>
+          <a:bodyPr/>
+          <a:lstStyle/>
+          <a:p>
+            <a:fld id="{B9D46166-EF90-4545-B98A-317842B338A4}" type="datetime1">
+              <a:rPr lang="de-CH" smtClean="0"/>
+              <a:t>28.06.2016</a:t>
+            </a:fld>
+            <a:endParaRPr lang="de-CH" dirty="0"/>
+          </a:p>
+        </p:txBody>
+      </p:sp>
+      <p:sp>
+        <p:nvSpPr>
+          <p:cNvPr id="5" name="Slide Number Placeholder 4"/>
+          <p:cNvSpPr>
+            <a:spLocks noGrp="1"/>
+          </p:cNvSpPr>
+          <p:nvPr>
+            <p:ph type="sldNum" sz="quarter" idx="12"/>
+          </p:nvPr>
+        </p:nvSpPr>
+        <p:spPr/>
+        <p:txBody>
+          <a:bodyPr/>
+          <a:lstStyle/>
+          <a:p>
+            <a:fld id="{9DD3427A-877F-49F0-A244-E76867DD5238}" type="slidenum">
+              <a:rPr lang="de-CH" smtClean="0"/>
+              <a:t>21</a:t>
+            </a:fld>
+            <a:endParaRPr lang="de-CH"/>
+          </a:p>
+        </p:txBody>
+      </p:sp>
+      <p:sp>
+        <p:nvSpPr>
+          <p:cNvPr id="6" name="Footer Placeholder 5"/>
+          <p:cNvSpPr>
+            <a:spLocks noGrp="1"/>
+          </p:cNvSpPr>
+          <p:nvPr>
+            <p:ph type="ftr" sz="quarter" idx="11"/>
+          </p:nvPr>
+        </p:nvSpPr>
+        <p:spPr/>
+        <p:txBody>
+          <a:bodyPr/>
+          <a:lstStyle/>
+          <a:p>
+            <a:r>
+              <a:rPr lang="de-CH" smtClean="0"/>
+              <a:t>Design von artifiziellen Tieren mit evolutionären Algorithmen - F. Hediger, F. Tanner</a:t>
+            </a:r>
+            <a:endParaRPr lang="de-CH" dirty="0"/>
+          </a:p>
+        </p:txBody>
+      </p:sp>
+    </p:spTree>
+    <p:extLst>
+      <p:ext uri="{BB962C8B-B14F-4D97-AF65-F5344CB8AC3E}">
+        <p14:creationId xmlns:p14="http://schemas.microsoft.com/office/powerpoint/2010/main" val="1459733080"/>
+      </p:ext>
+    </p:extLst>
+  </p:cSld>
+  <p:clrMapOvr>
+    <a:masterClrMapping/>
+  </p:clrMapOvr>
+  <p:timing>
+    <p:tnLst>
+      <p:par>
+        <p:cTn id="1" dur="indefinite" restart="never" nodeType="tmRoot"/>
+      </p:par>
+    </p:tnLst>
+  </p:timing>
+</p:sld>
+</file>
+
+<file path=ppt/slides/slide22.xml><?xml version="1.0" encoding="utf-8"?>
+<p:sld xmlns:a="http://schemas.openxmlformats.org/drawingml/2006/main" xmlns:r="http://schemas.openxmlformats.org/officeDocument/2006/relationships" xmlns:p="http://schemas.openxmlformats.org/presentationml/2006/main">
+  <p:cSld>
+    <p:spTree>
+      <p:nvGrpSpPr>
+        <p:cNvPr id="1" name=""/>
+        <p:cNvGrpSpPr/>
+        <p:nvPr/>
+      </p:nvGrpSpPr>
+      <p:grpSpPr>
+        <a:xfrm>
+          <a:off x="0" y="0"/>
+          <a:ext cx="0" cy="0"/>
+          <a:chOff x="0" y="0"/>
+          <a:chExt cx="0" cy="0"/>
+        </a:xfrm>
+      </p:grpSpPr>
+      <p:sp>
+        <p:nvSpPr>
+          <p:cNvPr id="2" name="Title 1"/>
+          <p:cNvSpPr>
+            <a:spLocks noGrp="1"/>
+          </p:cNvSpPr>
+          <p:nvPr>
+            <p:ph type="title"/>
+          </p:nvPr>
+        </p:nvSpPr>
+        <p:spPr/>
+        <p:txBody>
+          <a:bodyPr/>
+          <a:lstStyle/>
+          <a:p>
+            <a:r>
+              <a:rPr lang="de-CH" dirty="0" smtClean="0"/>
+              <a:t>Quellen</a:t>
+            </a:r>
+            <a:endParaRPr lang="de-CH" dirty="0"/>
+          </a:p>
+        </p:txBody>
+      </p:sp>
+      <p:sp>
+        <p:nvSpPr>
+          <p:cNvPr id="3" name="Content Placeholder 2"/>
+          <p:cNvSpPr>
+            <a:spLocks noGrp="1"/>
+          </p:cNvSpPr>
+          <p:nvPr>
+            <p:ph idx="1"/>
+          </p:nvPr>
+        </p:nvSpPr>
+        <p:spPr/>
+        <p:txBody>
+          <a:bodyPr/>
+          <a:lstStyle/>
+          <a:p>
+            <a:r>
+              <a:rPr lang="de-CH" dirty="0" smtClean="0"/>
+              <a:t>[1]: </a:t>
+            </a:r>
+            <a:r>
+              <a:rPr lang="de-CH" dirty="0"/>
+              <a:t>R. </a:t>
+            </a:r>
+            <a:r>
+              <a:rPr lang="de-CH" dirty="0" err="1"/>
+              <a:t>Dawnkins</a:t>
+            </a:r>
+            <a:r>
+              <a:rPr lang="de-CH" dirty="0"/>
+              <a:t>, „Universal </a:t>
+            </a:r>
+            <a:r>
+              <a:rPr lang="de-CH" dirty="0" err="1"/>
+              <a:t>Darwinism</a:t>
+            </a:r>
+            <a:r>
+              <a:rPr lang="de-CH" dirty="0"/>
+              <a:t>,” in </a:t>
+            </a:r>
+            <a:r>
+              <a:rPr lang="de-CH" i="1" dirty="0"/>
+              <a:t>Evolution </a:t>
+            </a:r>
+            <a:r>
+              <a:rPr lang="de-CH" i="1" dirty="0" err="1"/>
+              <a:t>from</a:t>
+            </a:r>
+            <a:r>
+              <a:rPr lang="de-CH" i="1" dirty="0"/>
+              <a:t> </a:t>
+            </a:r>
+            <a:r>
+              <a:rPr lang="de-CH" i="1" dirty="0" err="1"/>
+              <a:t>molecules</a:t>
+            </a:r>
+            <a:r>
+              <a:rPr lang="de-CH" i="1" dirty="0"/>
+              <a:t> </a:t>
+            </a:r>
+            <a:r>
+              <a:rPr lang="de-CH" i="1" dirty="0" err="1"/>
+              <a:t>to</a:t>
+            </a:r>
+            <a:r>
+              <a:rPr lang="de-CH" i="1" dirty="0"/>
+              <a:t> man</a:t>
+            </a:r>
+            <a:r>
+              <a:rPr lang="de-CH" dirty="0"/>
+              <a:t>,</a:t>
+            </a:r>
+            <a:br>
+              <a:rPr lang="de-CH" dirty="0"/>
+            </a:br>
+            <a:r>
+              <a:rPr lang="de-CH" dirty="0"/>
+              <a:t>D. S. </a:t>
+            </a:r>
+            <a:r>
+              <a:rPr lang="de-CH" dirty="0" err="1"/>
+              <a:t>Bendall</a:t>
+            </a:r>
+            <a:r>
+              <a:rPr lang="de-CH" dirty="0"/>
+              <a:t>, Hrsg. Cambridge: Cambridge University Press, 1983, Kap. 20,</a:t>
+            </a:r>
+            <a:br>
+              <a:rPr lang="de-CH" dirty="0"/>
+            </a:br>
+            <a:r>
+              <a:rPr lang="de-CH" dirty="0"/>
+              <a:t>S. 403–425.</a:t>
+            </a:r>
+            <a:br>
+              <a:rPr lang="de-CH" dirty="0"/>
+            </a:br>
+            <a:r>
+              <a:rPr lang="de-CH" dirty="0"/>
+              <a:t/>
+            </a:r>
+            <a:br>
+              <a:rPr lang="de-CH" dirty="0"/>
+            </a:br>
+            <a:endParaRPr lang="de-CH" dirty="0"/>
+          </a:p>
+        </p:txBody>
+      </p:sp>
+      <p:sp>
+        <p:nvSpPr>
+          <p:cNvPr id="4" name="Date Placeholder 3"/>
+          <p:cNvSpPr>
+            <a:spLocks noGrp="1"/>
+          </p:cNvSpPr>
+          <p:nvPr>
+            <p:ph type="dt" sz="half" idx="10"/>
+          </p:nvPr>
+        </p:nvSpPr>
+        <p:spPr/>
+        <p:txBody>
+          <a:bodyPr/>
+          <a:lstStyle/>
+          <a:p>
+            <a:fld id="{E6DD9CFA-7FDE-4C28-9438-98659B0FC9DB}" type="datetime1">
+              <a:rPr lang="de-CH" smtClean="0"/>
+              <a:t>28.06.2016</a:t>
+            </a:fld>
+            <a:endParaRPr lang="de-CH" dirty="0"/>
+          </a:p>
+        </p:txBody>
+      </p:sp>
+      <p:sp>
+        <p:nvSpPr>
+          <p:cNvPr id="5" name="Footer Placeholder 4"/>
+          <p:cNvSpPr>
+            <a:spLocks noGrp="1"/>
+          </p:cNvSpPr>
+          <p:nvPr>
+            <p:ph type="ftr" sz="quarter" idx="11"/>
+          </p:nvPr>
+        </p:nvSpPr>
+        <p:spPr/>
+        <p:txBody>
+          <a:bodyPr/>
+          <a:lstStyle/>
+          <a:p>
+            <a:r>
+              <a:rPr lang="de-CH" smtClean="0"/>
+              <a:t>Design von artifiziellen Tieren mit evolutionären Algorithmen - F. Hediger, F. Tanner</a:t>
+            </a:r>
+            <a:endParaRPr lang="de-CH" dirty="0"/>
+          </a:p>
+        </p:txBody>
+      </p:sp>
+      <p:sp>
+        <p:nvSpPr>
+          <p:cNvPr id="6" name="Slide Number Placeholder 5"/>
+          <p:cNvSpPr>
+            <a:spLocks noGrp="1"/>
+          </p:cNvSpPr>
+          <p:nvPr>
+            <p:ph type="sldNum" sz="quarter" idx="12"/>
+          </p:nvPr>
+        </p:nvSpPr>
+        <p:spPr/>
+        <p:txBody>
+          <a:bodyPr/>
+          <a:lstStyle/>
+          <a:p>
+            <a:fld id="{9DD3427A-877F-49F0-A244-E76867DD5238}" type="slidenum">
+              <a:rPr lang="de-CH" smtClean="0"/>
+              <a:t>22</a:t>
+            </a:fld>
+            <a:endParaRPr lang="de-CH"/>
+          </a:p>
+        </p:txBody>
+      </p:sp>
+    </p:spTree>
+    <p:extLst>
+      <p:ext uri="{BB962C8B-B14F-4D97-AF65-F5344CB8AC3E}">
+        <p14:creationId xmlns:p14="http://schemas.microsoft.com/office/powerpoint/2010/main" val="1684736050"/>
+      </p:ext>
+    </p:extLst>
+  </p:cSld>
+  <p:clrMapOvr>
+    <a:masterClrMapping/>
+  </p:clrMapOvr>
 </p:sld>
 </file>
 
@@ -27672,20 +28484,21 @@
           <a:lstStyle/>
           <a:p>
             <a:r>
-              <a:rPr lang="de-CH" dirty="0"/>
-              <a:t>Grundlagen</a:t>
-            </a:r>
+              <a:rPr lang="de-CH" dirty="0" smtClean="0"/>
+              <a:t>Hypothese Körperpunkte</a:t>
+            </a:r>
+            <a:endParaRPr lang="de-CH" dirty="0"/>
           </a:p>
         </p:txBody>
       </p:sp>
       <p:sp>
         <p:nvSpPr>
-          <p:cNvPr id="3" name="Content Placeholder 2"/>
+          <p:cNvPr id="7" name="Text Placeholder 6"/>
           <p:cNvSpPr>
             <a:spLocks noGrp="1"/>
           </p:cNvSpPr>
           <p:nvPr>
-            <p:ph idx="1"/>
+            <p:ph type="body" idx="1"/>
           </p:nvPr>
         </p:nvSpPr>
         <p:spPr/>
@@ -27694,43 +28507,173 @@
           <a:lstStyle/>
           <a:p>
             <a:r>
-              <a:rPr lang="de-CH" dirty="0"/>
-              <a:t>Ablauf eines </a:t>
-            </a:r>
-            <a:r>
               <a:rPr lang="de-CH" dirty="0" smtClean="0"/>
-              <a:t>evolutionären Algorithmus</a:t>
-            </a:r>
-          </a:p>
-          <a:p>
-            <a:r>
-              <a:rPr lang="de-CH" dirty="0" smtClean="0"/>
-              <a:t>Initiale Population</a:t>
-            </a:r>
-          </a:p>
-          <a:p>
-            <a:r>
-              <a:rPr lang="de-CH" dirty="0" smtClean="0"/>
-              <a:t>Evaluation</a:t>
-            </a:r>
-          </a:p>
-          <a:p>
-            <a:r>
-              <a:rPr lang="de-CH" dirty="0" smtClean="0"/>
-              <a:t>Selektionsstrategie</a:t>
-            </a:r>
-          </a:p>
-          <a:p>
-            <a:r>
-              <a:rPr lang="de-CH" dirty="0" smtClean="0"/>
-              <a:t>Mutation</a:t>
-            </a:r>
-          </a:p>
-          <a:p>
+              <a:t>Formulierung</a:t>
+            </a:r>
             <a:endParaRPr lang="de-CH" dirty="0"/>
           </a:p>
         </p:txBody>
       </p:sp>
+      <p:sp>
+        <p:nvSpPr>
+          <p:cNvPr id="8" name="Content Placeholder 7"/>
+          <p:cNvSpPr>
+            <a:spLocks noGrp="1"/>
+          </p:cNvSpPr>
+          <p:nvPr>
+            <p:ph sz="half" idx="2"/>
+          </p:nvPr>
+        </p:nvSpPr>
+        <p:spPr/>
+        <p:txBody>
+          <a:bodyPr/>
+          <a:lstStyle/>
+          <a:p>
+            <a:r>
+              <a:rPr lang="de-CH" dirty="0"/>
+              <a:t>E</a:t>
+            </a:r>
+            <a:r>
+              <a:rPr lang="de-CH" dirty="0" smtClean="0"/>
+              <a:t>in </a:t>
+            </a:r>
+            <a:r>
+              <a:rPr lang="de-CH" dirty="0"/>
+              <a:t>Individuum mit acht </a:t>
+            </a:r>
+            <a:r>
+              <a:rPr lang="de-CH" dirty="0" smtClean="0"/>
+              <a:t>Körperpunkten kann sich</a:t>
+            </a:r>
+            <a:r>
+              <a:rPr lang="de-CH" dirty="0"/>
+              <a:t/>
+            </a:r>
+            <a:br>
+              <a:rPr lang="de-CH" dirty="0"/>
+            </a:br>
+            <a:r>
+              <a:rPr lang="de-CH" dirty="0"/>
+              <a:t>schneller durch den Parcours </a:t>
+            </a:r>
+            <a:r>
+              <a:rPr lang="de-CH" dirty="0" smtClean="0"/>
+              <a:t>bewegen, </a:t>
+            </a:r>
+            <a:r>
+              <a:rPr lang="de-CH" dirty="0"/>
+              <a:t>als ein Individuum mit weniger Körperpunkten. </a:t>
+            </a:r>
+            <a:endParaRPr lang="de-CH" dirty="0" smtClean="0"/>
+          </a:p>
+          <a:p>
+            <a:endParaRPr lang="de-CH" dirty="0" smtClean="0"/>
+          </a:p>
+          <a:p>
+            <a:r>
+              <a:rPr lang="de-CH" dirty="0" smtClean="0"/>
+              <a:t>Vermutung: Durch die </a:t>
+            </a:r>
+            <a:r>
+              <a:rPr lang="de-CH" dirty="0"/>
+              <a:t>komplexere </a:t>
+            </a:r>
+            <a:r>
+              <a:rPr lang="de-CH" dirty="0" smtClean="0"/>
+              <a:t>Form des Körpers können die Individuen die Balance </a:t>
+            </a:r>
+            <a:r>
+              <a:rPr lang="de-CH" dirty="0"/>
+              <a:t>besser </a:t>
+            </a:r>
+            <a:r>
+              <a:rPr lang="de-CH" dirty="0" smtClean="0"/>
+              <a:t>halten.</a:t>
+            </a:r>
+            <a:r>
+              <a:rPr lang="de-CH" dirty="0"/>
+              <a:t/>
+            </a:r>
+            <a:br>
+              <a:rPr lang="de-CH" dirty="0"/>
+            </a:br>
+            <a:r>
+              <a:rPr lang="de-CH" dirty="0"/>
+              <a:t/>
+            </a:r>
+            <a:br>
+              <a:rPr lang="de-CH" dirty="0"/>
+            </a:br>
+            <a:r>
+              <a:rPr lang="de-CH" dirty="0"/>
+              <a:t/>
+            </a:r>
+            <a:br>
+              <a:rPr lang="de-CH" dirty="0"/>
+            </a:br>
+            <a:r>
+              <a:rPr lang="de-CH" dirty="0"/>
+              <a:t/>
+            </a:r>
+            <a:br>
+              <a:rPr lang="de-CH" dirty="0"/>
+            </a:br>
+            <a:endParaRPr lang="de-CH" dirty="0"/>
+          </a:p>
+        </p:txBody>
+      </p:sp>
+      <p:sp>
+        <p:nvSpPr>
+          <p:cNvPr id="9" name="Text Placeholder 8"/>
+          <p:cNvSpPr>
+            <a:spLocks noGrp="1"/>
+          </p:cNvSpPr>
+          <p:nvPr>
+            <p:ph type="body" sz="quarter" idx="3"/>
+          </p:nvPr>
+        </p:nvSpPr>
+        <p:spPr/>
+        <p:txBody>
+          <a:bodyPr/>
+          <a:lstStyle/>
+          <a:p>
+            <a:r>
+              <a:rPr lang="de-CH" dirty="0" smtClean="0"/>
+              <a:t>Veranschaulichung Körperpunkte</a:t>
+            </a:r>
+            <a:endParaRPr lang="de-CH" dirty="0"/>
+          </a:p>
+        </p:txBody>
+      </p:sp>
+      <p:pic>
+        <p:nvPicPr>
+          <p:cNvPr id="11" name="Content Placeholder 10"/>
+          <p:cNvPicPr>
+            <a:picLocks noGrp="1" noChangeAspect="1"/>
+          </p:cNvPicPr>
+          <p:nvPr>
+            <p:ph sz="quarter" idx="4"/>
+          </p:nvPr>
+        </p:nvPicPr>
+        <p:blipFill>
+          <a:blip r:embed="rId2" cstate="print">
+            <a:extLst>
+              <a:ext uri="{28A0092B-C50C-407E-A947-70E740481C1C}">
+                <a14:useLocalDpi xmlns:a14="http://schemas.microsoft.com/office/drawing/2010/main" val="0"/>
+              </a:ext>
+            </a:extLst>
+          </a:blip>
+          <a:stretch>
+            <a:fillRect/>
+          </a:stretch>
+        </p:blipFill>
+        <p:spPr>
+          <a:xfrm>
+            <a:off x="6096000" y="4121581"/>
+            <a:ext cx="1997453" cy="1404082"/>
+          </a:xfrm>
+        </p:spPr>
+      </p:pic>
       <p:sp>
         <p:nvSpPr>
           <p:cNvPr id="4" name="Date Placeholder 3"/>
@@ -27746,7 +28689,7 @@
           <a:bodyPr/>
           <a:lstStyle/>
           <a:p>
-            <a:fld id="{C85944C4-99C3-4AAD-B274-CCA99F6BAB6F}" type="datetime1">
+            <a:fld id="{E6DD9CFA-7FDE-4C28-9438-98659B0FC9DB}" type="datetime1">
               <a:rPr lang="de-CH" smtClean="0"/>
               <a:t>28.06.2016</a:t>
             </a:fld>
@@ -27756,7 +28699,30 @@
       </p:sp>
       <p:sp>
         <p:nvSpPr>
-          <p:cNvPr id="5" name="Slide Number Placeholder 4"/>
+          <p:cNvPr id="5" name="Footer Placeholder 4"/>
+          <p:cNvSpPr>
+            <a:spLocks noGrp="1"/>
+          </p:cNvSpPr>
+          <p:nvPr>
+            <p:ph type="ftr" sz="quarter" idx="11"/>
+          </p:nvPr>
+        </p:nvSpPr>
+        <p:spPr/>
+        <p:txBody>
+          <a:bodyPr/>
+          <a:lstStyle/>
+          <a:p>
+            <a:r>
+              <a:rPr lang="de-CH" smtClean="0"/>
+              <a:t>Design von artifiziellen Tieren mit evolutionären Algorithmen - F. Hediger, F. Tanner</a:t>
+            </a:r>
+            <a:endParaRPr lang="de-CH" dirty="0"/>
+          </a:p>
+        </p:txBody>
+      </p:sp>
+      <p:sp>
+        <p:nvSpPr>
+          <p:cNvPr id="6" name="Slide Number Placeholder 5"/>
           <p:cNvSpPr>
             <a:spLocks noGrp="1"/>
           </p:cNvSpPr>
@@ -27777,33 +28743,554 @@
           </a:p>
         </p:txBody>
       </p:sp>
+      <p:pic>
+        <p:nvPicPr>
+          <p:cNvPr id="12" name="Picture 11"/>
+          <p:cNvPicPr>
+            <a:picLocks noChangeAspect="1"/>
+          </p:cNvPicPr>
+          <p:nvPr/>
+        </p:nvPicPr>
+        <p:blipFill>
+          <a:blip r:embed="rId3" cstate="print">
+            <a:extLst>
+              <a:ext uri="{28A0092B-C50C-407E-A947-70E740481C1C}">
+                <a14:useLocalDpi xmlns:a14="http://schemas.microsoft.com/office/drawing/2010/main" val="0"/>
+              </a:ext>
+            </a:extLst>
+          </a:blip>
+          <a:stretch>
+            <a:fillRect/>
+          </a:stretch>
+        </p:blipFill>
+        <p:spPr>
+          <a:xfrm>
+            <a:off x="9551303" y="3827349"/>
+            <a:ext cx="1772863" cy="1992546"/>
+          </a:xfrm>
+          <a:prstGeom prst="rect">
+            <a:avLst/>
+          </a:prstGeom>
+        </p:spPr>
+      </p:pic>
       <p:sp>
         <p:nvSpPr>
-          <p:cNvPr id="6" name="Footer Placeholder 5"/>
-          <p:cNvSpPr>
-            <a:spLocks noGrp="1"/>
+          <p:cNvPr id="13" name="Text Placeholder 8"/>
+          <p:cNvSpPr txBox="1">
+            <a:spLocks/>
           </p:cNvSpPr>
-          <p:nvPr>
-            <p:ph type="ftr" sz="quarter" idx="11"/>
-          </p:nvPr>
+          <p:nvPr/>
         </p:nvSpPr>
-        <p:spPr/>
+        <p:spPr>
+          <a:xfrm>
+            <a:off x="6003744" y="2735641"/>
+            <a:ext cx="2089709" cy="822960"/>
+          </a:xfrm>
+          <a:prstGeom prst="rect">
+            <a:avLst/>
+          </a:prstGeom>
+        </p:spPr>
         <p:txBody>
-          <a:bodyPr/>
-          <a:lstStyle/>
-          <a:p>
-            <a:r>
-              <a:rPr lang="de-CH" smtClean="0"/>
-              <a:t>Design von artifiziellen Tieren mit evolutionären Algorithmen - F. Hediger, F. Tanner</a:t>
-            </a:r>
-            <a:endParaRPr lang="de-CH" dirty="0"/>
+          <a:bodyPr vert="horz" lIns="137160" tIns="45720" rIns="137160" bIns="45720" rtlCol="0" anchor="ctr">
+            <a:normAutofit/>
+          </a:bodyPr>
+          <a:lstStyle>
+            <a:lvl1pPr marL="0" indent="0" algn="l" defTabSz="914400" rtl="0" eaLnBrk="1" latinLnBrk="0" hangingPunct="1">
+              <a:lnSpc>
+                <a:spcPct val="90000"/>
+              </a:lnSpc>
+              <a:spcBef>
+                <a:spcPts val="0"/>
+              </a:spcBef>
+              <a:spcAft>
+                <a:spcPts val="0"/>
+              </a:spcAft>
+              <a:buClr>
+                <a:schemeClr val="accent1"/>
+              </a:buClr>
+              <a:buSzPct val="100000"/>
+              <a:buFont typeface="Wingdings" panose="05000000000000000000" pitchFamily="2" charset="2"/>
+              <a:buNone/>
+              <a:defRPr lang="en-US" sz="2300" b="0" kern="1200" cap="none" baseline="0" dirty="0">
+                <a:solidFill>
+                  <a:schemeClr val="accent1"/>
+                </a:solidFill>
+                <a:latin typeface="+mn-lt"/>
+                <a:ea typeface="+mn-ea"/>
+                <a:cs typeface="+mn-cs"/>
+              </a:defRPr>
+            </a:lvl1pPr>
+            <a:lvl2pPr marL="457200" indent="0" algn="l" defTabSz="914400" rtl="0" eaLnBrk="1" latinLnBrk="0" hangingPunct="1">
+              <a:lnSpc>
+                <a:spcPct val="90000"/>
+              </a:lnSpc>
+              <a:spcBef>
+                <a:spcPts val="200"/>
+              </a:spcBef>
+              <a:spcAft>
+                <a:spcPts val="400"/>
+              </a:spcAft>
+              <a:buClr>
+                <a:schemeClr val="accent1"/>
+              </a:buClr>
+              <a:buFont typeface="Wingdings 3" pitchFamily="18" charset="2"/>
+              <a:buNone/>
+              <a:defRPr sz="2000" b="1" kern="1200">
+                <a:solidFill>
+                  <a:schemeClr val="tx1"/>
+                </a:solidFill>
+                <a:latin typeface="+mn-lt"/>
+                <a:ea typeface="+mn-ea"/>
+                <a:cs typeface="+mn-cs"/>
+              </a:defRPr>
+            </a:lvl2pPr>
+            <a:lvl3pPr marL="914400" indent="0" algn="l" defTabSz="914400" rtl="0" eaLnBrk="1" latinLnBrk="0" hangingPunct="1">
+              <a:lnSpc>
+                <a:spcPct val="90000"/>
+              </a:lnSpc>
+              <a:spcBef>
+                <a:spcPts val="200"/>
+              </a:spcBef>
+              <a:spcAft>
+                <a:spcPts val="400"/>
+              </a:spcAft>
+              <a:buClr>
+                <a:schemeClr val="accent1"/>
+              </a:buClr>
+              <a:buFont typeface="Wingdings 3" pitchFamily="18" charset="2"/>
+              <a:buNone/>
+              <a:defRPr sz="1800" b="1" kern="1200">
+                <a:solidFill>
+                  <a:schemeClr val="tx1"/>
+                </a:solidFill>
+                <a:latin typeface="+mn-lt"/>
+                <a:ea typeface="+mn-ea"/>
+                <a:cs typeface="+mn-cs"/>
+              </a:defRPr>
+            </a:lvl3pPr>
+            <a:lvl4pPr marL="1371600" indent="0" algn="l" defTabSz="914400" rtl="0" eaLnBrk="1" latinLnBrk="0" hangingPunct="1">
+              <a:lnSpc>
+                <a:spcPct val="90000"/>
+              </a:lnSpc>
+              <a:spcBef>
+                <a:spcPts val="200"/>
+              </a:spcBef>
+              <a:spcAft>
+                <a:spcPts val="400"/>
+              </a:spcAft>
+              <a:buClr>
+                <a:schemeClr val="accent1"/>
+              </a:buClr>
+              <a:buFont typeface="Wingdings 3" pitchFamily="18" charset="2"/>
+              <a:buNone/>
+              <a:defRPr sz="1600" b="1" kern="1200">
+                <a:solidFill>
+                  <a:schemeClr val="tx1"/>
+                </a:solidFill>
+                <a:latin typeface="+mn-lt"/>
+                <a:ea typeface="+mn-ea"/>
+                <a:cs typeface="+mn-cs"/>
+              </a:defRPr>
+            </a:lvl4pPr>
+            <a:lvl5pPr marL="1828800" indent="0" algn="l" defTabSz="914400" rtl="0" eaLnBrk="1" latinLnBrk="0" hangingPunct="1">
+              <a:lnSpc>
+                <a:spcPct val="90000"/>
+              </a:lnSpc>
+              <a:spcBef>
+                <a:spcPts val="200"/>
+              </a:spcBef>
+              <a:spcAft>
+                <a:spcPts val="400"/>
+              </a:spcAft>
+              <a:buClr>
+                <a:schemeClr val="accent1"/>
+              </a:buClr>
+              <a:buFont typeface="Wingdings 3" pitchFamily="18" charset="2"/>
+              <a:buNone/>
+              <a:defRPr sz="1600" b="1" kern="1200">
+                <a:solidFill>
+                  <a:schemeClr val="tx1"/>
+                </a:solidFill>
+                <a:latin typeface="+mn-lt"/>
+                <a:ea typeface="+mn-ea"/>
+                <a:cs typeface="+mn-cs"/>
+              </a:defRPr>
+            </a:lvl5pPr>
+            <a:lvl6pPr marL="2286000" indent="0" algn="l" defTabSz="914400" rtl="0" eaLnBrk="1" latinLnBrk="0" hangingPunct="1">
+              <a:lnSpc>
+                <a:spcPct val="90000"/>
+              </a:lnSpc>
+              <a:spcBef>
+                <a:spcPts val="200"/>
+              </a:spcBef>
+              <a:spcAft>
+                <a:spcPts val="400"/>
+              </a:spcAft>
+              <a:buClr>
+                <a:schemeClr val="accent1"/>
+              </a:buClr>
+              <a:buFont typeface="Wingdings 3" pitchFamily="18" charset="2"/>
+              <a:buNone/>
+              <a:defRPr sz="1600" b="1" kern="1200">
+                <a:solidFill>
+                  <a:schemeClr val="tx1"/>
+                </a:solidFill>
+                <a:latin typeface="+mn-lt"/>
+                <a:ea typeface="+mn-ea"/>
+                <a:cs typeface="+mn-cs"/>
+              </a:defRPr>
+            </a:lvl6pPr>
+            <a:lvl7pPr marL="2743200" indent="0" algn="l" defTabSz="914400" rtl="0" eaLnBrk="1" latinLnBrk="0" hangingPunct="1">
+              <a:lnSpc>
+                <a:spcPct val="90000"/>
+              </a:lnSpc>
+              <a:spcBef>
+                <a:spcPts val="200"/>
+              </a:spcBef>
+              <a:spcAft>
+                <a:spcPts val="400"/>
+              </a:spcAft>
+              <a:buClr>
+                <a:schemeClr val="accent1"/>
+              </a:buClr>
+              <a:buFont typeface="Wingdings 3" pitchFamily="18" charset="2"/>
+              <a:buNone/>
+              <a:defRPr sz="1600" b="1" kern="1200">
+                <a:solidFill>
+                  <a:schemeClr val="tx1"/>
+                </a:solidFill>
+                <a:latin typeface="+mn-lt"/>
+                <a:ea typeface="+mn-ea"/>
+                <a:cs typeface="+mn-cs"/>
+              </a:defRPr>
+            </a:lvl7pPr>
+            <a:lvl8pPr marL="3200400" indent="0" algn="l" defTabSz="914400" rtl="0" eaLnBrk="1" latinLnBrk="0" hangingPunct="1">
+              <a:lnSpc>
+                <a:spcPct val="90000"/>
+              </a:lnSpc>
+              <a:spcBef>
+                <a:spcPts val="200"/>
+              </a:spcBef>
+              <a:spcAft>
+                <a:spcPts val="400"/>
+              </a:spcAft>
+              <a:buClr>
+                <a:schemeClr val="accent1"/>
+              </a:buClr>
+              <a:buFont typeface="Wingdings 3" pitchFamily="18" charset="2"/>
+              <a:buNone/>
+              <a:defRPr sz="1600" b="1" kern="1200">
+                <a:solidFill>
+                  <a:schemeClr val="tx1"/>
+                </a:solidFill>
+                <a:latin typeface="+mn-lt"/>
+                <a:ea typeface="+mn-ea"/>
+                <a:cs typeface="+mn-cs"/>
+              </a:defRPr>
+            </a:lvl8pPr>
+            <a:lvl9pPr marL="3657600" indent="0" algn="l" defTabSz="914400" rtl="0" eaLnBrk="1" latinLnBrk="0" hangingPunct="1">
+              <a:lnSpc>
+                <a:spcPct val="90000"/>
+              </a:lnSpc>
+              <a:spcBef>
+                <a:spcPts val="200"/>
+              </a:spcBef>
+              <a:spcAft>
+                <a:spcPts val="400"/>
+              </a:spcAft>
+              <a:buClr>
+                <a:schemeClr val="accent1"/>
+              </a:buClr>
+              <a:buFont typeface="Wingdings 3" pitchFamily="18" charset="2"/>
+              <a:buNone/>
+              <a:defRPr sz="1600" b="1" kern="1200">
+                <a:solidFill>
+                  <a:schemeClr val="tx1"/>
+                </a:solidFill>
+                <a:latin typeface="+mn-lt"/>
+                <a:ea typeface="+mn-ea"/>
+                <a:cs typeface="+mn-cs"/>
+              </a:defRPr>
+            </a:lvl9pPr>
+          </a:lstStyle>
+          <a:p>
+            <a:r>
+              <a:rPr lang="de-CH" sz="1800" dirty="0" smtClean="0">
+                <a:solidFill>
+                  <a:schemeClr val="tx1"/>
+                </a:solidFill>
+              </a:rPr>
+              <a:t>Sechs Körperpunkte</a:t>
+            </a:r>
+            <a:endParaRPr lang="de-CH" sz="1800" dirty="0">
+              <a:solidFill>
+                <a:schemeClr val="tx1"/>
+              </a:solidFill>
+            </a:endParaRPr>
+          </a:p>
+        </p:txBody>
+      </p:sp>
+      <p:sp>
+        <p:nvSpPr>
+          <p:cNvPr id="15" name="Text Placeholder 8"/>
+          <p:cNvSpPr txBox="1">
+            <a:spLocks/>
+          </p:cNvSpPr>
+          <p:nvPr/>
+        </p:nvSpPr>
+        <p:spPr>
+          <a:xfrm>
+            <a:off x="9392879" y="2735641"/>
+            <a:ext cx="2089709" cy="822960"/>
+          </a:xfrm>
+          <a:prstGeom prst="rect">
+            <a:avLst/>
+          </a:prstGeom>
+        </p:spPr>
+        <p:txBody>
+          <a:bodyPr vert="horz" lIns="137160" tIns="45720" rIns="137160" bIns="45720" rtlCol="0" anchor="ctr">
+            <a:normAutofit/>
+          </a:bodyPr>
+          <a:lstStyle>
+            <a:lvl1pPr marL="0" indent="0" algn="l" defTabSz="914400" rtl="0" eaLnBrk="1" latinLnBrk="0" hangingPunct="1">
+              <a:lnSpc>
+                <a:spcPct val="90000"/>
+              </a:lnSpc>
+              <a:spcBef>
+                <a:spcPts val="0"/>
+              </a:spcBef>
+              <a:spcAft>
+                <a:spcPts val="0"/>
+              </a:spcAft>
+              <a:buClr>
+                <a:schemeClr val="accent1"/>
+              </a:buClr>
+              <a:buSzPct val="100000"/>
+              <a:buFont typeface="Wingdings" panose="05000000000000000000" pitchFamily="2" charset="2"/>
+              <a:buNone/>
+              <a:defRPr lang="en-US" sz="2300" b="0" kern="1200" cap="none" baseline="0" dirty="0">
+                <a:solidFill>
+                  <a:schemeClr val="accent1"/>
+                </a:solidFill>
+                <a:latin typeface="+mn-lt"/>
+                <a:ea typeface="+mn-ea"/>
+                <a:cs typeface="+mn-cs"/>
+              </a:defRPr>
+            </a:lvl1pPr>
+            <a:lvl2pPr marL="457200" indent="0" algn="l" defTabSz="914400" rtl="0" eaLnBrk="1" latinLnBrk="0" hangingPunct="1">
+              <a:lnSpc>
+                <a:spcPct val="90000"/>
+              </a:lnSpc>
+              <a:spcBef>
+                <a:spcPts val="200"/>
+              </a:spcBef>
+              <a:spcAft>
+                <a:spcPts val="400"/>
+              </a:spcAft>
+              <a:buClr>
+                <a:schemeClr val="accent1"/>
+              </a:buClr>
+              <a:buFont typeface="Wingdings 3" pitchFamily="18" charset="2"/>
+              <a:buNone/>
+              <a:defRPr sz="2000" b="1" kern="1200">
+                <a:solidFill>
+                  <a:schemeClr val="tx1"/>
+                </a:solidFill>
+                <a:latin typeface="+mn-lt"/>
+                <a:ea typeface="+mn-ea"/>
+                <a:cs typeface="+mn-cs"/>
+              </a:defRPr>
+            </a:lvl2pPr>
+            <a:lvl3pPr marL="914400" indent="0" algn="l" defTabSz="914400" rtl="0" eaLnBrk="1" latinLnBrk="0" hangingPunct="1">
+              <a:lnSpc>
+                <a:spcPct val="90000"/>
+              </a:lnSpc>
+              <a:spcBef>
+                <a:spcPts val="200"/>
+              </a:spcBef>
+              <a:spcAft>
+                <a:spcPts val="400"/>
+              </a:spcAft>
+              <a:buClr>
+                <a:schemeClr val="accent1"/>
+              </a:buClr>
+              <a:buFont typeface="Wingdings 3" pitchFamily="18" charset="2"/>
+              <a:buNone/>
+              <a:defRPr sz="1800" b="1" kern="1200">
+                <a:solidFill>
+                  <a:schemeClr val="tx1"/>
+                </a:solidFill>
+                <a:latin typeface="+mn-lt"/>
+                <a:ea typeface="+mn-ea"/>
+                <a:cs typeface="+mn-cs"/>
+              </a:defRPr>
+            </a:lvl3pPr>
+            <a:lvl4pPr marL="1371600" indent="0" algn="l" defTabSz="914400" rtl="0" eaLnBrk="1" latinLnBrk="0" hangingPunct="1">
+              <a:lnSpc>
+                <a:spcPct val="90000"/>
+              </a:lnSpc>
+              <a:spcBef>
+                <a:spcPts val="200"/>
+              </a:spcBef>
+              <a:spcAft>
+                <a:spcPts val="400"/>
+              </a:spcAft>
+              <a:buClr>
+                <a:schemeClr val="accent1"/>
+              </a:buClr>
+              <a:buFont typeface="Wingdings 3" pitchFamily="18" charset="2"/>
+              <a:buNone/>
+              <a:defRPr sz="1600" b="1" kern="1200">
+                <a:solidFill>
+                  <a:schemeClr val="tx1"/>
+                </a:solidFill>
+                <a:latin typeface="+mn-lt"/>
+                <a:ea typeface="+mn-ea"/>
+                <a:cs typeface="+mn-cs"/>
+              </a:defRPr>
+            </a:lvl4pPr>
+            <a:lvl5pPr marL="1828800" indent="0" algn="l" defTabSz="914400" rtl="0" eaLnBrk="1" latinLnBrk="0" hangingPunct="1">
+              <a:lnSpc>
+                <a:spcPct val="90000"/>
+              </a:lnSpc>
+              <a:spcBef>
+                <a:spcPts val="200"/>
+              </a:spcBef>
+              <a:spcAft>
+                <a:spcPts val="400"/>
+              </a:spcAft>
+              <a:buClr>
+                <a:schemeClr val="accent1"/>
+              </a:buClr>
+              <a:buFont typeface="Wingdings 3" pitchFamily="18" charset="2"/>
+              <a:buNone/>
+              <a:defRPr sz="1600" b="1" kern="1200">
+                <a:solidFill>
+                  <a:schemeClr val="tx1"/>
+                </a:solidFill>
+                <a:latin typeface="+mn-lt"/>
+                <a:ea typeface="+mn-ea"/>
+                <a:cs typeface="+mn-cs"/>
+              </a:defRPr>
+            </a:lvl5pPr>
+            <a:lvl6pPr marL="2286000" indent="0" algn="l" defTabSz="914400" rtl="0" eaLnBrk="1" latinLnBrk="0" hangingPunct="1">
+              <a:lnSpc>
+                <a:spcPct val="90000"/>
+              </a:lnSpc>
+              <a:spcBef>
+                <a:spcPts val="200"/>
+              </a:spcBef>
+              <a:spcAft>
+                <a:spcPts val="400"/>
+              </a:spcAft>
+              <a:buClr>
+                <a:schemeClr val="accent1"/>
+              </a:buClr>
+              <a:buFont typeface="Wingdings 3" pitchFamily="18" charset="2"/>
+              <a:buNone/>
+              <a:defRPr sz="1600" b="1" kern="1200">
+                <a:solidFill>
+                  <a:schemeClr val="tx1"/>
+                </a:solidFill>
+                <a:latin typeface="+mn-lt"/>
+                <a:ea typeface="+mn-ea"/>
+                <a:cs typeface="+mn-cs"/>
+              </a:defRPr>
+            </a:lvl6pPr>
+            <a:lvl7pPr marL="2743200" indent="0" algn="l" defTabSz="914400" rtl="0" eaLnBrk="1" latinLnBrk="0" hangingPunct="1">
+              <a:lnSpc>
+                <a:spcPct val="90000"/>
+              </a:lnSpc>
+              <a:spcBef>
+                <a:spcPts val="200"/>
+              </a:spcBef>
+              <a:spcAft>
+                <a:spcPts val="400"/>
+              </a:spcAft>
+              <a:buClr>
+                <a:schemeClr val="accent1"/>
+              </a:buClr>
+              <a:buFont typeface="Wingdings 3" pitchFamily="18" charset="2"/>
+              <a:buNone/>
+              <a:defRPr sz="1600" b="1" kern="1200">
+                <a:solidFill>
+                  <a:schemeClr val="tx1"/>
+                </a:solidFill>
+                <a:latin typeface="+mn-lt"/>
+                <a:ea typeface="+mn-ea"/>
+                <a:cs typeface="+mn-cs"/>
+              </a:defRPr>
+            </a:lvl7pPr>
+            <a:lvl8pPr marL="3200400" indent="0" algn="l" defTabSz="914400" rtl="0" eaLnBrk="1" latinLnBrk="0" hangingPunct="1">
+              <a:lnSpc>
+                <a:spcPct val="90000"/>
+              </a:lnSpc>
+              <a:spcBef>
+                <a:spcPts val="200"/>
+              </a:spcBef>
+              <a:spcAft>
+                <a:spcPts val="400"/>
+              </a:spcAft>
+              <a:buClr>
+                <a:schemeClr val="accent1"/>
+              </a:buClr>
+              <a:buFont typeface="Wingdings 3" pitchFamily="18" charset="2"/>
+              <a:buNone/>
+              <a:defRPr sz="1600" b="1" kern="1200">
+                <a:solidFill>
+                  <a:schemeClr val="tx1"/>
+                </a:solidFill>
+                <a:latin typeface="+mn-lt"/>
+                <a:ea typeface="+mn-ea"/>
+                <a:cs typeface="+mn-cs"/>
+              </a:defRPr>
+            </a:lvl8pPr>
+            <a:lvl9pPr marL="3657600" indent="0" algn="l" defTabSz="914400" rtl="0" eaLnBrk="1" latinLnBrk="0" hangingPunct="1">
+              <a:lnSpc>
+                <a:spcPct val="90000"/>
+              </a:lnSpc>
+              <a:spcBef>
+                <a:spcPts val="200"/>
+              </a:spcBef>
+              <a:spcAft>
+                <a:spcPts val="400"/>
+              </a:spcAft>
+              <a:buClr>
+                <a:schemeClr val="accent1"/>
+              </a:buClr>
+              <a:buFont typeface="Wingdings 3" pitchFamily="18" charset="2"/>
+              <a:buNone/>
+              <a:defRPr sz="1600" b="1" kern="1200">
+                <a:solidFill>
+                  <a:schemeClr val="tx1"/>
+                </a:solidFill>
+                <a:latin typeface="+mn-lt"/>
+                <a:ea typeface="+mn-ea"/>
+                <a:cs typeface="+mn-cs"/>
+              </a:defRPr>
+            </a:lvl9pPr>
+          </a:lstStyle>
+          <a:p>
+            <a:r>
+              <a:rPr lang="de-CH" sz="1800" dirty="0" smtClean="0">
+                <a:solidFill>
+                  <a:schemeClr val="tx1"/>
+                </a:solidFill>
+              </a:rPr>
+              <a:t>Acht Körperpunkte</a:t>
+            </a:r>
+            <a:endParaRPr lang="de-CH" sz="1800" dirty="0">
+              <a:solidFill>
+                <a:schemeClr val="tx1"/>
+              </a:solidFill>
+            </a:endParaRPr>
           </a:p>
         </p:txBody>
       </p:sp>
     </p:spTree>
     <p:extLst>
       <p:ext uri="{BB962C8B-B14F-4D97-AF65-F5344CB8AC3E}">
-        <p14:creationId xmlns:p14="http://schemas.microsoft.com/office/powerpoint/2010/main" val="3655586289"/>
+        <p14:creationId xmlns:p14="http://schemas.microsoft.com/office/powerpoint/2010/main" val="4224349036"/>
       </p:ext>
     </p:extLst>
   </p:cSld>
@@ -27854,6 +29341,348 @@
           <a:p>
             <a:r>
               <a:rPr lang="de-CH" dirty="0" smtClean="0"/>
+              <a:t>HYPOTHESE </a:t>
+            </a:r>
+            <a:r>
+              <a:rPr lang="de-CH" dirty="0" err="1" smtClean="0"/>
+              <a:t>MuTATIONSWAHRSCHEINLICHKEITEN</a:t>
+            </a:r>
+            <a:endParaRPr lang="de-CH" dirty="0"/>
+          </a:p>
+        </p:txBody>
+      </p:sp>
+      <p:sp>
+        <p:nvSpPr>
+          <p:cNvPr id="10" name="Content Placeholder 9"/>
+          <p:cNvSpPr>
+            <a:spLocks noGrp="1"/>
+          </p:cNvSpPr>
+          <p:nvPr>
+            <p:ph idx="1"/>
+          </p:nvPr>
+        </p:nvSpPr>
+        <p:spPr/>
+        <p:txBody>
+          <a:bodyPr/>
+          <a:lstStyle/>
+          <a:p>
+            <a:r>
+              <a:rPr lang="de-CH" dirty="0" smtClean="0"/>
+              <a:t>Es wird vermutet, dass mit kleinen Mutationswahrscheinlichkeiten bessere Resultate gefunden werden können</a:t>
+            </a:r>
+          </a:p>
+          <a:p>
+            <a:endParaRPr lang="de-CH" dirty="0"/>
+          </a:p>
+          <a:p>
+            <a:r>
+              <a:rPr lang="de-CH" dirty="0" smtClean="0"/>
+              <a:t>Durch hohe Mutationswahrscheinlichkeiten wird die Evolution der Individuen gebremst</a:t>
+            </a:r>
+            <a:endParaRPr lang="de-CH" dirty="0"/>
+          </a:p>
+          <a:p>
+            <a:endParaRPr lang="de-CH" dirty="0"/>
+          </a:p>
+        </p:txBody>
+      </p:sp>
+      <p:sp>
+        <p:nvSpPr>
+          <p:cNvPr id="7" name="Date Placeholder 6"/>
+          <p:cNvSpPr>
+            <a:spLocks noGrp="1"/>
+          </p:cNvSpPr>
+          <p:nvPr>
+            <p:ph type="dt" sz="half" idx="10"/>
+          </p:nvPr>
+        </p:nvSpPr>
+        <p:spPr/>
+        <p:txBody>
+          <a:bodyPr/>
+          <a:lstStyle/>
+          <a:p>
+            <a:fld id="{5C5B847C-6AE1-407D-8FC4-CEB9DD334D02}" type="datetime1">
+              <a:rPr lang="de-CH" smtClean="0"/>
+              <a:t>28.06.2016</a:t>
+            </a:fld>
+            <a:endParaRPr lang="de-CH"/>
+          </a:p>
+        </p:txBody>
+      </p:sp>
+      <p:sp>
+        <p:nvSpPr>
+          <p:cNvPr id="8" name="Footer Placeholder 7"/>
+          <p:cNvSpPr>
+            <a:spLocks noGrp="1"/>
+          </p:cNvSpPr>
+          <p:nvPr>
+            <p:ph type="ftr" sz="quarter" idx="11"/>
+          </p:nvPr>
+        </p:nvSpPr>
+        <p:spPr/>
+        <p:txBody>
+          <a:bodyPr/>
+          <a:lstStyle/>
+          <a:p>
+            <a:r>
+              <a:rPr lang="de-CH" smtClean="0"/>
+              <a:t>Design von artifiziellen Tieren mit evolutionären Algorithmen - F. Hediger, F. Tanner</a:t>
+            </a:r>
+            <a:endParaRPr lang="de-CH"/>
+          </a:p>
+        </p:txBody>
+      </p:sp>
+      <p:sp>
+        <p:nvSpPr>
+          <p:cNvPr id="9" name="Slide Number Placeholder 8"/>
+          <p:cNvSpPr>
+            <a:spLocks noGrp="1"/>
+          </p:cNvSpPr>
+          <p:nvPr>
+            <p:ph type="sldNum" sz="quarter" idx="12"/>
+          </p:nvPr>
+        </p:nvSpPr>
+        <p:spPr/>
+        <p:txBody>
+          <a:bodyPr/>
+          <a:lstStyle/>
+          <a:p>
+            <a:fld id="{9DD3427A-877F-49F0-A244-E76867DD5238}" type="slidenum">
+              <a:rPr lang="de-CH" smtClean="0"/>
+              <a:t>7</a:t>
+            </a:fld>
+            <a:endParaRPr lang="de-CH"/>
+          </a:p>
+        </p:txBody>
+      </p:sp>
+    </p:spTree>
+    <p:extLst>
+      <p:ext uri="{BB962C8B-B14F-4D97-AF65-F5344CB8AC3E}">
+        <p14:creationId xmlns:p14="http://schemas.microsoft.com/office/powerpoint/2010/main" val="2873280584"/>
+      </p:ext>
+    </p:extLst>
+  </p:cSld>
+  <p:clrMapOvr>
+    <a:masterClrMapping/>
+  </p:clrMapOvr>
+</p:sld>
+</file>
+
+<file path=ppt/slides/slide8.xml><?xml version="1.0" encoding="utf-8"?>
+<p:sld xmlns:a="http://schemas.openxmlformats.org/drawingml/2006/main" xmlns:r="http://schemas.openxmlformats.org/officeDocument/2006/relationships" xmlns:p="http://schemas.openxmlformats.org/presentationml/2006/main">
+  <p:cSld>
+    <p:spTree>
+      <p:nvGrpSpPr>
+        <p:cNvPr id="1" name=""/>
+        <p:cNvGrpSpPr/>
+        <p:nvPr/>
+      </p:nvGrpSpPr>
+      <p:grpSpPr>
+        <a:xfrm>
+          <a:off x="0" y="0"/>
+          <a:ext cx="0" cy="0"/>
+          <a:chOff x="0" y="0"/>
+          <a:chExt cx="0" cy="0"/>
+        </a:xfrm>
+      </p:grpSpPr>
+      <p:sp>
+        <p:nvSpPr>
+          <p:cNvPr id="2" name="Title 1"/>
+          <p:cNvSpPr>
+            <a:spLocks noGrp="1"/>
+          </p:cNvSpPr>
+          <p:nvPr>
+            <p:ph type="title"/>
+          </p:nvPr>
+        </p:nvSpPr>
+        <p:spPr/>
+        <p:txBody>
+          <a:bodyPr/>
+          <a:lstStyle/>
+          <a:p>
+            <a:r>
+              <a:rPr lang="de-CH" dirty="0"/>
+              <a:t>Grundlagen</a:t>
+            </a:r>
+          </a:p>
+        </p:txBody>
+      </p:sp>
+      <p:sp>
+        <p:nvSpPr>
+          <p:cNvPr id="3" name="Content Placeholder 2"/>
+          <p:cNvSpPr>
+            <a:spLocks noGrp="1"/>
+          </p:cNvSpPr>
+          <p:nvPr>
+            <p:ph idx="1"/>
+          </p:nvPr>
+        </p:nvSpPr>
+        <p:spPr/>
+        <p:txBody>
+          <a:bodyPr/>
+          <a:lstStyle/>
+          <a:p>
+            <a:r>
+              <a:rPr lang="de-CH" dirty="0"/>
+              <a:t>Ablauf eines </a:t>
+            </a:r>
+            <a:r>
+              <a:rPr lang="de-CH" dirty="0" smtClean="0"/>
+              <a:t>evolutionären Algorithmus</a:t>
+            </a:r>
+          </a:p>
+          <a:p>
+            <a:r>
+              <a:rPr lang="de-CH" dirty="0" smtClean="0"/>
+              <a:t>Initiale Population</a:t>
+            </a:r>
+          </a:p>
+          <a:p>
+            <a:r>
+              <a:rPr lang="de-CH" dirty="0" smtClean="0"/>
+              <a:t>Evaluation</a:t>
+            </a:r>
+          </a:p>
+          <a:p>
+            <a:r>
+              <a:rPr lang="de-CH" dirty="0" smtClean="0"/>
+              <a:t>Selektionsstrategie</a:t>
+            </a:r>
+          </a:p>
+          <a:p>
+            <a:r>
+              <a:rPr lang="de-CH" dirty="0" smtClean="0"/>
+              <a:t>Mutation</a:t>
+            </a:r>
+          </a:p>
+          <a:p>
+            <a:endParaRPr lang="de-CH" dirty="0"/>
+          </a:p>
+        </p:txBody>
+      </p:sp>
+      <p:sp>
+        <p:nvSpPr>
+          <p:cNvPr id="4" name="Date Placeholder 3"/>
+          <p:cNvSpPr>
+            <a:spLocks noGrp="1"/>
+          </p:cNvSpPr>
+          <p:nvPr>
+            <p:ph type="dt" sz="half" idx="10"/>
+          </p:nvPr>
+        </p:nvSpPr>
+        <p:spPr/>
+        <p:txBody>
+          <a:bodyPr/>
+          <a:lstStyle/>
+          <a:p>
+            <a:fld id="{C85944C4-99C3-4AAD-B274-CCA99F6BAB6F}" type="datetime1">
+              <a:rPr lang="de-CH" smtClean="0"/>
+              <a:t>28.06.2016</a:t>
+            </a:fld>
+            <a:endParaRPr lang="de-CH" dirty="0"/>
+          </a:p>
+        </p:txBody>
+      </p:sp>
+      <p:sp>
+        <p:nvSpPr>
+          <p:cNvPr id="5" name="Slide Number Placeholder 4"/>
+          <p:cNvSpPr>
+            <a:spLocks noGrp="1"/>
+          </p:cNvSpPr>
+          <p:nvPr>
+            <p:ph type="sldNum" sz="quarter" idx="12"/>
+          </p:nvPr>
+        </p:nvSpPr>
+        <p:spPr/>
+        <p:txBody>
+          <a:bodyPr/>
+          <a:lstStyle/>
+          <a:p>
+            <a:fld id="{9DD3427A-877F-49F0-A244-E76867DD5238}" type="slidenum">
+              <a:rPr lang="de-CH" smtClean="0"/>
+              <a:t>8</a:t>
+            </a:fld>
+            <a:endParaRPr lang="de-CH"/>
+          </a:p>
+        </p:txBody>
+      </p:sp>
+      <p:sp>
+        <p:nvSpPr>
+          <p:cNvPr id="6" name="Footer Placeholder 5"/>
+          <p:cNvSpPr>
+            <a:spLocks noGrp="1"/>
+          </p:cNvSpPr>
+          <p:nvPr>
+            <p:ph type="ftr" sz="quarter" idx="11"/>
+          </p:nvPr>
+        </p:nvSpPr>
+        <p:spPr/>
+        <p:txBody>
+          <a:bodyPr/>
+          <a:lstStyle/>
+          <a:p>
+            <a:r>
+              <a:rPr lang="de-CH" smtClean="0"/>
+              <a:t>Design von artifiziellen Tieren mit evolutionären Algorithmen - F. Hediger, F. Tanner</a:t>
+            </a:r>
+            <a:endParaRPr lang="de-CH" dirty="0"/>
+          </a:p>
+        </p:txBody>
+      </p:sp>
+    </p:spTree>
+    <p:extLst>
+      <p:ext uri="{BB962C8B-B14F-4D97-AF65-F5344CB8AC3E}">
+        <p14:creationId xmlns:p14="http://schemas.microsoft.com/office/powerpoint/2010/main" val="3655586289"/>
+      </p:ext>
+    </p:extLst>
+  </p:cSld>
+  <p:clrMapOvr>
+    <a:masterClrMapping/>
+  </p:clrMapOvr>
+  <p:timing>
+    <p:tnLst>
+      <p:par>
+        <p:cTn id="1" dur="indefinite" restart="never" nodeType="tmRoot"/>
+      </p:par>
+    </p:tnLst>
+  </p:timing>
+</p:sld>
+</file>
+
+<file path=ppt/slides/slide9.xml><?xml version="1.0" encoding="utf-8"?>
+<p:sld xmlns:a="http://schemas.openxmlformats.org/drawingml/2006/main" xmlns:r="http://schemas.openxmlformats.org/officeDocument/2006/relationships" xmlns:p="http://schemas.openxmlformats.org/presentationml/2006/main">
+  <p:cSld>
+    <p:spTree>
+      <p:nvGrpSpPr>
+        <p:cNvPr id="1" name=""/>
+        <p:cNvGrpSpPr/>
+        <p:nvPr/>
+      </p:nvGrpSpPr>
+      <p:grpSpPr>
+        <a:xfrm>
+          <a:off x="0" y="0"/>
+          <a:ext cx="0" cy="0"/>
+          <a:chOff x="0" y="0"/>
+          <a:chExt cx="0" cy="0"/>
+        </a:xfrm>
+      </p:grpSpPr>
+      <p:sp>
+        <p:nvSpPr>
+          <p:cNvPr id="2" name="Title 1"/>
+          <p:cNvSpPr>
+            <a:spLocks noGrp="1"/>
+          </p:cNvSpPr>
+          <p:nvPr>
+            <p:ph type="title"/>
+          </p:nvPr>
+        </p:nvSpPr>
+        <p:spPr/>
+        <p:txBody>
+          <a:bodyPr/>
+          <a:lstStyle/>
+          <a:p>
+            <a:r>
+              <a:rPr lang="de-CH" dirty="0" smtClean="0"/>
               <a:t>Ablauf eines Evolutionären Algorithmus</a:t>
             </a:r>
             <a:endParaRPr lang="de-CH" dirty="0"/>
@@ -27948,7 +29777,7 @@
           <a:p>
             <a:fld id="{9DD3427A-877F-49F0-A244-E76867DD5238}" type="slidenum">
               <a:rPr lang="de-CH" smtClean="0"/>
-              <a:t>7</a:t>
+              <a:t>9</a:t>
             </a:fld>
             <a:endParaRPr lang="de-CH"/>
           </a:p>
@@ -28102,473 +29931,6 @@
     <p:extLst>
       <p:ext uri="{BB962C8B-B14F-4D97-AF65-F5344CB8AC3E}">
         <p14:creationId xmlns:p14="http://schemas.microsoft.com/office/powerpoint/2010/main" val="1157827422"/>
-      </p:ext>
-    </p:extLst>
-  </p:cSld>
-  <p:clrMapOvr>
-    <a:masterClrMapping/>
-  </p:clrMapOvr>
-  <p:timing>
-    <p:tnLst>
-      <p:par>
-        <p:cTn id="1" dur="indefinite" restart="never" nodeType="tmRoot"/>
-      </p:par>
-    </p:tnLst>
-  </p:timing>
-</p:sld>
-</file>
-
-<file path=ppt/slides/slide8.xml><?xml version="1.0" encoding="utf-8"?>
-<p:sld xmlns:a="http://schemas.openxmlformats.org/drawingml/2006/main" xmlns:r="http://schemas.openxmlformats.org/officeDocument/2006/relationships" xmlns:p="http://schemas.openxmlformats.org/presentationml/2006/main">
-  <p:cSld>
-    <p:spTree>
-      <p:nvGrpSpPr>
-        <p:cNvPr id="1" name=""/>
-        <p:cNvGrpSpPr/>
-        <p:nvPr/>
-      </p:nvGrpSpPr>
-      <p:grpSpPr>
-        <a:xfrm>
-          <a:off x="0" y="0"/>
-          <a:ext cx="0" cy="0"/>
-          <a:chOff x="0" y="0"/>
-          <a:chExt cx="0" cy="0"/>
-        </a:xfrm>
-      </p:grpSpPr>
-      <p:sp>
-        <p:nvSpPr>
-          <p:cNvPr id="2" name="Title 1"/>
-          <p:cNvSpPr>
-            <a:spLocks noGrp="1"/>
-          </p:cNvSpPr>
-          <p:nvPr>
-            <p:ph type="title"/>
-          </p:nvPr>
-        </p:nvSpPr>
-        <p:spPr/>
-        <p:txBody>
-          <a:bodyPr/>
-          <a:lstStyle/>
-          <a:p>
-            <a:r>
-              <a:rPr lang="de-CH" dirty="0" smtClean="0"/>
-              <a:t>Evaluation</a:t>
-            </a:r>
-            <a:endParaRPr lang="de-CH" dirty="0"/>
-          </a:p>
-        </p:txBody>
-      </p:sp>
-      <p:sp>
-        <p:nvSpPr>
-          <p:cNvPr id="3" name="Content Placeholder 2"/>
-          <p:cNvSpPr>
-            <a:spLocks noGrp="1"/>
-          </p:cNvSpPr>
-          <p:nvPr>
-            <p:ph idx="1"/>
-          </p:nvPr>
-        </p:nvSpPr>
-        <p:spPr/>
-        <p:txBody>
-          <a:bodyPr/>
-          <a:lstStyle/>
-          <a:p>
-            <a:r>
-              <a:rPr lang="de-CH" dirty="0" smtClean="0"/>
-              <a:t>Evaluation der Fitnessfunktion</a:t>
-            </a:r>
-          </a:p>
-          <a:p>
-            <a:endParaRPr lang="de-CH" dirty="0" smtClean="0"/>
-          </a:p>
-          <a:p>
-            <a:r>
-              <a:rPr lang="de-CH" dirty="0" smtClean="0"/>
-              <a:t>Fitnessfunktion wird vom Anwender definiert</a:t>
-            </a:r>
-          </a:p>
-          <a:p>
-            <a:endParaRPr lang="de-CH" dirty="0"/>
-          </a:p>
-          <a:p>
-            <a:r>
-              <a:rPr lang="de-CH" dirty="0" smtClean="0"/>
-              <a:t>Rechenintensive Aufgabe</a:t>
-            </a:r>
-          </a:p>
-          <a:p>
-            <a:endParaRPr lang="de-CH" dirty="0"/>
-          </a:p>
-          <a:p>
-            <a:r>
-              <a:rPr lang="de-CH" dirty="0" smtClean="0"/>
-              <a:t>Zurückgelegte Strecke der Individuen</a:t>
-            </a:r>
-            <a:endParaRPr lang="de-CH" dirty="0"/>
-          </a:p>
-          <a:p>
-            <a:endParaRPr lang="de-CH" dirty="0"/>
-          </a:p>
-        </p:txBody>
-      </p:sp>
-      <p:sp>
-        <p:nvSpPr>
-          <p:cNvPr id="4" name="Date Placeholder 3"/>
-          <p:cNvSpPr>
-            <a:spLocks noGrp="1"/>
-          </p:cNvSpPr>
-          <p:nvPr>
-            <p:ph type="dt" sz="half" idx="10"/>
-          </p:nvPr>
-        </p:nvSpPr>
-        <p:spPr/>
-        <p:txBody>
-          <a:bodyPr/>
-          <a:lstStyle/>
-          <a:p>
-            <a:fld id="{E6DD9CFA-7FDE-4C28-9438-98659B0FC9DB}" type="datetime1">
-              <a:rPr lang="de-CH" smtClean="0"/>
-              <a:t>28.06.2016</a:t>
-            </a:fld>
-            <a:endParaRPr lang="de-CH" dirty="0"/>
-          </a:p>
-        </p:txBody>
-      </p:sp>
-      <p:sp>
-        <p:nvSpPr>
-          <p:cNvPr id="5" name="Footer Placeholder 4"/>
-          <p:cNvSpPr>
-            <a:spLocks noGrp="1"/>
-          </p:cNvSpPr>
-          <p:nvPr>
-            <p:ph type="ftr" sz="quarter" idx="11"/>
-          </p:nvPr>
-        </p:nvSpPr>
-        <p:spPr/>
-        <p:txBody>
-          <a:bodyPr/>
-          <a:lstStyle/>
-          <a:p>
-            <a:r>
-              <a:rPr lang="de-CH" smtClean="0"/>
-              <a:t>Design von artifiziellen Tieren mit evolutionären Algorithmen - F. Hediger, F. Tanner</a:t>
-            </a:r>
-            <a:endParaRPr lang="de-CH" dirty="0"/>
-          </a:p>
-        </p:txBody>
-      </p:sp>
-      <p:sp>
-        <p:nvSpPr>
-          <p:cNvPr id="6" name="Slide Number Placeholder 5"/>
-          <p:cNvSpPr>
-            <a:spLocks noGrp="1"/>
-          </p:cNvSpPr>
-          <p:nvPr>
-            <p:ph type="sldNum" sz="quarter" idx="12"/>
-          </p:nvPr>
-        </p:nvSpPr>
-        <p:spPr/>
-        <p:txBody>
-          <a:bodyPr/>
-          <a:lstStyle/>
-          <a:p>
-            <a:fld id="{9DD3427A-877F-49F0-A244-E76867DD5238}" type="slidenum">
-              <a:rPr lang="de-CH" smtClean="0"/>
-              <a:t>8</a:t>
-            </a:fld>
-            <a:endParaRPr lang="de-CH"/>
-          </a:p>
-        </p:txBody>
-      </p:sp>
-    </p:spTree>
-    <p:extLst>
-      <p:ext uri="{BB962C8B-B14F-4D97-AF65-F5344CB8AC3E}">
-        <p14:creationId xmlns:p14="http://schemas.microsoft.com/office/powerpoint/2010/main" val="157564526"/>
-      </p:ext>
-    </p:extLst>
-  </p:cSld>
-  <p:clrMapOvr>
-    <a:masterClrMapping/>
-  </p:clrMapOvr>
-  <p:timing>
-    <p:tnLst>
-      <p:par>
-        <p:cTn id="1" dur="indefinite" restart="never" nodeType="tmRoot"/>
-      </p:par>
-    </p:tnLst>
-  </p:timing>
-</p:sld>
-</file>
-
-<file path=ppt/slides/slide9.xml><?xml version="1.0" encoding="utf-8"?>
-<p:sld xmlns:a="http://schemas.openxmlformats.org/drawingml/2006/main" xmlns:r="http://schemas.openxmlformats.org/officeDocument/2006/relationships" xmlns:p="http://schemas.openxmlformats.org/presentationml/2006/main">
-  <p:cSld>
-    <p:spTree>
-      <p:nvGrpSpPr>
-        <p:cNvPr id="1" name=""/>
-        <p:cNvGrpSpPr/>
-        <p:nvPr/>
-      </p:nvGrpSpPr>
-      <p:grpSpPr>
-        <a:xfrm>
-          <a:off x="0" y="0"/>
-          <a:ext cx="0" cy="0"/>
-          <a:chOff x="0" y="0"/>
-          <a:chExt cx="0" cy="0"/>
-        </a:xfrm>
-      </p:grpSpPr>
-      <p:sp>
-        <p:nvSpPr>
-          <p:cNvPr id="7" name="Title 6"/>
-          <p:cNvSpPr>
-            <a:spLocks noGrp="1"/>
-          </p:cNvSpPr>
-          <p:nvPr>
-            <p:ph type="title"/>
-          </p:nvPr>
-        </p:nvSpPr>
-        <p:spPr/>
-        <p:txBody>
-          <a:bodyPr/>
-          <a:lstStyle/>
-          <a:p>
-            <a:r>
-              <a:rPr lang="de-CH" dirty="0" smtClean="0"/>
-              <a:t>Selektionsstrategie</a:t>
-            </a:r>
-            <a:endParaRPr lang="de-CH" dirty="0"/>
-          </a:p>
-        </p:txBody>
-      </p:sp>
-      <p:sp>
-        <p:nvSpPr>
-          <p:cNvPr id="8" name="Text Placeholder 7"/>
-          <p:cNvSpPr>
-            <a:spLocks noGrp="1"/>
-          </p:cNvSpPr>
-          <p:nvPr>
-            <p:ph type="body" idx="1"/>
-          </p:nvPr>
-        </p:nvSpPr>
-        <p:spPr/>
-        <p:txBody>
-          <a:bodyPr/>
-          <a:lstStyle/>
-          <a:p>
-            <a:r>
-              <a:rPr lang="de-CH" dirty="0" smtClean="0"/>
-              <a:t>Allgemein</a:t>
-            </a:r>
-            <a:endParaRPr lang="de-CH" dirty="0"/>
-          </a:p>
-        </p:txBody>
-      </p:sp>
-      <p:sp>
-        <p:nvSpPr>
-          <p:cNvPr id="9" name="Content Placeholder 8"/>
-          <p:cNvSpPr>
-            <a:spLocks noGrp="1"/>
-          </p:cNvSpPr>
-          <p:nvPr>
-            <p:ph sz="half" idx="2"/>
-          </p:nvPr>
-        </p:nvSpPr>
-        <p:spPr/>
-        <p:txBody>
-          <a:bodyPr/>
-          <a:lstStyle/>
-          <a:p>
-            <a:pPr marL="91440" lvl="1" indent="-91440">
-              <a:spcBef>
-                <a:spcPts val="1200"/>
-              </a:spcBef>
-              <a:spcAft>
-                <a:spcPts val="200"/>
-              </a:spcAft>
-              <a:buSzPct val="100000"/>
-              <a:buFont typeface="Wingdings" panose="05000000000000000000" pitchFamily="2" charset="2"/>
-              <a:buChar char="§"/>
-            </a:pPr>
-            <a:r>
-              <a:rPr lang="de-CH" sz="1800" dirty="0"/>
-              <a:t>Selektion der Individuen zur Reproduktion</a:t>
-            </a:r>
-          </a:p>
-          <a:p>
-            <a:pPr marL="91440" lvl="1" indent="-91440">
-              <a:spcBef>
-                <a:spcPts val="1200"/>
-              </a:spcBef>
-              <a:spcAft>
-                <a:spcPts val="200"/>
-              </a:spcAft>
-              <a:buSzPct val="100000"/>
-              <a:buFont typeface="Wingdings" panose="05000000000000000000" pitchFamily="2" charset="2"/>
-              <a:buChar char="§"/>
-            </a:pPr>
-            <a:endParaRPr lang="de-CH" dirty="0" smtClean="0"/>
-          </a:p>
-          <a:p>
-            <a:pPr marL="91440" lvl="1" indent="-91440">
-              <a:spcBef>
-                <a:spcPts val="1200"/>
-              </a:spcBef>
-              <a:spcAft>
-                <a:spcPts val="200"/>
-              </a:spcAft>
-              <a:buSzPct val="100000"/>
-              <a:buFont typeface="Wingdings" panose="05000000000000000000" pitchFamily="2" charset="2"/>
-              <a:buChar char="§"/>
-            </a:pPr>
-            <a:r>
-              <a:rPr lang="de-CH" sz="1800" dirty="0"/>
-              <a:t>Erhaltung der Diversität</a:t>
-            </a:r>
-          </a:p>
-          <a:p>
-            <a:pPr marL="91440" lvl="1" indent="-91440">
-              <a:spcBef>
-                <a:spcPts val="1200"/>
-              </a:spcBef>
-              <a:spcAft>
-                <a:spcPts val="200"/>
-              </a:spcAft>
-              <a:buSzPct val="100000"/>
-              <a:buFont typeface="Wingdings" panose="05000000000000000000" pitchFamily="2" charset="2"/>
-              <a:buChar char="§"/>
-            </a:pPr>
-            <a:endParaRPr lang="de-CH" dirty="0"/>
-          </a:p>
-          <a:p>
-            <a:endParaRPr lang="de-CH" dirty="0"/>
-          </a:p>
-        </p:txBody>
-      </p:sp>
-      <p:sp>
-        <p:nvSpPr>
-          <p:cNvPr id="10" name="Text Placeholder 9"/>
-          <p:cNvSpPr>
-            <a:spLocks noGrp="1"/>
-          </p:cNvSpPr>
-          <p:nvPr>
-            <p:ph type="body" sz="quarter" idx="3"/>
-          </p:nvPr>
-        </p:nvSpPr>
-        <p:spPr/>
-        <p:txBody>
-          <a:bodyPr/>
-          <a:lstStyle/>
-          <a:p>
-            <a:r>
-              <a:rPr lang="de-CH" dirty="0" smtClean="0"/>
-              <a:t>Turnierbasierte Selektion</a:t>
-            </a:r>
-            <a:endParaRPr lang="de-CH" dirty="0"/>
-          </a:p>
-        </p:txBody>
-      </p:sp>
-      <p:pic>
-        <p:nvPicPr>
-          <p:cNvPr id="12" name="Content Placeholder 11"/>
-          <p:cNvPicPr>
-            <a:picLocks noGrp="1" noChangeAspect="1"/>
-          </p:cNvPicPr>
-          <p:nvPr>
-            <p:ph sz="quarter" idx="4"/>
-          </p:nvPr>
-        </p:nvPicPr>
-        <p:blipFill>
-          <a:blip r:embed="rId2">
-            <a:extLst>
-              <a:ext uri="{28A0092B-C50C-407E-A947-70E740481C1C}">
-                <a14:useLocalDpi xmlns:a14="http://schemas.microsoft.com/office/drawing/2010/main" val="0"/>
-              </a:ext>
-            </a:extLst>
-          </a:blip>
-          <a:stretch>
-            <a:fillRect/>
-          </a:stretch>
-        </p:blipFill>
-        <p:spPr>
-          <a:xfrm>
-            <a:off x="5884164" y="2903976"/>
-            <a:ext cx="4330073" cy="3341687"/>
-          </a:xfrm>
-        </p:spPr>
-      </p:pic>
-      <p:sp>
-        <p:nvSpPr>
-          <p:cNvPr id="4" name="Date Placeholder 3"/>
-          <p:cNvSpPr>
-            <a:spLocks noGrp="1"/>
-          </p:cNvSpPr>
-          <p:nvPr>
-            <p:ph type="dt" sz="half" idx="10"/>
-          </p:nvPr>
-        </p:nvSpPr>
-        <p:spPr/>
-        <p:txBody>
-          <a:bodyPr/>
-          <a:lstStyle/>
-          <a:p>
-            <a:fld id="{E6DD9CFA-7FDE-4C28-9438-98659B0FC9DB}" type="datetime1">
-              <a:rPr lang="de-CH" smtClean="0"/>
-              <a:t>28.06.2016</a:t>
-            </a:fld>
-            <a:endParaRPr lang="de-CH" dirty="0"/>
-          </a:p>
-        </p:txBody>
-      </p:sp>
-      <p:sp>
-        <p:nvSpPr>
-          <p:cNvPr id="5" name="Footer Placeholder 4"/>
-          <p:cNvSpPr>
-            <a:spLocks noGrp="1"/>
-          </p:cNvSpPr>
-          <p:nvPr>
-            <p:ph type="ftr" sz="quarter" idx="11"/>
-          </p:nvPr>
-        </p:nvSpPr>
-        <p:spPr/>
-        <p:txBody>
-          <a:bodyPr/>
-          <a:lstStyle/>
-          <a:p>
-            <a:r>
-              <a:rPr lang="de-CH" smtClean="0"/>
-              <a:t>Design von artifiziellen Tieren mit evolutionären Algorithmen - F. Hediger, F. Tanner</a:t>
-            </a:r>
-            <a:endParaRPr lang="de-CH" dirty="0"/>
-          </a:p>
-        </p:txBody>
-      </p:sp>
-      <p:sp>
-        <p:nvSpPr>
-          <p:cNvPr id="6" name="Slide Number Placeholder 5"/>
-          <p:cNvSpPr>
-            <a:spLocks noGrp="1"/>
-          </p:cNvSpPr>
-          <p:nvPr>
-            <p:ph type="sldNum" sz="quarter" idx="12"/>
-          </p:nvPr>
-        </p:nvSpPr>
-        <p:spPr/>
-        <p:txBody>
-          <a:bodyPr/>
-          <a:lstStyle/>
-          <a:p>
-            <a:fld id="{9DD3427A-877F-49F0-A244-E76867DD5238}" type="slidenum">
-              <a:rPr lang="de-CH" smtClean="0"/>
-              <a:t>9</a:t>
-            </a:fld>
-            <a:endParaRPr lang="de-CH"/>
-          </a:p>
-        </p:txBody>
-      </p:sp>
-    </p:spTree>
-    <p:extLst>
-      <p:ext uri="{BB962C8B-B14F-4D97-AF65-F5344CB8AC3E}">
-        <p14:creationId xmlns:p14="http://schemas.microsoft.com/office/powerpoint/2010/main" val="2659115935"/>
       </p:ext>
     </p:extLst>
   </p:cSld>
